--- a/Presentations/29_06_2020 - Approaches.pptx
+++ b/Presentations/29_06_2020 - Approaches.pptx
@@ -1,33 +1,40 @@
 
 <file path=ppt/presentation.xml><?xml version="1.0" encoding="utf-8"?>
-<p:presentation xmlns:a="http://schemas.openxmlformats.org/drawingml/2006/main" xmlns:r="http://schemas.openxmlformats.org/officeDocument/2006/relationships" xmlns:mc="http://schemas.openxmlformats.org/markup-compatibility/2006" xmlns:mv="urn:schemas-microsoft-com:mac:vml" xmlns:p="http://schemas.openxmlformats.org/presentationml/2006/main" xmlns:c="http://schemas.openxmlformats.org/drawingml/2006/chart" xmlns:dgm="http://schemas.openxmlformats.org/drawingml/2006/diagram" xmlns:o="urn:schemas-microsoft-com:office:office" xmlns:v="urn:schemas-microsoft-com:vml" xmlns:pvml="urn:schemas-microsoft-com:office:powerpoint" xmlns:com="http://schemas.openxmlformats.org/drawingml/2006/compatibility" xmlns:p14="http://schemas.microsoft.com/office/powerpoint/2010/main" xmlns:p15="http://schemas.microsoft.com/office/powerpoint/2012/main" autoCompressPictures="0" embedTrueTypeFonts="1" strictFirstAndLastChars="0" saveSubsetFonts="1">
+<p:presentation xmlns:a="http://schemas.openxmlformats.org/drawingml/2006/main" xmlns:r="http://schemas.openxmlformats.org/officeDocument/2006/relationships" xmlns:p="http://schemas.openxmlformats.org/presentationml/2006/main" strictFirstAndLastChars="0" embedTrueTypeFonts="1" saveSubsetFonts="1" autoCompressPictures="0">
   <p:sldMasterIdLst>
-    <p:sldMasterId id="2147483659" r:id="rId4"/>
+    <p:sldMasterId id="2147483659" r:id="rId1"/>
   </p:sldMasterIdLst>
   <p:notesMasterIdLst>
-    <p:notesMasterId r:id="rId5"/>
+    <p:notesMasterId r:id="rId8"/>
   </p:notesMasterIdLst>
   <p:sldIdLst>
-    <p:sldId id="256" r:id="rId6"/>
-    <p:sldId id="257" r:id="rId7"/>
-    <p:sldId id="258" r:id="rId8"/>
-    <p:sldId id="259" r:id="rId9"/>
-    <p:sldId id="260" r:id="rId10"/>
-    <p:sldId id="261" r:id="rId11"/>
+    <p:sldId id="256" r:id="rId2"/>
+    <p:sldId id="257" r:id="rId3"/>
+    <p:sldId id="258" r:id="rId4"/>
+    <p:sldId id="259" r:id="rId5"/>
+    <p:sldId id="260" r:id="rId6"/>
+    <p:sldId id="261" r:id="rId7"/>
   </p:sldIdLst>
-  <p:sldSz cy="5143500" cx="9144000"/>
+  <p:sldSz cx="9144000" cy="5143500" type="screen16x9"/>
   <p:notesSz cx="6858000" cy="9144000"/>
   <p:embeddedFontLst>
     <p:embeddedFont>
-      <p:font typeface="Nunito"/>
-      <p:regular r:id="rId12"/>
-      <p:bold r:id="rId13"/>
-      <p:italic r:id="rId14"/>
-      <p:boldItalic r:id="rId15"/>
+      <p:font typeface="Calibri" panose="020F0502020204030204" pitchFamily="34" charset="0"/>
+      <p:regular r:id="rId9"/>
+      <p:bold r:id="rId10"/>
+      <p:italic r:id="rId11"/>
+      <p:boldItalic r:id="rId12"/>
+    </p:embeddedFont>
+    <p:embeddedFont>
+      <p:font typeface="Nunito" pitchFamily="2" charset="77"/>
+      <p:regular r:id="rId13"/>
+      <p:bold r:id="rId14"/>
+      <p:italic r:id="rId15"/>
+      <p:boldItalic r:id="rId16"/>
     </p:embeddedFont>
   </p:embeddedFontLst>
   <p:defaultTextStyle>
-    <a:defPPr lvl="0" marR="0" rtl="0" algn="l">
+    <a:defPPr marR="0" lvl="0" algn="l" rtl="0">
       <a:lnSpc>
         <a:spcPct val="100000"/>
       </a:lnSpc>
@@ -38,7 +45,7 @@
         <a:spcPts val="0"/>
       </a:spcAft>
     </a:defPPr>
-    <a:lvl1pPr lvl="0" marR="0" rtl="0" algn="l">
+    <a:lvl1pPr marR="0" lvl="0" algn="l" rtl="0">
       <a:lnSpc>
         <a:spcPct val="100000"/>
       </a:lnSpc>
@@ -52,7 +59,7 @@
         <a:srgbClr val="000000"/>
       </a:buClr>
       <a:buFont typeface="Arial"/>
-      <a:defRPr b="0" i="0" sz="1400" u="none" cap="none" strike="noStrike">
+      <a:defRPr sz="1400" b="0" i="0" u="none" strike="noStrike" cap="none">
         <a:solidFill>
           <a:srgbClr val="000000"/>
         </a:solidFill>
@@ -62,7 +69,7 @@
         <a:sym typeface="Arial"/>
       </a:defRPr>
     </a:lvl1pPr>
-    <a:lvl2pPr lvl="1" marR="0" rtl="0" algn="l">
+    <a:lvl2pPr marR="0" lvl="1" algn="l" rtl="0">
       <a:lnSpc>
         <a:spcPct val="100000"/>
       </a:lnSpc>
@@ -76,7 +83,7 @@
         <a:srgbClr val="000000"/>
       </a:buClr>
       <a:buFont typeface="Arial"/>
-      <a:defRPr b="0" i="0" sz="1400" u="none" cap="none" strike="noStrike">
+      <a:defRPr sz="1400" b="0" i="0" u="none" strike="noStrike" cap="none">
         <a:solidFill>
           <a:srgbClr val="000000"/>
         </a:solidFill>
@@ -86,7 +93,7 @@
         <a:sym typeface="Arial"/>
       </a:defRPr>
     </a:lvl2pPr>
-    <a:lvl3pPr lvl="2" marR="0" rtl="0" algn="l">
+    <a:lvl3pPr marR="0" lvl="2" algn="l" rtl="0">
       <a:lnSpc>
         <a:spcPct val="100000"/>
       </a:lnSpc>
@@ -100,7 +107,7 @@
         <a:srgbClr val="000000"/>
       </a:buClr>
       <a:buFont typeface="Arial"/>
-      <a:defRPr b="0" i="0" sz="1400" u="none" cap="none" strike="noStrike">
+      <a:defRPr sz="1400" b="0" i="0" u="none" strike="noStrike" cap="none">
         <a:solidFill>
           <a:srgbClr val="000000"/>
         </a:solidFill>
@@ -110,7 +117,7 @@
         <a:sym typeface="Arial"/>
       </a:defRPr>
     </a:lvl3pPr>
-    <a:lvl4pPr lvl="3" marR="0" rtl="0" algn="l">
+    <a:lvl4pPr marR="0" lvl="3" algn="l" rtl="0">
       <a:lnSpc>
         <a:spcPct val="100000"/>
       </a:lnSpc>
@@ -124,7 +131,7 @@
         <a:srgbClr val="000000"/>
       </a:buClr>
       <a:buFont typeface="Arial"/>
-      <a:defRPr b="0" i="0" sz="1400" u="none" cap="none" strike="noStrike">
+      <a:defRPr sz="1400" b="0" i="0" u="none" strike="noStrike" cap="none">
         <a:solidFill>
           <a:srgbClr val="000000"/>
         </a:solidFill>
@@ -134,7 +141,7 @@
         <a:sym typeface="Arial"/>
       </a:defRPr>
     </a:lvl4pPr>
-    <a:lvl5pPr lvl="4" marR="0" rtl="0" algn="l">
+    <a:lvl5pPr marR="0" lvl="4" algn="l" rtl="0">
       <a:lnSpc>
         <a:spcPct val="100000"/>
       </a:lnSpc>
@@ -148,7 +155,7 @@
         <a:srgbClr val="000000"/>
       </a:buClr>
       <a:buFont typeface="Arial"/>
-      <a:defRPr b="0" i="0" sz="1400" u="none" cap="none" strike="noStrike">
+      <a:defRPr sz="1400" b="0" i="0" u="none" strike="noStrike" cap="none">
         <a:solidFill>
           <a:srgbClr val="000000"/>
         </a:solidFill>
@@ -158,7 +165,7 @@
         <a:sym typeface="Arial"/>
       </a:defRPr>
     </a:lvl5pPr>
-    <a:lvl6pPr lvl="5" marR="0" rtl="0" algn="l">
+    <a:lvl6pPr marR="0" lvl="5" algn="l" rtl="0">
       <a:lnSpc>
         <a:spcPct val="100000"/>
       </a:lnSpc>
@@ -172,7 +179,7 @@
         <a:srgbClr val="000000"/>
       </a:buClr>
       <a:buFont typeface="Arial"/>
-      <a:defRPr b="0" i="0" sz="1400" u="none" cap="none" strike="noStrike">
+      <a:defRPr sz="1400" b="0" i="0" u="none" strike="noStrike" cap="none">
         <a:solidFill>
           <a:srgbClr val="000000"/>
         </a:solidFill>
@@ -182,7 +189,7 @@
         <a:sym typeface="Arial"/>
       </a:defRPr>
     </a:lvl6pPr>
-    <a:lvl7pPr lvl="6" marR="0" rtl="0" algn="l">
+    <a:lvl7pPr marR="0" lvl="6" algn="l" rtl="0">
       <a:lnSpc>
         <a:spcPct val="100000"/>
       </a:lnSpc>
@@ -196,7 +203,7 @@
         <a:srgbClr val="000000"/>
       </a:buClr>
       <a:buFont typeface="Arial"/>
-      <a:defRPr b="0" i="0" sz="1400" u="none" cap="none" strike="noStrike">
+      <a:defRPr sz="1400" b="0" i="0" u="none" strike="noStrike" cap="none">
         <a:solidFill>
           <a:srgbClr val="000000"/>
         </a:solidFill>
@@ -206,7 +213,7 @@
         <a:sym typeface="Arial"/>
       </a:defRPr>
     </a:lvl7pPr>
-    <a:lvl8pPr lvl="7" marR="0" rtl="0" algn="l">
+    <a:lvl8pPr marR="0" lvl="7" algn="l" rtl="0">
       <a:lnSpc>
         <a:spcPct val="100000"/>
       </a:lnSpc>
@@ -220,7 +227,7 @@
         <a:srgbClr val="000000"/>
       </a:buClr>
       <a:buFont typeface="Arial"/>
-      <a:defRPr b="0" i="0" sz="1400" u="none" cap="none" strike="noStrike">
+      <a:defRPr sz="1400" b="0" i="0" u="none" strike="noStrike" cap="none">
         <a:solidFill>
           <a:srgbClr val="000000"/>
         </a:solidFill>
@@ -230,7 +237,7 @@
         <a:sym typeface="Arial"/>
       </a:defRPr>
     </a:lvl8pPr>
-    <a:lvl9pPr lvl="8" marR="0" rtl="0" algn="l">
+    <a:lvl9pPr marR="0" lvl="8" algn="l" rtl="0">
       <a:lnSpc>
         <a:spcPct val="100000"/>
       </a:lnSpc>
@@ -244,7 +251,7 @@
         <a:srgbClr val="000000"/>
       </a:buClr>
       <a:buFont typeface="Arial"/>
-      <a:defRPr b="0" i="0" sz="1400" u="none" cap="none" strike="noStrike">
+      <a:defRPr sz="1400" b="0" i="0" u="none" strike="noStrike" cap="none">
         <a:solidFill>
           <a:srgbClr val="000000"/>
         </a:solidFill>
@@ -257,7 +264,7 @@
   </p:defaultTextStyle>
   <p:extLst>
     <p:ext uri="{EFAFB233-063F-42B5-8137-9DF3F51BA10A}">
-      <p15:sldGuideLst>
+      <p15:sldGuideLst xmlns:p15="http://schemas.microsoft.com/office/powerpoint/2012/main">
         <p15:guide id="1" orient="horz" pos="1620">
           <p15:clr>
             <a:srgbClr val="A4A3A4"/>
@@ -275,11 +282,16 @@
 </file>
 
 <file path=ppt/notesMasters/notesMaster1.xml><?xml version="1.0" encoding="utf-8"?>
-<p:notesMaster xmlns:a="http://schemas.openxmlformats.org/drawingml/2006/main" xmlns:r="http://schemas.openxmlformats.org/officeDocument/2006/relationships" xmlns:mc="http://schemas.openxmlformats.org/markup-compatibility/2006" xmlns:mv="urn:schemas-microsoft-com:mac:vml" xmlns:p="http://schemas.openxmlformats.org/presentationml/2006/main" xmlns:c="http://schemas.openxmlformats.org/drawingml/2006/chart" xmlns:dgm="http://schemas.openxmlformats.org/drawingml/2006/diagram" xmlns:o="urn:schemas-microsoft-com:office:office" xmlns:v="urn:schemas-microsoft-com:vml" xmlns:pvml="urn:schemas-microsoft-com:office:powerpoint" xmlns:com="http://schemas.openxmlformats.org/drawingml/2006/compatibility" xmlns:p14="http://schemas.microsoft.com/office/powerpoint/2010/main" xmlns:p15="http://schemas.microsoft.com/office/powerpoint/2012/main">
+<p:notesMaster xmlns:a="http://schemas.openxmlformats.org/drawingml/2006/main" xmlns:r="http://schemas.openxmlformats.org/officeDocument/2006/relationships" xmlns:p="http://schemas.openxmlformats.org/presentationml/2006/main">
   <p:cSld>
+    <p:bg>
+      <p:bgRef idx="1001">
+        <a:schemeClr val="bg1"/>
+      </p:bgRef>
+    </p:bg>
     <p:spTree>
       <p:nvGrpSpPr>
-        <p:cNvPr id="2" name="Shape 2"/>
+        <p:cNvPr id="1" name="Shape 2"/>
         <p:cNvGrpSpPr/>
         <p:nvPr/>
       </p:nvGrpSpPr>
@@ -294,9 +306,11 @@
       <p:sp>
         <p:nvSpPr>
           <p:cNvPr id="3" name="Google Shape;3;n"/>
-          <p:cNvSpPr/>
+          <p:cNvSpPr>
+            <a:spLocks noGrp="1" noRot="1" noChangeAspect="1"/>
+          </p:cNvSpPr>
           <p:nvPr>
-            <p:ph idx="2" type="sldImg"/>
+            <p:ph type="sldImg" idx="2"/>
           </p:nvPr>
         </p:nvSpPr>
         <p:spPr>
@@ -305,9 +319,13 @@
             <a:ext cx="6096075" cy="3429000"/>
           </a:xfrm>
           <a:custGeom>
-            <a:rect b="b" l="l" r="r" t="t"/>
+            <a:avLst/>
+            <a:gdLst/>
+            <a:ahLst/>
+            <a:cxnLst/>
+            <a:rect l="l" t="t" r="r" b="b"/>
             <a:pathLst>
-              <a:path extrusionOk="0" h="120000" w="120000">
+              <a:path w="120000" h="120000" extrusionOk="0">
                 <a:moveTo>
                   <a:pt x="0" y="0"/>
                 </a:moveTo>
@@ -325,23 +343,25 @@
             </a:pathLst>
           </a:custGeom>
           <a:noFill/>
-          <a:ln cap="flat" cmpd="sng" w="9525">
+          <a:ln w="9525" cap="flat" cmpd="sng">
             <a:solidFill>
               <a:srgbClr val="000000"/>
             </a:solidFill>
             <a:prstDash val="solid"/>
             <a:round/>
-            <a:headEnd len="sm" w="sm" type="none"/>
-            <a:tailEnd len="sm" w="sm" type="none"/>
+            <a:headEnd type="none" w="sm" len="sm"/>
+            <a:tailEnd type="none" w="sm" len="sm"/>
           </a:ln>
         </p:spPr>
       </p:sp>
       <p:sp>
         <p:nvSpPr>
           <p:cNvPr id="4" name="Google Shape;4;n"/>
-          <p:cNvSpPr txBox="1"/>
+          <p:cNvSpPr txBox="1">
+            <a:spLocks noGrp="1"/>
+          </p:cNvSpPr>
           <p:nvPr>
-            <p:ph idx="1" type="body"/>
+            <p:ph type="body" idx="1"/>
           </p:nvPr>
         </p:nvSpPr>
         <p:spPr>
@@ -358,11 +378,11 @@
           </a:ln>
         </p:spPr>
         <p:txBody>
-          <a:bodyPr anchorCtr="0" anchor="t" bIns="91425" lIns="91425" spcFirstLastPara="1" rIns="91425" wrap="square" tIns="91425">
+          <a:bodyPr spcFirstLastPara="1" wrap="square" lIns="91425" tIns="91425" rIns="91425" bIns="91425" anchor="t" anchorCtr="0">
             <a:noAutofit/>
           </a:bodyPr>
           <a:lstStyle>
-            <a:lvl1pPr indent="-298450" lvl="0" marL="457200">
+            <a:lvl1pPr marL="457200" lvl="0" indent="-298450">
               <a:spcBef>
                 <a:spcPts val="0"/>
               </a:spcBef>
@@ -373,7 +393,7 @@
               <a:buChar char="●"/>
               <a:defRPr sz="1100"/>
             </a:lvl1pPr>
-            <a:lvl2pPr indent="-298450" lvl="1" marL="914400">
+            <a:lvl2pPr marL="914400" lvl="1" indent="-298450">
               <a:spcBef>
                 <a:spcPts val="0"/>
               </a:spcBef>
@@ -384,7 +404,7 @@
               <a:buChar char="○"/>
               <a:defRPr sz="1100"/>
             </a:lvl2pPr>
-            <a:lvl3pPr indent="-298450" lvl="2" marL="1371600">
+            <a:lvl3pPr marL="1371600" lvl="2" indent="-298450">
               <a:spcBef>
                 <a:spcPts val="0"/>
               </a:spcBef>
@@ -395,7 +415,7 @@
               <a:buChar char="■"/>
               <a:defRPr sz="1100"/>
             </a:lvl3pPr>
-            <a:lvl4pPr indent="-298450" lvl="3" marL="1828800">
+            <a:lvl4pPr marL="1828800" lvl="3" indent="-298450">
               <a:spcBef>
                 <a:spcPts val="0"/>
               </a:spcBef>
@@ -406,7 +426,7 @@
               <a:buChar char="●"/>
               <a:defRPr sz="1100"/>
             </a:lvl4pPr>
-            <a:lvl5pPr indent="-298450" lvl="4" marL="2286000">
+            <a:lvl5pPr marL="2286000" lvl="4" indent="-298450">
               <a:spcBef>
                 <a:spcPts val="0"/>
               </a:spcBef>
@@ -417,7 +437,7 @@
               <a:buChar char="○"/>
               <a:defRPr sz="1100"/>
             </a:lvl5pPr>
-            <a:lvl6pPr indent="-298450" lvl="5" marL="2743200">
+            <a:lvl6pPr marL="2743200" lvl="5" indent="-298450">
               <a:spcBef>
                 <a:spcPts val="0"/>
               </a:spcBef>
@@ -428,7 +448,7 @@
               <a:buChar char="■"/>
               <a:defRPr sz="1100"/>
             </a:lvl6pPr>
-            <a:lvl7pPr indent="-298450" lvl="6" marL="3200400">
+            <a:lvl7pPr marL="3200400" lvl="6" indent="-298450">
               <a:spcBef>
                 <a:spcPts val="0"/>
               </a:spcBef>
@@ -439,7 +459,7 @@
               <a:buChar char="●"/>
               <a:defRPr sz="1100"/>
             </a:lvl7pPr>
-            <a:lvl8pPr indent="-298450" lvl="7" marL="3657600">
+            <a:lvl8pPr marL="3657600" lvl="7" indent="-298450">
               <a:spcBef>
                 <a:spcPts val="0"/>
               </a:spcBef>
@@ -450,7 +470,7 @@
               <a:buChar char="○"/>
               <a:defRPr sz="1100"/>
             </a:lvl8pPr>
-            <a:lvl9pPr indent="-298450" lvl="8" marL="4114800">
+            <a:lvl9pPr marL="4114800" lvl="8" indent="-298450">
               <a:spcBef>
                 <a:spcPts val="0"/>
               </a:spcBef>
@@ -462,14 +482,16 @@
               <a:defRPr sz="1100"/>
             </a:lvl9pPr>
           </a:lstStyle>
-          <a:p/>
+          <a:p>
+            <a:endParaRPr/>
+          </a:p>
         </p:txBody>
       </p:sp>
     </p:spTree>
   </p:cSld>
-  <p:clrMap accent1="accent1" accent2="accent2" accent3="accent3" accent4="accent4" accent5="accent5" accent6="accent6" bg1="lt1" bg2="dk2" tx1="dk1" tx2="lt2" folHlink="folHlink" hlink="hlink"/>
+  <p:clrMap bg1="lt1" tx1="dk1" bg2="dk2" tx2="lt2" accent1="accent1" accent2="accent2" accent3="accent3" accent4="accent4" accent5="accent5" accent6="accent6" hlink="hlink" folHlink="folHlink"/>
   <p:notesStyle>
-    <a:defPPr lvl="0" marR="0" rtl="0" algn="l">
+    <a:defPPr marR="0" lvl="0" algn="l" rtl="0">
       <a:lnSpc>
         <a:spcPct val="100000"/>
       </a:lnSpc>
@@ -480,7 +502,7 @@
         <a:spcPts val="0"/>
       </a:spcAft>
     </a:defPPr>
-    <a:lvl1pPr lvl="0" marR="0" rtl="0" algn="l">
+    <a:lvl1pPr marR="0" lvl="0" algn="l" rtl="0">
       <a:lnSpc>
         <a:spcPct val="100000"/>
       </a:lnSpc>
@@ -494,7 +516,7 @@
         <a:srgbClr val="000000"/>
       </a:buClr>
       <a:buFont typeface="Arial"/>
-      <a:defRPr b="0" i="0" sz="1400" u="none" cap="none" strike="noStrike">
+      <a:defRPr sz="1400" b="0" i="0" u="none" strike="noStrike" cap="none">
         <a:solidFill>
           <a:srgbClr val="000000"/>
         </a:solidFill>
@@ -504,7 +526,7 @@
         <a:sym typeface="Arial"/>
       </a:defRPr>
     </a:lvl1pPr>
-    <a:lvl2pPr lvl="1" marR="0" rtl="0" algn="l">
+    <a:lvl2pPr marR="0" lvl="1" algn="l" rtl="0">
       <a:lnSpc>
         <a:spcPct val="100000"/>
       </a:lnSpc>
@@ -518,7 +540,7 @@
         <a:srgbClr val="000000"/>
       </a:buClr>
       <a:buFont typeface="Arial"/>
-      <a:defRPr b="0" i="0" sz="1400" u="none" cap="none" strike="noStrike">
+      <a:defRPr sz="1400" b="0" i="0" u="none" strike="noStrike" cap="none">
         <a:solidFill>
           <a:srgbClr val="000000"/>
         </a:solidFill>
@@ -528,7 +550,7 @@
         <a:sym typeface="Arial"/>
       </a:defRPr>
     </a:lvl2pPr>
-    <a:lvl3pPr lvl="2" marR="0" rtl="0" algn="l">
+    <a:lvl3pPr marR="0" lvl="2" algn="l" rtl="0">
       <a:lnSpc>
         <a:spcPct val="100000"/>
       </a:lnSpc>
@@ -542,7 +564,7 @@
         <a:srgbClr val="000000"/>
       </a:buClr>
       <a:buFont typeface="Arial"/>
-      <a:defRPr b="0" i="0" sz="1400" u="none" cap="none" strike="noStrike">
+      <a:defRPr sz="1400" b="0" i="0" u="none" strike="noStrike" cap="none">
         <a:solidFill>
           <a:srgbClr val="000000"/>
         </a:solidFill>
@@ -552,7 +574,7 @@
         <a:sym typeface="Arial"/>
       </a:defRPr>
     </a:lvl3pPr>
-    <a:lvl4pPr lvl="3" marR="0" rtl="0" algn="l">
+    <a:lvl4pPr marR="0" lvl="3" algn="l" rtl="0">
       <a:lnSpc>
         <a:spcPct val="100000"/>
       </a:lnSpc>
@@ -566,7 +588,7 @@
         <a:srgbClr val="000000"/>
       </a:buClr>
       <a:buFont typeface="Arial"/>
-      <a:defRPr b="0" i="0" sz="1400" u="none" cap="none" strike="noStrike">
+      <a:defRPr sz="1400" b="0" i="0" u="none" strike="noStrike" cap="none">
         <a:solidFill>
           <a:srgbClr val="000000"/>
         </a:solidFill>
@@ -576,7 +598,7 @@
         <a:sym typeface="Arial"/>
       </a:defRPr>
     </a:lvl4pPr>
-    <a:lvl5pPr lvl="4" marR="0" rtl="0" algn="l">
+    <a:lvl5pPr marR="0" lvl="4" algn="l" rtl="0">
       <a:lnSpc>
         <a:spcPct val="100000"/>
       </a:lnSpc>
@@ -590,7 +612,7 @@
         <a:srgbClr val="000000"/>
       </a:buClr>
       <a:buFont typeface="Arial"/>
-      <a:defRPr b="0" i="0" sz="1400" u="none" cap="none" strike="noStrike">
+      <a:defRPr sz="1400" b="0" i="0" u="none" strike="noStrike" cap="none">
         <a:solidFill>
           <a:srgbClr val="000000"/>
         </a:solidFill>
@@ -600,7 +622,7 @@
         <a:sym typeface="Arial"/>
       </a:defRPr>
     </a:lvl5pPr>
-    <a:lvl6pPr lvl="5" marR="0" rtl="0" algn="l">
+    <a:lvl6pPr marR="0" lvl="5" algn="l" rtl="0">
       <a:lnSpc>
         <a:spcPct val="100000"/>
       </a:lnSpc>
@@ -614,7 +636,7 @@
         <a:srgbClr val="000000"/>
       </a:buClr>
       <a:buFont typeface="Arial"/>
-      <a:defRPr b="0" i="0" sz="1400" u="none" cap="none" strike="noStrike">
+      <a:defRPr sz="1400" b="0" i="0" u="none" strike="noStrike" cap="none">
         <a:solidFill>
           <a:srgbClr val="000000"/>
         </a:solidFill>
@@ -624,7 +646,7 @@
         <a:sym typeface="Arial"/>
       </a:defRPr>
     </a:lvl6pPr>
-    <a:lvl7pPr lvl="6" marR="0" rtl="0" algn="l">
+    <a:lvl7pPr marR="0" lvl="6" algn="l" rtl="0">
       <a:lnSpc>
         <a:spcPct val="100000"/>
       </a:lnSpc>
@@ -638,7 +660,7 @@
         <a:srgbClr val="000000"/>
       </a:buClr>
       <a:buFont typeface="Arial"/>
-      <a:defRPr b="0" i="0" sz="1400" u="none" cap="none" strike="noStrike">
+      <a:defRPr sz="1400" b="0" i="0" u="none" strike="noStrike" cap="none">
         <a:solidFill>
           <a:srgbClr val="000000"/>
         </a:solidFill>
@@ -648,7 +670,7 @@
         <a:sym typeface="Arial"/>
       </a:defRPr>
     </a:lvl7pPr>
-    <a:lvl8pPr lvl="7" marR="0" rtl="0" algn="l">
+    <a:lvl8pPr marR="0" lvl="7" algn="l" rtl="0">
       <a:lnSpc>
         <a:spcPct val="100000"/>
       </a:lnSpc>
@@ -662,7 +684,7 @@
         <a:srgbClr val="000000"/>
       </a:buClr>
       <a:buFont typeface="Arial"/>
-      <a:defRPr b="0" i="0" sz="1400" u="none" cap="none" strike="noStrike">
+      <a:defRPr sz="1400" b="0" i="0" u="none" strike="noStrike" cap="none">
         <a:solidFill>
           <a:srgbClr val="000000"/>
         </a:solidFill>
@@ -672,7 +694,7 @@
         <a:sym typeface="Arial"/>
       </a:defRPr>
     </a:lvl8pPr>
-    <a:lvl9pPr lvl="8" marR="0" rtl="0" algn="l">
+    <a:lvl9pPr marR="0" lvl="8" algn="l" rtl="0">
       <a:lnSpc>
         <a:spcPct val="100000"/>
       </a:lnSpc>
@@ -686,7 +708,7 @@
         <a:srgbClr val="000000"/>
       </a:buClr>
       <a:buFont typeface="Arial"/>
-      <a:defRPr b="0" i="0" sz="1400" u="none" cap="none" strike="noStrike">
+      <a:defRPr sz="1400" b="0" i="0" u="none" strike="noStrike" cap="none">
         <a:solidFill>
           <a:srgbClr val="000000"/>
         </a:solidFill>
@@ -701,11 +723,11 @@
 </file>
 
 <file path=ppt/notesSlides/notesSlide1.xml><?xml version="1.0" encoding="utf-8"?>
-<p:notes xmlns:a="http://schemas.openxmlformats.org/drawingml/2006/main" xmlns:r="http://schemas.openxmlformats.org/officeDocument/2006/relationships" xmlns:mc="http://schemas.openxmlformats.org/markup-compatibility/2006" xmlns:mv="urn:schemas-microsoft-com:mac:vml" xmlns:p="http://schemas.openxmlformats.org/presentationml/2006/main" xmlns:c="http://schemas.openxmlformats.org/drawingml/2006/chart" xmlns:dgm="http://schemas.openxmlformats.org/drawingml/2006/diagram" xmlns:o="urn:schemas-microsoft-com:office:office" xmlns:v="urn:schemas-microsoft-com:vml" xmlns:pvml="urn:schemas-microsoft-com:office:powerpoint" xmlns:com="http://schemas.openxmlformats.org/drawingml/2006/compatibility" xmlns:p14="http://schemas.microsoft.com/office/powerpoint/2010/main" xmlns:p15="http://schemas.microsoft.com/office/powerpoint/2012/main" showMasterPhAnim="0" showMasterSp="0">
+<p:notes xmlns:a="http://schemas.openxmlformats.org/drawingml/2006/main" xmlns:r="http://schemas.openxmlformats.org/officeDocument/2006/relationships" xmlns:p="http://schemas.openxmlformats.org/presentationml/2006/main" showMasterSp="0" showMasterPhAnim="0">
   <p:cSld>
     <p:spTree>
       <p:nvGrpSpPr>
-        <p:cNvPr id="124" name="Shape 124"/>
+        <p:cNvPr id="1" name="Shape 124"/>
         <p:cNvGrpSpPr/>
         <p:nvPr/>
       </p:nvGrpSpPr>
@@ -720,20 +742,26 @@
       <p:sp>
         <p:nvSpPr>
           <p:cNvPr id="125" name="Google Shape;125;g8acc48e932_0_32:notes"/>
-          <p:cNvSpPr/>
+          <p:cNvSpPr>
+            <a:spLocks noGrp="1" noRot="1" noChangeAspect="1"/>
+          </p:cNvSpPr>
           <p:nvPr>
-            <p:ph idx="2" type="sldImg"/>
+            <p:ph type="sldImg" idx="2"/>
           </p:nvPr>
         </p:nvSpPr>
         <p:spPr>
           <a:xfrm>
-            <a:off x="381300" y="685800"/>
+            <a:off x="381000" y="685800"/>
             <a:ext cx="6096000" cy="3429000"/>
           </a:xfrm>
           <a:custGeom>
-            <a:rect b="b" l="l" r="r" t="t"/>
+            <a:avLst/>
+            <a:gdLst/>
+            <a:ahLst/>
+            <a:cxnLst/>
+            <a:rect l="l" t="t" r="r" b="b"/>
             <a:pathLst>
-              <a:path extrusionOk="0" h="120000" w="120000">
+              <a:path w="120000" h="120000" extrusionOk="0">
                 <a:moveTo>
                   <a:pt x="0" y="0"/>
                 </a:moveTo>
@@ -755,9 +783,11 @@
       <p:sp>
         <p:nvSpPr>
           <p:cNvPr id="126" name="Google Shape;126;g8acc48e932_0_32:notes"/>
-          <p:cNvSpPr txBox="1"/>
+          <p:cNvSpPr txBox="1">
+            <a:spLocks noGrp="1"/>
+          </p:cNvSpPr>
           <p:nvPr>
-            <p:ph idx="1" type="body"/>
+            <p:ph type="body" idx="1"/>
           </p:nvPr>
         </p:nvSpPr>
         <p:spPr>
@@ -770,12 +800,12 @@
           </a:prstGeom>
         </p:spPr>
         <p:txBody>
-          <a:bodyPr anchorCtr="0" anchor="t" bIns="91425" lIns="91425" spcFirstLastPara="1" rIns="91425" wrap="square" tIns="91425">
+          <a:bodyPr spcFirstLastPara="1" wrap="square" lIns="91425" tIns="91425" rIns="91425" bIns="91425" anchor="t" anchorCtr="0">
             <a:noAutofit/>
           </a:bodyPr>
           <a:lstStyle/>
           <a:p>
-            <a:pPr indent="0" lvl="0" marL="0" rtl="0" algn="l">
+            <a:pPr marL="0" lvl="0" indent="0" algn="l" rtl="0">
               <a:spcBef>
                 <a:spcPts val="0"/>
               </a:spcBef>
@@ -784,9 +814,6 @@
               </a:spcAft>
               <a:buNone/>
             </a:pPr>
-            <a:r>
-              <a:t/>
-            </a:r>
             <a:endParaRPr/>
           </a:p>
         </p:txBody>
@@ -800,11 +827,11 @@
 </file>
 
 <file path=ppt/notesSlides/notesSlide2.xml><?xml version="1.0" encoding="utf-8"?>
-<p:notes xmlns:a="http://schemas.openxmlformats.org/drawingml/2006/main" xmlns:r="http://schemas.openxmlformats.org/officeDocument/2006/relationships" xmlns:mc="http://schemas.openxmlformats.org/markup-compatibility/2006" xmlns:mv="urn:schemas-microsoft-com:mac:vml" xmlns:p="http://schemas.openxmlformats.org/presentationml/2006/main" xmlns:c="http://schemas.openxmlformats.org/drawingml/2006/chart" xmlns:dgm="http://schemas.openxmlformats.org/drawingml/2006/diagram" xmlns:o="urn:schemas-microsoft-com:office:office" xmlns:v="urn:schemas-microsoft-com:vml" xmlns:pvml="urn:schemas-microsoft-com:office:powerpoint" xmlns:com="http://schemas.openxmlformats.org/drawingml/2006/compatibility" xmlns:p14="http://schemas.microsoft.com/office/powerpoint/2010/main" xmlns:p15="http://schemas.microsoft.com/office/powerpoint/2012/main" showMasterPhAnim="0" showMasterSp="0">
+<p:notes xmlns:a="http://schemas.openxmlformats.org/drawingml/2006/main" xmlns:r="http://schemas.openxmlformats.org/officeDocument/2006/relationships" xmlns:p="http://schemas.openxmlformats.org/presentationml/2006/main" showMasterSp="0" showMasterPhAnim="0">
   <p:cSld>
     <p:spTree>
       <p:nvGrpSpPr>
-        <p:cNvPr id="130" name="Shape 130"/>
+        <p:cNvPr id="1" name="Shape 130"/>
         <p:cNvGrpSpPr/>
         <p:nvPr/>
       </p:nvGrpSpPr>
@@ -819,9 +846,11 @@
       <p:sp>
         <p:nvSpPr>
           <p:cNvPr id="131" name="Google Shape;131;g8acc48e932_0_11:notes"/>
-          <p:cNvSpPr/>
+          <p:cNvSpPr>
+            <a:spLocks noGrp="1" noRot="1" noChangeAspect="1"/>
+          </p:cNvSpPr>
           <p:nvPr>
-            <p:ph idx="2" type="sldImg"/>
+            <p:ph type="sldImg" idx="2"/>
           </p:nvPr>
         </p:nvSpPr>
         <p:spPr>
@@ -830,9 +859,13 @@
             <a:ext cx="6096000" cy="3429000"/>
           </a:xfrm>
           <a:custGeom>
-            <a:rect b="b" l="l" r="r" t="t"/>
+            <a:avLst/>
+            <a:gdLst/>
+            <a:ahLst/>
+            <a:cxnLst/>
+            <a:rect l="l" t="t" r="r" b="b"/>
             <a:pathLst>
-              <a:path extrusionOk="0" h="120000" w="120000">
+              <a:path w="120000" h="120000" extrusionOk="0">
                 <a:moveTo>
                   <a:pt x="0" y="0"/>
                 </a:moveTo>
@@ -854,9 +887,11 @@
       <p:sp>
         <p:nvSpPr>
           <p:cNvPr id="132" name="Google Shape;132;g8acc48e932_0_11:notes"/>
-          <p:cNvSpPr txBox="1"/>
+          <p:cNvSpPr txBox="1">
+            <a:spLocks noGrp="1"/>
+          </p:cNvSpPr>
           <p:nvPr>
-            <p:ph idx="1" type="body"/>
+            <p:ph type="body" idx="1"/>
           </p:nvPr>
         </p:nvSpPr>
         <p:spPr>
@@ -869,12 +904,12 @@
           </a:prstGeom>
         </p:spPr>
         <p:txBody>
-          <a:bodyPr anchorCtr="0" anchor="t" bIns="91425" lIns="91425" spcFirstLastPara="1" rIns="91425" wrap="square" tIns="91425">
+          <a:bodyPr spcFirstLastPara="1" wrap="square" lIns="91425" tIns="91425" rIns="91425" bIns="91425" anchor="t" anchorCtr="0">
             <a:noAutofit/>
           </a:bodyPr>
           <a:lstStyle/>
           <a:p>
-            <a:pPr indent="0" lvl="0" marL="0" rtl="0" algn="l">
+            <a:pPr marL="0" lvl="0" indent="0" algn="l" rtl="0">
               <a:spcBef>
                 <a:spcPts val="0"/>
               </a:spcBef>
@@ -883,9 +918,6 @@
               </a:spcAft>
               <a:buNone/>
             </a:pPr>
-            <a:r>
-              <a:t/>
-            </a:r>
             <a:endParaRPr/>
           </a:p>
         </p:txBody>
@@ -899,11 +931,11 @@
 </file>
 
 <file path=ppt/notesSlides/notesSlide3.xml><?xml version="1.0" encoding="utf-8"?>
-<p:notes xmlns:a="http://schemas.openxmlformats.org/drawingml/2006/main" xmlns:r="http://schemas.openxmlformats.org/officeDocument/2006/relationships" xmlns:mc="http://schemas.openxmlformats.org/markup-compatibility/2006" xmlns:mv="urn:schemas-microsoft-com:mac:vml" xmlns:p="http://schemas.openxmlformats.org/presentationml/2006/main" xmlns:c="http://schemas.openxmlformats.org/drawingml/2006/chart" xmlns:dgm="http://schemas.openxmlformats.org/drawingml/2006/diagram" xmlns:o="urn:schemas-microsoft-com:office:office" xmlns:v="urn:schemas-microsoft-com:vml" xmlns:pvml="urn:schemas-microsoft-com:office:powerpoint" xmlns:com="http://schemas.openxmlformats.org/drawingml/2006/compatibility" xmlns:p14="http://schemas.microsoft.com/office/powerpoint/2010/main" xmlns:p15="http://schemas.microsoft.com/office/powerpoint/2012/main" showMasterPhAnim="0" showMasterSp="0">
+<p:notes xmlns:a="http://schemas.openxmlformats.org/drawingml/2006/main" xmlns:r="http://schemas.openxmlformats.org/officeDocument/2006/relationships" xmlns:p="http://schemas.openxmlformats.org/presentationml/2006/main" showMasterSp="0" showMasterPhAnim="0">
   <p:cSld>
     <p:spTree>
       <p:nvGrpSpPr>
-        <p:cNvPr id="137" name="Shape 137"/>
+        <p:cNvPr id="1" name="Shape 137"/>
         <p:cNvGrpSpPr/>
         <p:nvPr/>
       </p:nvGrpSpPr>
@@ -918,9 +950,11 @@
       <p:sp>
         <p:nvSpPr>
           <p:cNvPr id="138" name="Google Shape;138;g8acc48e932_0_18:notes"/>
-          <p:cNvSpPr/>
+          <p:cNvSpPr>
+            <a:spLocks noGrp="1" noRot="1" noChangeAspect="1"/>
+          </p:cNvSpPr>
           <p:nvPr>
-            <p:ph idx="2" type="sldImg"/>
+            <p:ph type="sldImg" idx="2"/>
           </p:nvPr>
         </p:nvSpPr>
         <p:spPr>
@@ -929,9 +963,13 @@
             <a:ext cx="6096000" cy="3429000"/>
           </a:xfrm>
           <a:custGeom>
-            <a:rect b="b" l="l" r="r" t="t"/>
+            <a:avLst/>
+            <a:gdLst/>
+            <a:ahLst/>
+            <a:cxnLst/>
+            <a:rect l="l" t="t" r="r" b="b"/>
             <a:pathLst>
-              <a:path extrusionOk="0" h="120000" w="120000">
+              <a:path w="120000" h="120000" extrusionOk="0">
                 <a:moveTo>
                   <a:pt x="0" y="0"/>
                 </a:moveTo>
@@ -953,9 +991,11 @@
       <p:sp>
         <p:nvSpPr>
           <p:cNvPr id="139" name="Google Shape;139;g8acc48e932_0_18:notes"/>
-          <p:cNvSpPr txBox="1"/>
+          <p:cNvSpPr txBox="1">
+            <a:spLocks noGrp="1"/>
+          </p:cNvSpPr>
           <p:nvPr>
-            <p:ph idx="1" type="body"/>
+            <p:ph type="body" idx="1"/>
           </p:nvPr>
         </p:nvSpPr>
         <p:spPr>
@@ -968,12 +1008,12 @@
           </a:prstGeom>
         </p:spPr>
         <p:txBody>
-          <a:bodyPr anchorCtr="0" anchor="t" bIns="91425" lIns="91425" spcFirstLastPara="1" rIns="91425" wrap="square" tIns="91425">
+          <a:bodyPr spcFirstLastPara="1" wrap="square" lIns="91425" tIns="91425" rIns="91425" bIns="91425" anchor="t" anchorCtr="0">
             <a:noAutofit/>
           </a:bodyPr>
           <a:lstStyle/>
           <a:p>
-            <a:pPr indent="0" lvl="0" marL="0" rtl="0" algn="l">
+            <a:pPr marL="0" lvl="0" indent="0" algn="l" rtl="0">
               <a:spcBef>
                 <a:spcPts val="0"/>
               </a:spcBef>
@@ -982,9 +1022,6 @@
               </a:spcAft>
               <a:buNone/>
             </a:pPr>
-            <a:r>
-              <a:t/>
-            </a:r>
             <a:endParaRPr/>
           </a:p>
         </p:txBody>
@@ -998,11 +1035,11 @@
 </file>
 
 <file path=ppt/notesSlides/notesSlide4.xml><?xml version="1.0" encoding="utf-8"?>
-<p:notes xmlns:a="http://schemas.openxmlformats.org/drawingml/2006/main" xmlns:r="http://schemas.openxmlformats.org/officeDocument/2006/relationships" xmlns:mc="http://schemas.openxmlformats.org/markup-compatibility/2006" xmlns:mv="urn:schemas-microsoft-com:mac:vml" xmlns:p="http://schemas.openxmlformats.org/presentationml/2006/main" xmlns:c="http://schemas.openxmlformats.org/drawingml/2006/chart" xmlns:dgm="http://schemas.openxmlformats.org/drawingml/2006/diagram" xmlns:o="urn:schemas-microsoft-com:office:office" xmlns:v="urn:schemas-microsoft-com:vml" xmlns:pvml="urn:schemas-microsoft-com:office:powerpoint" xmlns:com="http://schemas.openxmlformats.org/drawingml/2006/compatibility" xmlns:p14="http://schemas.microsoft.com/office/powerpoint/2010/main" xmlns:p15="http://schemas.microsoft.com/office/powerpoint/2012/main" showMasterPhAnim="0" showMasterSp="0">
+<p:notes xmlns:a="http://schemas.openxmlformats.org/drawingml/2006/main" xmlns:r="http://schemas.openxmlformats.org/officeDocument/2006/relationships" xmlns:p="http://schemas.openxmlformats.org/presentationml/2006/main" showMasterSp="0" showMasterPhAnim="0">
   <p:cSld>
     <p:spTree>
       <p:nvGrpSpPr>
-        <p:cNvPr id="144" name="Shape 144"/>
+        <p:cNvPr id="1" name="Shape 144"/>
         <p:cNvGrpSpPr/>
         <p:nvPr/>
       </p:nvGrpSpPr>
@@ -1017,9 +1054,11 @@
       <p:sp>
         <p:nvSpPr>
           <p:cNvPr id="145" name="Google Shape;145;g8acc48e932_0_25:notes"/>
-          <p:cNvSpPr/>
+          <p:cNvSpPr>
+            <a:spLocks noGrp="1" noRot="1" noChangeAspect="1"/>
+          </p:cNvSpPr>
           <p:nvPr>
-            <p:ph idx="2" type="sldImg"/>
+            <p:ph type="sldImg" idx="2"/>
           </p:nvPr>
         </p:nvSpPr>
         <p:spPr>
@@ -1028,9 +1067,13 @@
             <a:ext cx="6096000" cy="3429000"/>
           </a:xfrm>
           <a:custGeom>
-            <a:rect b="b" l="l" r="r" t="t"/>
+            <a:avLst/>
+            <a:gdLst/>
+            <a:ahLst/>
+            <a:cxnLst/>
+            <a:rect l="l" t="t" r="r" b="b"/>
             <a:pathLst>
-              <a:path extrusionOk="0" h="120000" w="120000">
+              <a:path w="120000" h="120000" extrusionOk="0">
                 <a:moveTo>
                   <a:pt x="0" y="0"/>
                 </a:moveTo>
@@ -1052,9 +1095,11 @@
       <p:sp>
         <p:nvSpPr>
           <p:cNvPr id="146" name="Google Shape;146;g8acc48e932_0_25:notes"/>
-          <p:cNvSpPr txBox="1"/>
+          <p:cNvSpPr txBox="1">
+            <a:spLocks noGrp="1"/>
+          </p:cNvSpPr>
           <p:nvPr>
-            <p:ph idx="1" type="body"/>
+            <p:ph type="body" idx="1"/>
           </p:nvPr>
         </p:nvSpPr>
         <p:spPr>
@@ -1067,12 +1112,12 @@
           </a:prstGeom>
         </p:spPr>
         <p:txBody>
-          <a:bodyPr anchorCtr="0" anchor="t" bIns="91425" lIns="91425" spcFirstLastPara="1" rIns="91425" wrap="square" tIns="91425">
+          <a:bodyPr spcFirstLastPara="1" wrap="square" lIns="91425" tIns="91425" rIns="91425" bIns="91425" anchor="t" anchorCtr="0">
             <a:noAutofit/>
           </a:bodyPr>
           <a:lstStyle/>
           <a:p>
-            <a:pPr indent="0" lvl="0" marL="0" rtl="0" algn="l">
+            <a:pPr marL="0" lvl="0" indent="0" algn="l" rtl="0">
               <a:spcBef>
                 <a:spcPts val="0"/>
               </a:spcBef>
@@ -1081,9 +1126,6 @@
               </a:spcAft>
               <a:buNone/>
             </a:pPr>
-            <a:r>
-              <a:t/>
-            </a:r>
             <a:endParaRPr/>
           </a:p>
         </p:txBody>
@@ -1097,11 +1139,11 @@
 </file>
 
 <file path=ppt/notesSlides/notesSlide5.xml><?xml version="1.0" encoding="utf-8"?>
-<p:notes xmlns:a="http://schemas.openxmlformats.org/drawingml/2006/main" xmlns:r="http://schemas.openxmlformats.org/officeDocument/2006/relationships" xmlns:mc="http://schemas.openxmlformats.org/markup-compatibility/2006" xmlns:mv="urn:schemas-microsoft-com:mac:vml" xmlns:p="http://schemas.openxmlformats.org/presentationml/2006/main" xmlns:c="http://schemas.openxmlformats.org/drawingml/2006/chart" xmlns:dgm="http://schemas.openxmlformats.org/drawingml/2006/diagram" xmlns:o="urn:schemas-microsoft-com:office:office" xmlns:v="urn:schemas-microsoft-com:vml" xmlns:pvml="urn:schemas-microsoft-com:office:powerpoint" xmlns:com="http://schemas.openxmlformats.org/drawingml/2006/compatibility" xmlns:p14="http://schemas.microsoft.com/office/powerpoint/2010/main" xmlns:p15="http://schemas.microsoft.com/office/powerpoint/2012/main" showMasterPhAnim="0" showMasterSp="0">
+<p:notes xmlns:a="http://schemas.openxmlformats.org/drawingml/2006/main" xmlns:r="http://schemas.openxmlformats.org/officeDocument/2006/relationships" xmlns:p="http://schemas.openxmlformats.org/presentationml/2006/main" showMasterSp="0" showMasterPhAnim="0">
   <p:cSld>
     <p:spTree>
       <p:nvGrpSpPr>
-        <p:cNvPr id="151" name="Shape 151"/>
+        <p:cNvPr id="1" name="Shape 151"/>
         <p:cNvGrpSpPr/>
         <p:nvPr/>
       </p:nvGrpSpPr>
@@ -1116,9 +1158,11 @@
       <p:sp>
         <p:nvSpPr>
           <p:cNvPr id="152" name="Google Shape;152;g8acc48e932_0_5:notes"/>
-          <p:cNvSpPr/>
+          <p:cNvSpPr>
+            <a:spLocks noGrp="1" noRot="1" noChangeAspect="1"/>
+          </p:cNvSpPr>
           <p:nvPr>
-            <p:ph idx="2" type="sldImg"/>
+            <p:ph type="sldImg" idx="2"/>
           </p:nvPr>
         </p:nvSpPr>
         <p:spPr>
@@ -1127,9 +1171,13 @@
             <a:ext cx="6096000" cy="3429000"/>
           </a:xfrm>
           <a:custGeom>
-            <a:rect b="b" l="l" r="r" t="t"/>
+            <a:avLst/>
+            <a:gdLst/>
+            <a:ahLst/>
+            <a:cxnLst/>
+            <a:rect l="l" t="t" r="r" b="b"/>
             <a:pathLst>
-              <a:path extrusionOk="0" h="120000" w="120000">
+              <a:path w="120000" h="120000" extrusionOk="0">
                 <a:moveTo>
                   <a:pt x="0" y="0"/>
                 </a:moveTo>
@@ -1151,9 +1199,11 @@
       <p:sp>
         <p:nvSpPr>
           <p:cNvPr id="153" name="Google Shape;153;g8acc48e932_0_5:notes"/>
-          <p:cNvSpPr txBox="1"/>
+          <p:cNvSpPr txBox="1">
+            <a:spLocks noGrp="1"/>
+          </p:cNvSpPr>
           <p:nvPr>
-            <p:ph idx="1" type="body"/>
+            <p:ph type="body" idx="1"/>
           </p:nvPr>
         </p:nvSpPr>
         <p:spPr>
@@ -1166,12 +1216,12 @@
           </a:prstGeom>
         </p:spPr>
         <p:txBody>
-          <a:bodyPr anchorCtr="0" anchor="t" bIns="91425" lIns="91425" spcFirstLastPara="1" rIns="91425" wrap="square" tIns="91425">
+          <a:bodyPr spcFirstLastPara="1" wrap="square" lIns="91425" tIns="91425" rIns="91425" bIns="91425" anchor="t" anchorCtr="0">
             <a:noAutofit/>
           </a:bodyPr>
           <a:lstStyle/>
           <a:p>
-            <a:pPr indent="0" lvl="0" marL="0" rtl="0" algn="l">
+            <a:pPr marL="0" lvl="0" indent="0" algn="l" rtl="0">
               <a:spcBef>
                 <a:spcPts val="0"/>
               </a:spcBef>
@@ -1180,9 +1230,6 @@
               </a:spcAft>
               <a:buNone/>
             </a:pPr>
-            <a:r>
-              <a:t/>
-            </a:r>
             <a:endParaRPr/>
           </a:p>
         </p:txBody>
@@ -1196,11 +1243,11 @@
 </file>
 
 <file path=ppt/notesSlides/notesSlide6.xml><?xml version="1.0" encoding="utf-8"?>
-<p:notes xmlns:a="http://schemas.openxmlformats.org/drawingml/2006/main" xmlns:r="http://schemas.openxmlformats.org/officeDocument/2006/relationships" xmlns:mc="http://schemas.openxmlformats.org/markup-compatibility/2006" xmlns:mv="urn:schemas-microsoft-com:mac:vml" xmlns:p="http://schemas.openxmlformats.org/presentationml/2006/main" xmlns:c="http://schemas.openxmlformats.org/drawingml/2006/chart" xmlns:dgm="http://schemas.openxmlformats.org/drawingml/2006/diagram" xmlns:o="urn:schemas-microsoft-com:office:office" xmlns:v="urn:schemas-microsoft-com:vml" xmlns:pvml="urn:schemas-microsoft-com:office:powerpoint" xmlns:com="http://schemas.openxmlformats.org/drawingml/2006/compatibility" xmlns:p14="http://schemas.microsoft.com/office/powerpoint/2010/main" xmlns:p15="http://schemas.microsoft.com/office/powerpoint/2012/main" showMasterPhAnim="0" showMasterSp="0">
+<p:notes xmlns:a="http://schemas.openxmlformats.org/drawingml/2006/main" xmlns:r="http://schemas.openxmlformats.org/officeDocument/2006/relationships" xmlns:p="http://schemas.openxmlformats.org/presentationml/2006/main" showMasterSp="0" showMasterPhAnim="0">
   <p:cSld>
     <p:spTree>
       <p:nvGrpSpPr>
-        <p:cNvPr id="157" name="Shape 157"/>
+        <p:cNvPr id="1" name="Shape 157"/>
         <p:cNvGrpSpPr/>
         <p:nvPr/>
       </p:nvGrpSpPr>
@@ -1215,9 +1262,11 @@
       <p:sp>
         <p:nvSpPr>
           <p:cNvPr id="158" name="Google Shape;158;g8acc48e932_0_278:notes"/>
-          <p:cNvSpPr/>
+          <p:cNvSpPr>
+            <a:spLocks noGrp="1" noRot="1" noChangeAspect="1"/>
+          </p:cNvSpPr>
           <p:nvPr>
-            <p:ph idx="2" type="sldImg"/>
+            <p:ph type="sldImg" idx="2"/>
           </p:nvPr>
         </p:nvSpPr>
         <p:spPr>
@@ -1226,9 +1275,13 @@
             <a:ext cx="6096000" cy="3429000"/>
           </a:xfrm>
           <a:custGeom>
-            <a:rect b="b" l="l" r="r" t="t"/>
+            <a:avLst/>
+            <a:gdLst/>
+            <a:ahLst/>
+            <a:cxnLst/>
+            <a:rect l="l" t="t" r="r" b="b"/>
             <a:pathLst>
-              <a:path extrusionOk="0" h="120000" w="120000">
+              <a:path w="120000" h="120000" extrusionOk="0">
                 <a:moveTo>
                   <a:pt x="0" y="0"/>
                 </a:moveTo>
@@ -1250,9 +1303,11 @@
       <p:sp>
         <p:nvSpPr>
           <p:cNvPr id="159" name="Google Shape;159;g8acc48e932_0_278:notes"/>
-          <p:cNvSpPr txBox="1"/>
+          <p:cNvSpPr txBox="1">
+            <a:spLocks noGrp="1"/>
+          </p:cNvSpPr>
           <p:nvPr>
-            <p:ph idx="1" type="body"/>
+            <p:ph type="body" idx="1"/>
           </p:nvPr>
         </p:nvSpPr>
         <p:spPr>
@@ -1265,12 +1320,12 @@
           </a:prstGeom>
         </p:spPr>
         <p:txBody>
-          <a:bodyPr anchorCtr="0" anchor="t" bIns="91425" lIns="91425" spcFirstLastPara="1" rIns="91425" wrap="square" tIns="91425">
+          <a:bodyPr spcFirstLastPara="1" wrap="square" lIns="91425" tIns="91425" rIns="91425" bIns="91425" anchor="t" anchorCtr="0">
             <a:noAutofit/>
           </a:bodyPr>
           <a:lstStyle/>
           <a:p>
-            <a:pPr indent="0" lvl="0" marL="0" rtl="0" algn="l">
+            <a:pPr marL="0" lvl="0" indent="0" algn="l" rtl="0">
               <a:spcBef>
                 <a:spcPts val="0"/>
               </a:spcBef>
@@ -1279,9 +1334,6 @@
               </a:spcAft>
               <a:buNone/>
             </a:pPr>
-            <a:r>
-              <a:t/>
-            </a:r>
             <a:endParaRPr/>
           </a:p>
         </p:txBody>
@@ -1295,18 +1347,19 @@
 </file>
 
 <file path=ppt/slideLayouts/slideLayout1.xml><?xml version="1.0" encoding="utf-8"?>
-<p:sldLayout xmlns:a="http://schemas.openxmlformats.org/drawingml/2006/main" xmlns:r="http://schemas.openxmlformats.org/officeDocument/2006/relationships" xmlns:mc="http://schemas.openxmlformats.org/markup-compatibility/2006" xmlns:mv="urn:schemas-microsoft-com:mac:vml" xmlns:p="http://schemas.openxmlformats.org/presentationml/2006/main" xmlns:c="http://schemas.openxmlformats.org/drawingml/2006/chart" xmlns:dgm="http://schemas.openxmlformats.org/drawingml/2006/diagram" xmlns:o="urn:schemas-microsoft-com:office:office" xmlns:v="urn:schemas-microsoft-com:vml" xmlns:pvml="urn:schemas-microsoft-com:office:powerpoint" xmlns:com="http://schemas.openxmlformats.org/drawingml/2006/compatibility" xmlns:p14="http://schemas.microsoft.com/office/powerpoint/2010/main" xmlns:p15="http://schemas.microsoft.com/office/powerpoint/2012/main" matchingName="Title slide" type="title">
+<p:sldLayout xmlns:a="http://schemas.openxmlformats.org/drawingml/2006/main" xmlns:r="http://schemas.openxmlformats.org/officeDocument/2006/relationships" xmlns:p="http://schemas.openxmlformats.org/presentationml/2006/main" matchingName="Title slide" type="title">
   <p:cSld name="TITLE">
     <p:bg>
       <p:bgPr>
         <a:solidFill>
           <a:schemeClr val="accent6"/>
         </a:solidFill>
+        <a:effectLst/>
       </p:bgPr>
     </p:bg>
     <p:spTree>
       <p:nvGrpSpPr>
-        <p:cNvPr id="9" name="Shape 9"/>
+        <p:cNvPr id="1" name="Shape 9"/>
         <p:cNvGrpSpPr/>
         <p:nvPr/>
       </p:nvGrpSpPr>
@@ -1340,12 +1393,12 @@
           </a:ln>
         </p:spPr>
         <p:txBody>
-          <a:bodyPr anchorCtr="0" anchor="ctr" bIns="91425" lIns="91425" spcFirstLastPara="1" rIns="91425" wrap="square" tIns="91425">
+          <a:bodyPr spcFirstLastPara="1" wrap="square" lIns="91425" tIns="91425" rIns="91425" bIns="91425" anchor="ctr" anchorCtr="0">
             <a:noAutofit/>
           </a:bodyPr>
           <a:lstStyle/>
           <a:p>
-            <a:pPr indent="0" lvl="0" marL="0" rtl="0" algn="l">
+            <a:pPr marL="0" lvl="0" indent="0" algn="l" rtl="0">
               <a:spcBef>
                 <a:spcPts val="0"/>
               </a:spcBef>
@@ -1354,9 +1407,6 @@
               </a:spcAft>
               <a:buNone/>
             </a:pPr>
-            <a:r>
-              <a:t/>
-            </a:r>
             <a:endParaRPr/>
           </a:p>
         </p:txBody>
@@ -1383,12 +1433,12 @@
           </a:ln>
         </p:spPr>
         <p:txBody>
-          <a:bodyPr anchorCtr="0" anchor="ctr" bIns="91425" lIns="91425" spcFirstLastPara="1" rIns="91425" wrap="square" tIns="91425">
+          <a:bodyPr spcFirstLastPara="1" wrap="square" lIns="91425" tIns="91425" rIns="91425" bIns="91425" anchor="ctr" anchorCtr="0">
             <a:noAutofit/>
           </a:bodyPr>
           <a:lstStyle/>
           <a:p>
-            <a:pPr indent="0" lvl="0" marL="0" rtl="0" algn="l">
+            <a:pPr marL="0" lvl="0" indent="0" algn="l" rtl="0">
               <a:spcBef>
                 <a:spcPts val="0"/>
               </a:spcBef>
@@ -1397,9 +1447,6 @@
               </a:spcAft>
               <a:buNone/>
             </a:pPr>
-            <a:r>
-              <a:t/>
-            </a:r>
             <a:endParaRPr/>
           </a:p>
         </p:txBody>
@@ -1426,12 +1473,12 @@
           </a:ln>
         </p:spPr>
         <p:txBody>
-          <a:bodyPr anchorCtr="0" anchor="ctr" bIns="91425" lIns="91425" spcFirstLastPara="1" rIns="91425" wrap="square" tIns="91425">
+          <a:bodyPr spcFirstLastPara="1" wrap="square" lIns="91425" tIns="91425" rIns="91425" bIns="91425" anchor="ctr" anchorCtr="0">
             <a:noAutofit/>
           </a:bodyPr>
           <a:lstStyle/>
           <a:p>
-            <a:pPr indent="0" lvl="0" marL="0" rtl="0" algn="l">
+            <a:pPr marL="0" lvl="0" indent="0" algn="l" rtl="0">
               <a:spcBef>
                 <a:spcPts val="0"/>
               </a:spcBef>
@@ -1440,9 +1487,6 @@
               </a:spcAft>
               <a:buNone/>
             </a:pPr>
-            <a:r>
-              <a:t/>
-            </a:r>
             <a:endParaRPr/>
           </a:p>
         </p:txBody>
@@ -1468,7 +1512,7 @@
             <a:noFill/>
           </a:ln>
           <a:effectLst>
-            <a:outerShdw blurRad="228600" sx="101000" rotWithShape="0" algn="ctr" sy="101000">
+            <a:outerShdw blurRad="228600" sx="101000" sy="101000" algn="ctr" rotWithShape="0">
               <a:srgbClr val="000000">
                 <a:alpha val="40000"/>
               </a:srgbClr>
@@ -1476,12 +1520,12 @@
           </a:effectLst>
         </p:spPr>
         <p:txBody>
-          <a:bodyPr anchorCtr="0" anchor="ctr" bIns="91425" lIns="91425" spcFirstLastPara="1" rIns="91425" wrap="square" tIns="91425">
+          <a:bodyPr spcFirstLastPara="1" wrap="square" lIns="91425" tIns="91425" rIns="91425" bIns="91425" anchor="ctr" anchorCtr="0">
             <a:noAutofit/>
           </a:bodyPr>
           <a:lstStyle/>
           <a:p>
-            <a:pPr indent="0" lvl="0" marL="0" rtl="0" algn="l">
+            <a:pPr marL="0" lvl="0" indent="0" algn="l" rtl="0">
               <a:spcBef>
                 <a:spcPts val="0"/>
               </a:spcBef>
@@ -1490,9 +1534,6 @@
               </a:spcAft>
               <a:buNone/>
             </a:pPr>
-            <a:r>
-              <a:t/>
-            </a:r>
             <a:endParaRPr/>
           </a:p>
         </p:txBody>
@@ -1524,7 +1565,7 @@
             </a:xfrm>
             <a:prstGeom prst="parallelogram">
               <a:avLst>
-                <a:gd fmla="val 153193" name="adj"/>
+                <a:gd name="adj" fmla="val 153193"/>
               </a:avLst>
             </a:prstGeom>
             <a:solidFill>
@@ -1535,12 +1576,12 @@
             </a:ln>
           </p:spPr>
           <p:txBody>
-            <a:bodyPr anchorCtr="0" anchor="ctr" bIns="91425" lIns="91425" spcFirstLastPara="1" rIns="91425" wrap="square" tIns="91425">
+            <a:bodyPr spcFirstLastPara="1" wrap="square" lIns="91425" tIns="91425" rIns="91425" bIns="91425" anchor="ctr" anchorCtr="0">
               <a:noAutofit/>
             </a:bodyPr>
             <a:lstStyle/>
             <a:p>
-              <a:pPr indent="0" lvl="0" marL="0" rtl="0" algn="l">
+              <a:pPr marL="0" lvl="0" indent="0" algn="l" rtl="0">
                 <a:spcBef>
                   <a:spcPts val="0"/>
                 </a:spcBef>
@@ -1549,9 +1590,6 @@
                 </a:spcAft>
                 <a:buNone/>
               </a:pPr>
-              <a:r>
-                <a:t/>
-              </a:r>
               <a:endParaRPr/>
             </a:p>
           </p:txBody>
@@ -1569,7 +1607,7 @@
             </a:xfrm>
             <a:prstGeom prst="parallelogram">
               <a:avLst>
-                <a:gd fmla="val 153193" name="adj"/>
+                <a:gd name="adj" fmla="val 153193"/>
               </a:avLst>
             </a:prstGeom>
             <a:solidFill>
@@ -1580,12 +1618,12 @@
             </a:ln>
           </p:spPr>
           <p:txBody>
-            <a:bodyPr anchorCtr="0" anchor="ctr" bIns="91425" lIns="91425" spcFirstLastPara="1" rIns="91425" wrap="square" tIns="91425">
+            <a:bodyPr spcFirstLastPara="1" wrap="square" lIns="91425" tIns="91425" rIns="91425" bIns="91425" anchor="ctr" anchorCtr="0">
               <a:noAutofit/>
             </a:bodyPr>
             <a:lstStyle/>
             <a:p>
-              <a:pPr indent="0" lvl="0" marL="0" rtl="0" algn="l">
+              <a:pPr marL="0" lvl="0" indent="0" algn="l" rtl="0">
                 <a:spcBef>
                   <a:spcPts val="0"/>
                 </a:spcBef>
@@ -1594,9 +1632,6 @@
                 </a:spcAft>
                 <a:buNone/>
               </a:pPr>
-              <a:r>
-                <a:t/>
-              </a:r>
               <a:endParaRPr/>
             </a:p>
           </p:txBody>
@@ -1614,7 +1649,7 @@
             </a:xfrm>
             <a:prstGeom prst="parallelogram">
               <a:avLst>
-                <a:gd fmla="val 153193" name="adj"/>
+                <a:gd name="adj" fmla="val 153193"/>
               </a:avLst>
             </a:prstGeom>
             <a:solidFill>
@@ -1625,12 +1660,12 @@
             </a:ln>
           </p:spPr>
           <p:txBody>
-            <a:bodyPr anchorCtr="0" anchor="ctr" bIns="91425" lIns="91425" spcFirstLastPara="1" rIns="91425" wrap="square" tIns="91425">
+            <a:bodyPr spcFirstLastPara="1" wrap="square" lIns="91425" tIns="91425" rIns="91425" bIns="91425" anchor="ctr" anchorCtr="0">
               <a:noAutofit/>
             </a:bodyPr>
             <a:lstStyle/>
             <a:p>
-              <a:pPr indent="0" lvl="0" marL="0" rtl="0" algn="l">
+              <a:pPr marL="0" lvl="0" indent="0" algn="l" rtl="0">
                 <a:spcBef>
                   <a:spcPts val="0"/>
                 </a:spcBef>
@@ -1639,9 +1674,6 @@
                 </a:spcAft>
                 <a:buNone/>
               </a:pPr>
-              <a:r>
-                <a:t/>
-              </a:r>
               <a:endParaRPr/>
             </a:p>
           </p:txBody>
@@ -1674,7 +1706,7 @@
             </a:xfrm>
             <a:prstGeom prst="parallelogram">
               <a:avLst>
-                <a:gd fmla="val 153193" name="adj"/>
+                <a:gd name="adj" fmla="val 153193"/>
               </a:avLst>
             </a:prstGeom>
             <a:solidFill>
@@ -1685,12 +1717,12 @@
             </a:ln>
           </p:spPr>
           <p:txBody>
-            <a:bodyPr anchorCtr="0" anchor="ctr" bIns="91425" lIns="91425" spcFirstLastPara="1" rIns="91425" wrap="square" tIns="91425">
+            <a:bodyPr spcFirstLastPara="1" wrap="square" lIns="91425" tIns="91425" rIns="91425" bIns="91425" anchor="ctr" anchorCtr="0">
               <a:noAutofit/>
             </a:bodyPr>
             <a:lstStyle/>
             <a:p>
-              <a:pPr indent="0" lvl="0" marL="0" rtl="0" algn="l">
+              <a:pPr marL="0" lvl="0" indent="0" algn="l" rtl="0">
                 <a:spcBef>
                   <a:spcPts val="0"/>
                 </a:spcBef>
@@ -1699,9 +1731,6 @@
                 </a:spcAft>
                 <a:buNone/>
               </a:pPr>
-              <a:r>
-                <a:t/>
-              </a:r>
               <a:endParaRPr/>
             </a:p>
           </p:txBody>
@@ -1719,7 +1748,7 @@
             </a:xfrm>
             <a:prstGeom prst="parallelogram">
               <a:avLst>
-                <a:gd fmla="val 153193" name="adj"/>
+                <a:gd name="adj" fmla="val 153193"/>
               </a:avLst>
             </a:prstGeom>
             <a:solidFill>
@@ -1730,12 +1759,12 @@
             </a:ln>
           </p:spPr>
           <p:txBody>
-            <a:bodyPr anchorCtr="0" anchor="ctr" bIns="91425" lIns="91425" spcFirstLastPara="1" rIns="91425" wrap="square" tIns="91425">
+            <a:bodyPr spcFirstLastPara="1" wrap="square" lIns="91425" tIns="91425" rIns="91425" bIns="91425" anchor="ctr" anchorCtr="0">
               <a:noAutofit/>
             </a:bodyPr>
             <a:lstStyle/>
             <a:p>
-              <a:pPr indent="0" lvl="0" marL="0" rtl="0" algn="l">
+              <a:pPr marL="0" lvl="0" indent="0" algn="l" rtl="0">
                 <a:spcBef>
                   <a:spcPts val="0"/>
                 </a:spcBef>
@@ -1744,9 +1773,6 @@
                 </a:spcAft>
                 <a:buNone/>
               </a:pPr>
-              <a:r>
-                <a:t/>
-              </a:r>
               <a:endParaRPr/>
             </a:p>
           </p:txBody>
@@ -1764,7 +1790,7 @@
             </a:xfrm>
             <a:prstGeom prst="parallelogram">
               <a:avLst>
-                <a:gd fmla="val 153193" name="adj"/>
+                <a:gd name="adj" fmla="val 153193"/>
               </a:avLst>
             </a:prstGeom>
             <a:solidFill>
@@ -1775,12 +1801,12 @@
             </a:ln>
           </p:spPr>
           <p:txBody>
-            <a:bodyPr anchorCtr="0" anchor="ctr" bIns="91425" lIns="91425" spcFirstLastPara="1" rIns="91425" wrap="square" tIns="91425">
+            <a:bodyPr spcFirstLastPara="1" wrap="square" lIns="91425" tIns="91425" rIns="91425" bIns="91425" anchor="ctr" anchorCtr="0">
               <a:noAutofit/>
             </a:bodyPr>
             <a:lstStyle/>
             <a:p>
-              <a:pPr indent="0" lvl="0" marL="0" rtl="0" algn="l">
+              <a:pPr marL="0" lvl="0" indent="0" algn="l" rtl="0">
                 <a:spcBef>
                   <a:spcPts val="0"/>
                 </a:spcBef>
@@ -1789,9 +1815,6 @@
                 </a:spcAft>
                 <a:buNone/>
               </a:pPr>
-              <a:r>
-                <a:t/>
-              </a:r>
               <a:endParaRPr/>
             </a:p>
           </p:txBody>
@@ -1824,7 +1847,7 @@
             </a:xfrm>
             <a:prstGeom prst="parallelogram">
               <a:avLst>
-                <a:gd fmla="val 158024" name="adj"/>
+                <a:gd name="adj" fmla="val 158024"/>
               </a:avLst>
             </a:prstGeom>
             <a:solidFill>
@@ -1835,12 +1858,12 @@
             </a:ln>
           </p:spPr>
           <p:txBody>
-            <a:bodyPr anchorCtr="0" anchor="ctr" bIns="91425" lIns="91425" spcFirstLastPara="1" rIns="91425" wrap="square" tIns="91425">
+            <a:bodyPr spcFirstLastPara="1" wrap="square" lIns="91425" tIns="91425" rIns="91425" bIns="91425" anchor="ctr" anchorCtr="0">
               <a:noAutofit/>
             </a:bodyPr>
             <a:lstStyle/>
             <a:p>
-              <a:pPr indent="0" lvl="0" marL="0" rtl="0" algn="l">
+              <a:pPr marL="0" lvl="0" indent="0" algn="l" rtl="0">
                 <a:spcBef>
                   <a:spcPts val="0"/>
                 </a:spcBef>
@@ -1849,9 +1872,6 @@
                 </a:spcAft>
                 <a:buNone/>
               </a:pPr>
-              <a:r>
-                <a:t/>
-              </a:r>
               <a:endParaRPr/>
             </a:p>
           </p:txBody>
@@ -1869,7 +1889,7 @@
             </a:xfrm>
             <a:prstGeom prst="parallelogram">
               <a:avLst>
-                <a:gd fmla="val 158024" name="adj"/>
+                <a:gd name="adj" fmla="val 158024"/>
               </a:avLst>
             </a:prstGeom>
             <a:solidFill>
@@ -1880,12 +1900,12 @@
             </a:ln>
           </p:spPr>
           <p:txBody>
-            <a:bodyPr anchorCtr="0" anchor="ctr" bIns="91425" lIns="91425" spcFirstLastPara="1" rIns="91425" wrap="square" tIns="91425">
+            <a:bodyPr spcFirstLastPara="1" wrap="square" lIns="91425" tIns="91425" rIns="91425" bIns="91425" anchor="ctr" anchorCtr="0">
               <a:noAutofit/>
             </a:bodyPr>
             <a:lstStyle/>
             <a:p>
-              <a:pPr indent="0" lvl="0" marL="0" rtl="0" algn="l">
+              <a:pPr marL="0" lvl="0" indent="0" algn="l" rtl="0">
                 <a:spcBef>
                   <a:spcPts val="0"/>
                 </a:spcBef>
@@ -1894,9 +1914,6 @@
                 </a:spcAft>
                 <a:buNone/>
               </a:pPr>
-              <a:r>
-                <a:t/>
-              </a:r>
               <a:endParaRPr/>
             </a:p>
           </p:txBody>
@@ -1914,7 +1931,7 @@
             </a:xfrm>
             <a:prstGeom prst="parallelogram">
               <a:avLst>
-                <a:gd fmla="val 158024" name="adj"/>
+                <a:gd name="adj" fmla="val 158024"/>
               </a:avLst>
             </a:prstGeom>
             <a:solidFill>
@@ -1925,12 +1942,12 @@
             </a:ln>
           </p:spPr>
           <p:txBody>
-            <a:bodyPr anchorCtr="0" anchor="ctr" bIns="91425" lIns="91425" spcFirstLastPara="1" rIns="91425" wrap="square" tIns="91425">
+            <a:bodyPr spcFirstLastPara="1" wrap="square" lIns="91425" tIns="91425" rIns="91425" bIns="91425" anchor="ctr" anchorCtr="0">
               <a:noAutofit/>
             </a:bodyPr>
             <a:lstStyle/>
             <a:p>
-              <a:pPr indent="0" lvl="0" marL="0" rtl="0" algn="l">
+              <a:pPr marL="0" lvl="0" indent="0" algn="l" rtl="0">
                 <a:spcBef>
                   <a:spcPts val="0"/>
                 </a:spcBef>
@@ -1939,9 +1956,6 @@
                 </a:spcAft>
                 <a:buNone/>
               </a:pPr>
-              <a:r>
-                <a:t/>
-              </a:r>
               <a:endParaRPr/>
             </a:p>
           </p:txBody>
@@ -1974,7 +1988,7 @@
             </a:xfrm>
             <a:prstGeom prst="parallelogram">
               <a:avLst>
-                <a:gd fmla="val 158024" name="adj"/>
+                <a:gd name="adj" fmla="val 158024"/>
               </a:avLst>
             </a:prstGeom>
             <a:solidFill>
@@ -1985,12 +1999,12 @@
             </a:ln>
           </p:spPr>
           <p:txBody>
-            <a:bodyPr anchorCtr="0" anchor="ctr" bIns="91425" lIns="91425" spcFirstLastPara="1" rIns="91425" wrap="square" tIns="91425">
+            <a:bodyPr spcFirstLastPara="1" wrap="square" lIns="91425" tIns="91425" rIns="91425" bIns="91425" anchor="ctr" anchorCtr="0">
               <a:noAutofit/>
             </a:bodyPr>
             <a:lstStyle/>
             <a:p>
-              <a:pPr indent="0" lvl="0" marL="0" rtl="0" algn="l">
+              <a:pPr marL="0" lvl="0" indent="0" algn="l" rtl="0">
                 <a:spcBef>
                   <a:spcPts val="0"/>
                 </a:spcBef>
@@ -1999,9 +2013,6 @@
                 </a:spcAft>
                 <a:buNone/>
               </a:pPr>
-              <a:r>
-                <a:t/>
-              </a:r>
               <a:endParaRPr/>
             </a:p>
           </p:txBody>
@@ -2019,7 +2030,7 @@
             </a:xfrm>
             <a:prstGeom prst="parallelogram">
               <a:avLst>
-                <a:gd fmla="val 158024" name="adj"/>
+                <a:gd name="adj" fmla="val 158024"/>
               </a:avLst>
             </a:prstGeom>
             <a:solidFill>
@@ -2030,12 +2041,12 @@
             </a:ln>
           </p:spPr>
           <p:txBody>
-            <a:bodyPr anchorCtr="0" anchor="ctr" bIns="91425" lIns="91425" spcFirstLastPara="1" rIns="91425" wrap="square" tIns="91425">
+            <a:bodyPr spcFirstLastPara="1" wrap="square" lIns="91425" tIns="91425" rIns="91425" bIns="91425" anchor="ctr" anchorCtr="0">
               <a:noAutofit/>
             </a:bodyPr>
             <a:lstStyle/>
             <a:p>
-              <a:pPr indent="0" lvl="0" marL="0" rtl="0" algn="l">
+              <a:pPr marL="0" lvl="0" indent="0" algn="l" rtl="0">
                 <a:spcBef>
                   <a:spcPts val="0"/>
                 </a:spcBef>
@@ -2044,9 +2055,6 @@
                 </a:spcAft>
                 <a:buNone/>
               </a:pPr>
-              <a:r>
-                <a:t/>
-              </a:r>
               <a:endParaRPr/>
             </a:p>
           </p:txBody>
@@ -2064,7 +2072,7 @@
             </a:xfrm>
             <a:prstGeom prst="parallelogram">
               <a:avLst>
-                <a:gd fmla="val 158024" name="adj"/>
+                <a:gd name="adj" fmla="val 158024"/>
               </a:avLst>
             </a:prstGeom>
             <a:solidFill>
@@ -2075,12 +2083,12 @@
             </a:ln>
           </p:spPr>
           <p:txBody>
-            <a:bodyPr anchorCtr="0" anchor="ctr" bIns="91425" lIns="91425" spcFirstLastPara="1" rIns="91425" wrap="square" tIns="91425">
+            <a:bodyPr spcFirstLastPara="1" wrap="square" lIns="91425" tIns="91425" rIns="91425" bIns="91425" anchor="ctr" anchorCtr="0">
               <a:noAutofit/>
             </a:bodyPr>
             <a:lstStyle/>
             <a:p>
-              <a:pPr indent="0" lvl="0" marL="0" rtl="0" algn="l">
+              <a:pPr marL="0" lvl="0" indent="0" algn="l" rtl="0">
                 <a:spcBef>
                   <a:spcPts val="0"/>
                 </a:spcBef>
@@ -2089,9 +2097,6 @@
                 </a:spcAft>
                 <a:buNone/>
               </a:pPr>
-              <a:r>
-                <a:t/>
-              </a:r>
               <a:endParaRPr/>
             </a:p>
           </p:txBody>
@@ -2124,7 +2129,7 @@
             </a:xfrm>
             <a:prstGeom prst="parallelogram">
               <a:avLst>
-                <a:gd fmla="val 158024" name="adj"/>
+                <a:gd name="adj" fmla="val 158024"/>
               </a:avLst>
             </a:prstGeom>
             <a:solidFill>
@@ -2135,12 +2140,12 @@
             </a:ln>
           </p:spPr>
           <p:txBody>
-            <a:bodyPr anchorCtr="0" anchor="ctr" bIns="91425" lIns="91425" spcFirstLastPara="1" rIns="91425" wrap="square" tIns="91425">
+            <a:bodyPr spcFirstLastPara="1" wrap="square" lIns="91425" tIns="91425" rIns="91425" bIns="91425" anchor="ctr" anchorCtr="0">
               <a:noAutofit/>
             </a:bodyPr>
             <a:lstStyle/>
             <a:p>
-              <a:pPr indent="0" lvl="0" marL="0" rtl="0" algn="l">
+              <a:pPr marL="0" lvl="0" indent="0" algn="l" rtl="0">
                 <a:spcBef>
                   <a:spcPts val="0"/>
                 </a:spcBef>
@@ -2149,9 +2154,6 @@
                 </a:spcAft>
                 <a:buNone/>
               </a:pPr>
-              <a:r>
-                <a:t/>
-              </a:r>
               <a:endParaRPr/>
             </a:p>
           </p:txBody>
@@ -2169,7 +2171,7 @@
             </a:xfrm>
             <a:prstGeom prst="parallelogram">
               <a:avLst>
-                <a:gd fmla="val 158024" name="adj"/>
+                <a:gd name="adj" fmla="val 158024"/>
               </a:avLst>
             </a:prstGeom>
             <a:solidFill>
@@ -2180,12 +2182,12 @@
             </a:ln>
           </p:spPr>
           <p:txBody>
-            <a:bodyPr anchorCtr="0" anchor="ctr" bIns="91425" lIns="91425" spcFirstLastPara="1" rIns="91425" wrap="square" tIns="91425">
+            <a:bodyPr spcFirstLastPara="1" wrap="square" lIns="91425" tIns="91425" rIns="91425" bIns="91425" anchor="ctr" anchorCtr="0">
               <a:noAutofit/>
             </a:bodyPr>
             <a:lstStyle/>
             <a:p>
-              <a:pPr indent="0" lvl="0" marL="0" rtl="0" algn="l">
+              <a:pPr marL="0" lvl="0" indent="0" algn="l" rtl="0">
                 <a:spcBef>
                   <a:spcPts val="0"/>
                 </a:spcBef>
@@ -2194,9 +2196,6 @@
                 </a:spcAft>
                 <a:buNone/>
               </a:pPr>
-              <a:r>
-                <a:t/>
-              </a:r>
               <a:endParaRPr/>
             </a:p>
           </p:txBody>
@@ -2214,7 +2213,7 @@
             </a:xfrm>
             <a:prstGeom prst="parallelogram">
               <a:avLst>
-                <a:gd fmla="val 158024" name="adj"/>
+                <a:gd name="adj" fmla="val 158024"/>
               </a:avLst>
             </a:prstGeom>
             <a:solidFill>
@@ -2225,12 +2224,12 @@
             </a:ln>
           </p:spPr>
           <p:txBody>
-            <a:bodyPr anchorCtr="0" anchor="ctr" bIns="91425" lIns="91425" spcFirstLastPara="1" rIns="91425" wrap="square" tIns="91425">
+            <a:bodyPr spcFirstLastPara="1" wrap="square" lIns="91425" tIns="91425" rIns="91425" bIns="91425" anchor="ctr" anchorCtr="0">
               <a:noAutofit/>
             </a:bodyPr>
             <a:lstStyle/>
             <a:p>
-              <a:pPr indent="0" lvl="0" marL="0" rtl="0" algn="l">
+              <a:pPr marL="0" lvl="0" indent="0" algn="l" rtl="0">
                 <a:spcBef>
                   <a:spcPts val="0"/>
                 </a:spcBef>
@@ -2239,9 +2238,6 @@
                 </a:spcAft>
                 <a:buNone/>
               </a:pPr>
-              <a:r>
-                <a:t/>
-              </a:r>
               <a:endParaRPr/>
             </a:p>
           </p:txBody>
@@ -2250,7 +2246,9 @@
       <p:sp>
         <p:nvSpPr>
           <p:cNvPr id="34" name="Google Shape;34;p2"/>
-          <p:cNvSpPr txBox="1"/>
+          <p:cNvSpPr txBox="1">
+            <a:spLocks noGrp="1"/>
+          </p:cNvSpPr>
           <p:nvPr>
             <p:ph type="ctrTitle"/>
           </p:nvPr>
@@ -2265,7 +2263,7 @@
           </a:prstGeom>
         </p:spPr>
         <p:txBody>
-          <a:bodyPr anchorCtr="0" anchor="ctr" bIns="91425" lIns="91425" spcFirstLastPara="1" rIns="91425" wrap="square" tIns="91425">
+          <a:bodyPr spcFirstLastPara="1" wrap="square" lIns="91425" tIns="91425" rIns="91425" bIns="91425" anchor="ctr" anchorCtr="0">
             <a:noAutofit/>
           </a:bodyPr>
           <a:lstStyle>
@@ -2369,15 +2367,19 @@
               <a:defRPr sz="3800"/>
             </a:lvl9pPr>
           </a:lstStyle>
-          <a:p/>
+          <a:p>
+            <a:endParaRPr/>
+          </a:p>
         </p:txBody>
       </p:sp>
       <p:sp>
         <p:nvSpPr>
           <p:cNvPr id="35" name="Google Shape;35;p2"/>
-          <p:cNvSpPr txBox="1"/>
+          <p:cNvSpPr txBox="1">
+            <a:spLocks noGrp="1"/>
+          </p:cNvSpPr>
           <p:nvPr>
-            <p:ph idx="1" type="subTitle"/>
+            <p:ph type="subTitle" idx="1"/>
           </p:nvPr>
         </p:nvSpPr>
         <p:spPr>
@@ -2390,7 +2392,7 @@
           </a:prstGeom>
         </p:spPr>
         <p:txBody>
-          <a:bodyPr anchorCtr="0" anchor="t" bIns="91425" lIns="91425" spcFirstLastPara="1" rIns="91425" wrap="square" tIns="91425">
+          <a:bodyPr spcFirstLastPara="1" wrap="square" lIns="91425" tIns="91425" rIns="91425" bIns="91425" anchor="t" anchorCtr="0">
             <a:noAutofit/>
           </a:bodyPr>
           <a:lstStyle>
@@ -2584,15 +2586,19 @@
               </a:defRPr>
             </a:lvl9pPr>
           </a:lstStyle>
-          <a:p/>
+          <a:p>
+            <a:endParaRPr/>
+          </a:p>
         </p:txBody>
       </p:sp>
       <p:sp>
         <p:nvSpPr>
           <p:cNvPr id="36" name="Google Shape;36;p2"/>
-          <p:cNvSpPr txBox="1"/>
+          <p:cNvSpPr txBox="1">
+            <a:spLocks noGrp="1"/>
+          </p:cNvSpPr>
           <p:nvPr>
-            <p:ph idx="12" type="sldNum"/>
+            <p:ph type="sldNum" idx="12"/>
           </p:nvPr>
         </p:nvSpPr>
         <p:spPr>
@@ -2605,7 +2611,7 @@
           </a:prstGeom>
         </p:spPr>
         <p:txBody>
-          <a:bodyPr anchorCtr="0" anchor="ctr" bIns="91425" lIns="91425" spcFirstLastPara="1" rIns="91425" wrap="square" tIns="91425">
+          <a:bodyPr spcFirstLastPara="1" wrap="square" lIns="91425" tIns="91425" rIns="91425" bIns="91425" anchor="ctr" anchorCtr="0">
             <a:noAutofit/>
           </a:bodyPr>
           <a:lstStyle>
@@ -2647,7 +2653,7 @@
             </a:lvl9pPr>
           </a:lstStyle>
           <a:p>
-            <a:pPr indent="0" lvl="0" marL="0" rtl="0" algn="r">
+            <a:pPr marL="0" lvl="0" indent="0" algn="r" rtl="0">
               <a:spcBef>
                 <a:spcPts val="0"/>
               </a:spcBef>
@@ -2673,18 +2679,19 @@
 </file>
 
 <file path=ppt/slideLayouts/slideLayout10.xml><?xml version="1.0" encoding="utf-8"?>
-<p:sldLayout xmlns:a="http://schemas.openxmlformats.org/drawingml/2006/main" xmlns:r="http://schemas.openxmlformats.org/officeDocument/2006/relationships" xmlns:mc="http://schemas.openxmlformats.org/markup-compatibility/2006" xmlns:mv="urn:schemas-microsoft-com:mac:vml" xmlns:p="http://schemas.openxmlformats.org/presentationml/2006/main" xmlns:c="http://schemas.openxmlformats.org/drawingml/2006/chart" xmlns:dgm="http://schemas.openxmlformats.org/drawingml/2006/diagram" xmlns:o="urn:schemas-microsoft-com:office:office" xmlns:v="urn:schemas-microsoft-com:vml" xmlns:pvml="urn:schemas-microsoft-com:office:powerpoint" xmlns:com="http://schemas.openxmlformats.org/drawingml/2006/compatibility" xmlns:p14="http://schemas.microsoft.com/office/powerpoint/2010/main" xmlns:p15="http://schemas.microsoft.com/office/powerpoint/2012/main" matchingName="Big number">
+<p:sldLayout xmlns:a="http://schemas.openxmlformats.org/drawingml/2006/main" xmlns:r="http://schemas.openxmlformats.org/officeDocument/2006/relationships" xmlns:p="http://schemas.openxmlformats.org/presentationml/2006/main" matchingName="Big number">
   <p:cSld name="BIG_NUMBER">
     <p:bg>
       <p:bgPr>
         <a:solidFill>
           <a:schemeClr val="accent3"/>
         </a:solidFill>
+        <a:effectLst/>
       </p:bgPr>
     </p:bg>
     <p:spTree>
       <p:nvGrpSpPr>
-        <p:cNvPr id="109" name="Shape 109"/>
+        <p:cNvPr id="1" name="Shape 109"/>
         <p:cNvGrpSpPr/>
         <p:nvPr/>
       </p:nvGrpSpPr>
@@ -2718,12 +2725,12 @@
           </a:ln>
         </p:spPr>
         <p:txBody>
-          <a:bodyPr anchorCtr="0" anchor="ctr" bIns="91425" lIns="91425" spcFirstLastPara="1" rIns="91425" wrap="square" tIns="91425">
+          <a:bodyPr spcFirstLastPara="1" wrap="square" lIns="91425" tIns="91425" rIns="91425" bIns="91425" anchor="ctr" anchorCtr="0">
             <a:noAutofit/>
           </a:bodyPr>
           <a:lstStyle/>
           <a:p>
-            <a:pPr indent="0" lvl="0" marL="0" rtl="0" algn="l">
+            <a:pPr marL="0" lvl="0" indent="0" algn="l" rtl="0">
               <a:spcBef>
                 <a:spcPts val="0"/>
               </a:spcBef>
@@ -2732,9 +2739,6 @@
               </a:spcAft>
               <a:buNone/>
             </a:pPr>
-            <a:r>
-              <a:t/>
-            </a:r>
             <a:endParaRPr/>
           </a:p>
         </p:txBody>
@@ -2766,7 +2770,7 @@
             </a:xfrm>
             <a:prstGeom prst="parallelogram">
               <a:avLst>
-                <a:gd fmla="val 158024" name="adj"/>
+                <a:gd name="adj" fmla="val 158024"/>
               </a:avLst>
             </a:prstGeom>
             <a:solidFill>
@@ -2777,12 +2781,12 @@
             </a:ln>
           </p:spPr>
           <p:txBody>
-            <a:bodyPr anchorCtr="0" anchor="ctr" bIns="91425" lIns="91425" spcFirstLastPara="1" rIns="91425" wrap="square" tIns="91425">
+            <a:bodyPr spcFirstLastPara="1" wrap="square" lIns="91425" tIns="91425" rIns="91425" bIns="91425" anchor="ctr" anchorCtr="0">
               <a:noAutofit/>
             </a:bodyPr>
             <a:lstStyle/>
             <a:p>
-              <a:pPr indent="0" lvl="0" marL="0" rtl="0" algn="l">
+              <a:pPr marL="0" lvl="0" indent="0" algn="l" rtl="0">
                 <a:spcBef>
                   <a:spcPts val="0"/>
                 </a:spcBef>
@@ -2791,9 +2795,6 @@
                 </a:spcAft>
                 <a:buNone/>
               </a:pPr>
-              <a:r>
-                <a:t/>
-              </a:r>
               <a:endParaRPr/>
             </a:p>
           </p:txBody>
@@ -2811,7 +2812,7 @@
             </a:xfrm>
             <a:prstGeom prst="parallelogram">
               <a:avLst>
-                <a:gd fmla="val 158024" name="adj"/>
+                <a:gd name="adj" fmla="val 158024"/>
               </a:avLst>
             </a:prstGeom>
             <a:solidFill>
@@ -2822,12 +2823,12 @@
             </a:ln>
           </p:spPr>
           <p:txBody>
-            <a:bodyPr anchorCtr="0" anchor="ctr" bIns="91425" lIns="91425" spcFirstLastPara="1" rIns="91425" wrap="square" tIns="91425">
+            <a:bodyPr spcFirstLastPara="1" wrap="square" lIns="91425" tIns="91425" rIns="91425" bIns="91425" anchor="ctr" anchorCtr="0">
               <a:noAutofit/>
             </a:bodyPr>
             <a:lstStyle/>
             <a:p>
-              <a:pPr indent="0" lvl="0" marL="0" rtl="0" algn="l">
+              <a:pPr marL="0" lvl="0" indent="0" algn="l" rtl="0">
                 <a:spcBef>
                   <a:spcPts val="0"/>
                 </a:spcBef>
@@ -2836,9 +2837,6 @@
                 </a:spcAft>
                 <a:buNone/>
               </a:pPr>
-              <a:r>
-                <a:t/>
-              </a:r>
               <a:endParaRPr/>
             </a:p>
           </p:txBody>
@@ -2856,7 +2854,7 @@
             </a:xfrm>
             <a:prstGeom prst="parallelogram">
               <a:avLst>
-                <a:gd fmla="val 158024" name="adj"/>
+                <a:gd name="adj" fmla="val 158024"/>
               </a:avLst>
             </a:prstGeom>
             <a:solidFill>
@@ -2867,12 +2865,12 @@
             </a:ln>
           </p:spPr>
           <p:txBody>
-            <a:bodyPr anchorCtr="0" anchor="ctr" bIns="91425" lIns="91425" spcFirstLastPara="1" rIns="91425" wrap="square" tIns="91425">
+            <a:bodyPr spcFirstLastPara="1" wrap="square" lIns="91425" tIns="91425" rIns="91425" bIns="91425" anchor="ctr" anchorCtr="0">
               <a:noAutofit/>
             </a:bodyPr>
             <a:lstStyle/>
             <a:p>
-              <a:pPr indent="0" lvl="0" marL="0" rtl="0" algn="l">
+              <a:pPr marL="0" lvl="0" indent="0" algn="l" rtl="0">
                 <a:spcBef>
                   <a:spcPts val="0"/>
                 </a:spcBef>
@@ -2881,9 +2879,6 @@
                 </a:spcAft>
                 <a:buNone/>
               </a:pPr>
-              <a:r>
-                <a:t/>
-              </a:r>
               <a:endParaRPr/>
             </a:p>
           </p:txBody>
@@ -2916,7 +2911,7 @@
             </a:xfrm>
             <a:prstGeom prst="parallelogram">
               <a:avLst>
-                <a:gd fmla="val 158024" name="adj"/>
+                <a:gd name="adj" fmla="val 158024"/>
               </a:avLst>
             </a:prstGeom>
             <a:solidFill>
@@ -2927,12 +2922,12 @@
             </a:ln>
           </p:spPr>
           <p:txBody>
-            <a:bodyPr anchorCtr="0" anchor="ctr" bIns="91425" lIns="91425" spcFirstLastPara="1" rIns="91425" wrap="square" tIns="91425">
+            <a:bodyPr spcFirstLastPara="1" wrap="square" lIns="91425" tIns="91425" rIns="91425" bIns="91425" anchor="ctr" anchorCtr="0">
               <a:noAutofit/>
             </a:bodyPr>
             <a:lstStyle/>
             <a:p>
-              <a:pPr indent="0" lvl="0" marL="0" rtl="0" algn="l">
+              <a:pPr marL="0" lvl="0" indent="0" algn="l" rtl="0">
                 <a:spcBef>
                   <a:spcPts val="0"/>
                 </a:spcBef>
@@ -2941,9 +2936,6 @@
                 </a:spcAft>
                 <a:buNone/>
               </a:pPr>
-              <a:r>
-                <a:t/>
-              </a:r>
               <a:endParaRPr/>
             </a:p>
           </p:txBody>
@@ -2961,7 +2953,7 @@
             </a:xfrm>
             <a:prstGeom prst="parallelogram">
               <a:avLst>
-                <a:gd fmla="val 158024" name="adj"/>
+                <a:gd name="adj" fmla="val 158024"/>
               </a:avLst>
             </a:prstGeom>
             <a:solidFill>
@@ -2972,12 +2964,12 @@
             </a:ln>
           </p:spPr>
           <p:txBody>
-            <a:bodyPr anchorCtr="0" anchor="ctr" bIns="91425" lIns="91425" spcFirstLastPara="1" rIns="91425" wrap="square" tIns="91425">
+            <a:bodyPr spcFirstLastPara="1" wrap="square" lIns="91425" tIns="91425" rIns="91425" bIns="91425" anchor="ctr" anchorCtr="0">
               <a:noAutofit/>
             </a:bodyPr>
             <a:lstStyle/>
             <a:p>
-              <a:pPr indent="0" lvl="0" marL="0" rtl="0" algn="l">
+              <a:pPr marL="0" lvl="0" indent="0" algn="l" rtl="0">
                 <a:spcBef>
                   <a:spcPts val="0"/>
                 </a:spcBef>
@@ -2986,9 +2978,6 @@
                 </a:spcAft>
                 <a:buNone/>
               </a:pPr>
-              <a:r>
-                <a:t/>
-              </a:r>
               <a:endParaRPr/>
             </a:p>
           </p:txBody>
@@ -3006,7 +2995,7 @@
             </a:xfrm>
             <a:prstGeom prst="parallelogram">
               <a:avLst>
-                <a:gd fmla="val 158024" name="adj"/>
+                <a:gd name="adj" fmla="val 158024"/>
               </a:avLst>
             </a:prstGeom>
             <a:solidFill>
@@ -3017,12 +3006,12 @@
             </a:ln>
           </p:spPr>
           <p:txBody>
-            <a:bodyPr anchorCtr="0" anchor="ctr" bIns="91425" lIns="91425" spcFirstLastPara="1" rIns="91425" wrap="square" tIns="91425">
+            <a:bodyPr spcFirstLastPara="1" wrap="square" lIns="91425" tIns="91425" rIns="91425" bIns="91425" anchor="ctr" anchorCtr="0">
               <a:noAutofit/>
             </a:bodyPr>
             <a:lstStyle/>
             <a:p>
-              <a:pPr indent="0" lvl="0" marL="0" rtl="0" algn="l">
+              <a:pPr marL="0" lvl="0" indent="0" algn="l" rtl="0">
                 <a:spcBef>
                   <a:spcPts val="0"/>
                 </a:spcBef>
@@ -3031,9 +3020,6 @@
                 </a:spcAft>
                 <a:buNone/>
               </a:pPr>
-              <a:r>
-                <a:t/>
-              </a:r>
               <a:endParaRPr/>
             </a:p>
           </p:txBody>
@@ -3042,9 +3028,11 @@
       <p:sp>
         <p:nvSpPr>
           <p:cNvPr id="119" name="Google Shape;119;p11"/>
-          <p:cNvSpPr txBox="1"/>
+          <p:cNvSpPr txBox="1">
+            <a:spLocks noGrp="1"/>
+          </p:cNvSpPr>
           <p:nvPr>
-            <p:ph hasCustomPrompt="1" type="title"/>
+            <p:ph type="title" hasCustomPrompt="1"/>
           </p:nvPr>
         </p:nvSpPr>
         <p:spPr>
@@ -3057,7 +3045,7 @@
           </a:prstGeom>
         </p:spPr>
         <p:txBody>
-          <a:bodyPr anchorCtr="0" anchor="ctr" bIns="91425" lIns="91425" spcFirstLastPara="1" rIns="91425" wrap="square" tIns="91425">
+          <a:bodyPr spcFirstLastPara="1" wrap="square" lIns="91425" tIns="91425" rIns="91425" bIns="91425" anchor="ctr" anchorCtr="0">
             <a:noAutofit/>
           </a:bodyPr>
           <a:lstStyle>
@@ -3234,9 +3222,11 @@
       <p:sp>
         <p:nvSpPr>
           <p:cNvPr id="120" name="Google Shape;120;p11"/>
-          <p:cNvSpPr txBox="1"/>
+          <p:cNvSpPr txBox="1">
+            <a:spLocks noGrp="1"/>
+          </p:cNvSpPr>
           <p:nvPr>
-            <p:ph idx="1" type="body"/>
+            <p:ph type="body" idx="1"/>
           </p:nvPr>
         </p:nvSpPr>
         <p:spPr>
@@ -3249,11 +3239,11 @@
           </a:prstGeom>
         </p:spPr>
         <p:txBody>
-          <a:bodyPr anchorCtr="0" anchor="t" bIns="91425" lIns="91425" spcFirstLastPara="1" rIns="91425" wrap="square" tIns="91425">
+          <a:bodyPr spcFirstLastPara="1" wrap="square" lIns="91425" tIns="91425" rIns="91425" bIns="91425" anchor="t" anchorCtr="0">
             <a:noAutofit/>
           </a:bodyPr>
           <a:lstStyle>
-            <a:lvl1pPr indent="-311150" lvl="0" marL="457200" algn="ctr">
+            <a:lvl1pPr marL="457200" lvl="0" indent="-311150" algn="ctr">
               <a:spcBef>
                 <a:spcPts val="0"/>
               </a:spcBef>
@@ -3264,7 +3254,7 @@
               <a:buChar char="●"/>
               <a:defRPr/>
             </a:lvl1pPr>
-            <a:lvl2pPr indent="-298450" lvl="1" marL="914400" algn="ctr">
+            <a:lvl2pPr marL="914400" lvl="1" indent="-298450" algn="ctr">
               <a:spcBef>
                 <a:spcPts val="1600"/>
               </a:spcBef>
@@ -3275,7 +3265,7 @@
               <a:buChar char="○"/>
               <a:defRPr/>
             </a:lvl2pPr>
-            <a:lvl3pPr indent="-298450" lvl="2" marL="1371600" algn="ctr">
+            <a:lvl3pPr marL="1371600" lvl="2" indent="-298450" algn="ctr">
               <a:spcBef>
                 <a:spcPts val="1600"/>
               </a:spcBef>
@@ -3286,7 +3276,7 @@
               <a:buChar char="■"/>
               <a:defRPr/>
             </a:lvl3pPr>
-            <a:lvl4pPr indent="-298450" lvl="3" marL="1828800" algn="ctr">
+            <a:lvl4pPr marL="1828800" lvl="3" indent="-298450" algn="ctr">
               <a:spcBef>
                 <a:spcPts val="1600"/>
               </a:spcBef>
@@ -3297,7 +3287,7 @@
               <a:buChar char="●"/>
               <a:defRPr/>
             </a:lvl4pPr>
-            <a:lvl5pPr indent="-298450" lvl="4" marL="2286000" algn="ctr">
+            <a:lvl5pPr marL="2286000" lvl="4" indent="-298450" algn="ctr">
               <a:spcBef>
                 <a:spcPts val="1600"/>
               </a:spcBef>
@@ -3308,7 +3298,7 @@
               <a:buChar char="○"/>
               <a:defRPr/>
             </a:lvl5pPr>
-            <a:lvl6pPr indent="-298450" lvl="5" marL="2743200" algn="ctr">
+            <a:lvl6pPr marL="2743200" lvl="5" indent="-298450" algn="ctr">
               <a:spcBef>
                 <a:spcPts val="1600"/>
               </a:spcBef>
@@ -3319,7 +3309,7 @@
               <a:buChar char="■"/>
               <a:defRPr/>
             </a:lvl6pPr>
-            <a:lvl7pPr indent="-298450" lvl="6" marL="3200400" algn="ctr">
+            <a:lvl7pPr marL="3200400" lvl="6" indent="-298450" algn="ctr">
               <a:spcBef>
                 <a:spcPts val="1600"/>
               </a:spcBef>
@@ -3330,7 +3320,7 @@
               <a:buChar char="●"/>
               <a:defRPr/>
             </a:lvl7pPr>
-            <a:lvl8pPr indent="-298450" lvl="7" marL="3657600" algn="ctr">
+            <a:lvl8pPr marL="3657600" lvl="7" indent="-298450" algn="ctr">
               <a:spcBef>
                 <a:spcPts val="1600"/>
               </a:spcBef>
@@ -3341,7 +3331,7 @@
               <a:buChar char="○"/>
               <a:defRPr/>
             </a:lvl8pPr>
-            <a:lvl9pPr indent="-298450" lvl="8" marL="4114800" algn="ctr">
+            <a:lvl9pPr marL="4114800" lvl="8" indent="-298450" algn="ctr">
               <a:spcBef>
                 <a:spcPts val="1600"/>
               </a:spcBef>
@@ -3353,15 +3343,19 @@
               <a:defRPr/>
             </a:lvl9pPr>
           </a:lstStyle>
-          <a:p/>
+          <a:p>
+            <a:endParaRPr/>
+          </a:p>
         </p:txBody>
       </p:sp>
       <p:sp>
         <p:nvSpPr>
           <p:cNvPr id="121" name="Google Shape;121;p11"/>
-          <p:cNvSpPr txBox="1"/>
+          <p:cNvSpPr txBox="1">
+            <a:spLocks noGrp="1"/>
+          </p:cNvSpPr>
           <p:nvPr>
-            <p:ph idx="12" type="sldNum"/>
+            <p:ph type="sldNum" idx="12"/>
           </p:nvPr>
         </p:nvSpPr>
         <p:spPr>
@@ -3374,7 +3368,7 @@
           </a:prstGeom>
         </p:spPr>
         <p:txBody>
-          <a:bodyPr anchorCtr="0" anchor="ctr" bIns="91425" lIns="91425" spcFirstLastPara="1" rIns="91425" wrap="square" tIns="91425">
+          <a:bodyPr spcFirstLastPara="1" wrap="square" lIns="91425" tIns="91425" rIns="91425" bIns="91425" anchor="ctr" anchorCtr="0">
             <a:noAutofit/>
           </a:bodyPr>
           <a:lstStyle>
@@ -3416,7 +3410,7 @@
             </a:lvl9pPr>
           </a:lstStyle>
           <a:p>
-            <a:pPr indent="0" lvl="0" marL="0" rtl="0" algn="r">
+            <a:pPr marL="0" lvl="0" indent="0" algn="r" rtl="0">
               <a:spcBef>
                 <a:spcPts val="0"/>
               </a:spcBef>
@@ -3442,11 +3436,11 @@
 </file>
 
 <file path=ppt/slideLayouts/slideLayout11.xml><?xml version="1.0" encoding="utf-8"?>
-<p:sldLayout xmlns:a="http://schemas.openxmlformats.org/drawingml/2006/main" xmlns:r="http://schemas.openxmlformats.org/officeDocument/2006/relationships" xmlns:mc="http://schemas.openxmlformats.org/markup-compatibility/2006" xmlns:mv="urn:schemas-microsoft-com:mac:vml" xmlns:p="http://schemas.openxmlformats.org/presentationml/2006/main" xmlns:c="http://schemas.openxmlformats.org/drawingml/2006/chart" xmlns:dgm="http://schemas.openxmlformats.org/drawingml/2006/diagram" xmlns:o="urn:schemas-microsoft-com:office:office" xmlns:v="urn:schemas-microsoft-com:vml" xmlns:pvml="urn:schemas-microsoft-com:office:powerpoint" xmlns:com="http://schemas.openxmlformats.org/drawingml/2006/compatibility" xmlns:p14="http://schemas.microsoft.com/office/powerpoint/2010/main" xmlns:p15="http://schemas.microsoft.com/office/powerpoint/2012/main" matchingName="Blank" type="blank">
+<p:sldLayout xmlns:a="http://schemas.openxmlformats.org/drawingml/2006/main" xmlns:r="http://schemas.openxmlformats.org/officeDocument/2006/relationships" xmlns:p="http://schemas.openxmlformats.org/presentationml/2006/main" matchingName="Blank" type="blank">
   <p:cSld name="BLANK">
     <p:spTree>
       <p:nvGrpSpPr>
-        <p:cNvPr id="122" name="Shape 122"/>
+        <p:cNvPr id="1" name="Shape 122"/>
         <p:cNvGrpSpPr/>
         <p:nvPr/>
       </p:nvGrpSpPr>
@@ -3461,9 +3455,11 @@
       <p:sp>
         <p:nvSpPr>
           <p:cNvPr id="123" name="Google Shape;123;p12"/>
-          <p:cNvSpPr txBox="1"/>
+          <p:cNvSpPr txBox="1">
+            <a:spLocks noGrp="1"/>
+          </p:cNvSpPr>
           <p:nvPr>
-            <p:ph idx="12" type="sldNum"/>
+            <p:ph type="sldNum" idx="12"/>
           </p:nvPr>
         </p:nvSpPr>
         <p:spPr>
@@ -3476,7 +3472,7 @@
           </a:prstGeom>
         </p:spPr>
         <p:txBody>
-          <a:bodyPr anchorCtr="0" anchor="ctr" bIns="91425" lIns="91425" spcFirstLastPara="1" rIns="91425" wrap="square" tIns="91425">
+          <a:bodyPr spcFirstLastPara="1" wrap="square" lIns="91425" tIns="91425" rIns="91425" bIns="91425" anchor="ctr" anchorCtr="0">
             <a:noAutofit/>
           </a:bodyPr>
           <a:lstStyle>
@@ -3518,7 +3514,7 @@
             </a:lvl9pPr>
           </a:lstStyle>
           <a:p>
-            <a:pPr indent="0" lvl="0" marL="0" rtl="0" algn="r">
+            <a:pPr marL="0" lvl="0" indent="0" algn="r" rtl="0">
               <a:spcBef>
                 <a:spcPts val="0"/>
               </a:spcBef>
@@ -3544,18 +3540,19 @@
 </file>
 
 <file path=ppt/slideLayouts/slideLayout2.xml><?xml version="1.0" encoding="utf-8"?>
-<p:sldLayout xmlns:a="http://schemas.openxmlformats.org/drawingml/2006/main" xmlns:r="http://schemas.openxmlformats.org/officeDocument/2006/relationships" xmlns:mc="http://schemas.openxmlformats.org/markup-compatibility/2006" xmlns:mv="urn:schemas-microsoft-com:mac:vml" xmlns:p="http://schemas.openxmlformats.org/presentationml/2006/main" xmlns:c="http://schemas.openxmlformats.org/drawingml/2006/chart" xmlns:dgm="http://schemas.openxmlformats.org/drawingml/2006/diagram" xmlns:o="urn:schemas-microsoft-com:office:office" xmlns:v="urn:schemas-microsoft-com:vml" xmlns:pvml="urn:schemas-microsoft-com:office:powerpoint" xmlns:com="http://schemas.openxmlformats.org/drawingml/2006/compatibility" xmlns:p14="http://schemas.microsoft.com/office/powerpoint/2010/main" xmlns:p15="http://schemas.microsoft.com/office/powerpoint/2012/main" matchingName="Section header" type="secHead">
+<p:sldLayout xmlns:a="http://schemas.openxmlformats.org/drawingml/2006/main" xmlns:r="http://schemas.openxmlformats.org/officeDocument/2006/relationships" xmlns:p="http://schemas.openxmlformats.org/presentationml/2006/main" matchingName="Section header" type="secHead">
   <p:cSld name="SECTION_HEADER">
     <p:bg>
       <p:bgPr>
         <a:solidFill>
           <a:schemeClr val="accent3"/>
         </a:solidFill>
+        <a:effectLst/>
       </p:bgPr>
     </p:bg>
     <p:spTree>
       <p:nvGrpSpPr>
-        <p:cNvPr id="37" name="Shape 37"/>
+        <p:cNvPr id="1" name="Shape 37"/>
         <p:cNvGrpSpPr/>
         <p:nvPr/>
       </p:nvGrpSpPr>
@@ -3589,12 +3586,12 @@
           </a:ln>
         </p:spPr>
         <p:txBody>
-          <a:bodyPr anchorCtr="0" anchor="ctr" bIns="91425" lIns="91425" spcFirstLastPara="1" rIns="91425" wrap="square" tIns="91425">
+          <a:bodyPr spcFirstLastPara="1" wrap="square" lIns="91425" tIns="91425" rIns="91425" bIns="91425" anchor="ctr" anchorCtr="0">
             <a:noAutofit/>
           </a:bodyPr>
           <a:lstStyle/>
           <a:p>
-            <a:pPr indent="0" lvl="0" marL="0" rtl="0" algn="l">
+            <a:pPr marL="0" lvl="0" indent="0" algn="l" rtl="0">
               <a:spcBef>
                 <a:spcPts val="0"/>
               </a:spcBef>
@@ -3603,9 +3600,6 @@
               </a:spcAft>
               <a:buNone/>
             </a:pPr>
-            <a:r>
-              <a:t/>
-            </a:r>
             <a:endParaRPr/>
           </a:p>
         </p:txBody>
@@ -3637,7 +3631,7 @@
             </a:xfrm>
             <a:prstGeom prst="parallelogram">
               <a:avLst>
-                <a:gd fmla="val 158024" name="adj"/>
+                <a:gd name="adj" fmla="val 158024"/>
               </a:avLst>
             </a:prstGeom>
             <a:solidFill>
@@ -3648,12 +3642,12 @@
             </a:ln>
           </p:spPr>
           <p:txBody>
-            <a:bodyPr anchorCtr="0" anchor="ctr" bIns="91425" lIns="91425" spcFirstLastPara="1" rIns="91425" wrap="square" tIns="91425">
+            <a:bodyPr spcFirstLastPara="1" wrap="square" lIns="91425" tIns="91425" rIns="91425" bIns="91425" anchor="ctr" anchorCtr="0">
               <a:noAutofit/>
             </a:bodyPr>
             <a:lstStyle/>
             <a:p>
-              <a:pPr indent="0" lvl="0" marL="0" rtl="0" algn="l">
+              <a:pPr marL="0" lvl="0" indent="0" algn="l" rtl="0">
                 <a:spcBef>
                   <a:spcPts val="0"/>
                 </a:spcBef>
@@ -3662,9 +3656,6 @@
                 </a:spcAft>
                 <a:buNone/>
               </a:pPr>
-              <a:r>
-                <a:t/>
-              </a:r>
               <a:endParaRPr/>
             </a:p>
           </p:txBody>
@@ -3682,7 +3673,7 @@
             </a:xfrm>
             <a:prstGeom prst="parallelogram">
               <a:avLst>
-                <a:gd fmla="val 158024" name="adj"/>
+                <a:gd name="adj" fmla="val 158024"/>
               </a:avLst>
             </a:prstGeom>
             <a:solidFill>
@@ -3693,12 +3684,12 @@
             </a:ln>
           </p:spPr>
           <p:txBody>
-            <a:bodyPr anchorCtr="0" anchor="ctr" bIns="91425" lIns="91425" spcFirstLastPara="1" rIns="91425" wrap="square" tIns="91425">
+            <a:bodyPr spcFirstLastPara="1" wrap="square" lIns="91425" tIns="91425" rIns="91425" bIns="91425" anchor="ctr" anchorCtr="0">
               <a:noAutofit/>
             </a:bodyPr>
             <a:lstStyle/>
             <a:p>
-              <a:pPr indent="0" lvl="0" marL="0" rtl="0" algn="l">
+              <a:pPr marL="0" lvl="0" indent="0" algn="l" rtl="0">
                 <a:spcBef>
                   <a:spcPts val="0"/>
                 </a:spcBef>
@@ -3707,9 +3698,6 @@
                 </a:spcAft>
                 <a:buNone/>
               </a:pPr>
-              <a:r>
-                <a:t/>
-              </a:r>
               <a:endParaRPr/>
             </a:p>
           </p:txBody>
@@ -3727,7 +3715,7 @@
             </a:xfrm>
             <a:prstGeom prst="parallelogram">
               <a:avLst>
-                <a:gd fmla="val 158024" name="adj"/>
+                <a:gd name="adj" fmla="val 158024"/>
               </a:avLst>
             </a:prstGeom>
             <a:solidFill>
@@ -3738,12 +3726,12 @@
             </a:ln>
           </p:spPr>
           <p:txBody>
-            <a:bodyPr anchorCtr="0" anchor="ctr" bIns="91425" lIns="91425" spcFirstLastPara="1" rIns="91425" wrap="square" tIns="91425">
+            <a:bodyPr spcFirstLastPara="1" wrap="square" lIns="91425" tIns="91425" rIns="91425" bIns="91425" anchor="ctr" anchorCtr="0">
               <a:noAutofit/>
             </a:bodyPr>
             <a:lstStyle/>
             <a:p>
-              <a:pPr indent="0" lvl="0" marL="0" rtl="0" algn="l">
+              <a:pPr marL="0" lvl="0" indent="0" algn="l" rtl="0">
                 <a:spcBef>
                   <a:spcPts val="0"/>
                 </a:spcBef>
@@ -3752,9 +3740,6 @@
                 </a:spcAft>
                 <a:buNone/>
               </a:pPr>
-              <a:r>
-                <a:t/>
-              </a:r>
               <a:endParaRPr/>
             </a:p>
           </p:txBody>
@@ -3787,7 +3772,7 @@
             </a:xfrm>
             <a:prstGeom prst="parallelogram">
               <a:avLst>
-                <a:gd fmla="val 158024" name="adj"/>
+                <a:gd name="adj" fmla="val 158024"/>
               </a:avLst>
             </a:prstGeom>
             <a:solidFill>
@@ -3798,12 +3783,12 @@
             </a:ln>
           </p:spPr>
           <p:txBody>
-            <a:bodyPr anchorCtr="0" anchor="ctr" bIns="91425" lIns="91425" spcFirstLastPara="1" rIns="91425" wrap="square" tIns="91425">
+            <a:bodyPr spcFirstLastPara="1" wrap="square" lIns="91425" tIns="91425" rIns="91425" bIns="91425" anchor="ctr" anchorCtr="0">
               <a:noAutofit/>
             </a:bodyPr>
             <a:lstStyle/>
             <a:p>
-              <a:pPr indent="0" lvl="0" marL="0" rtl="0" algn="l">
+              <a:pPr marL="0" lvl="0" indent="0" algn="l" rtl="0">
                 <a:spcBef>
                   <a:spcPts val="0"/>
                 </a:spcBef>
@@ -3812,9 +3797,6 @@
                 </a:spcAft>
                 <a:buNone/>
               </a:pPr>
-              <a:r>
-                <a:t/>
-              </a:r>
               <a:endParaRPr/>
             </a:p>
           </p:txBody>
@@ -3832,7 +3814,7 @@
             </a:xfrm>
             <a:prstGeom prst="parallelogram">
               <a:avLst>
-                <a:gd fmla="val 158024" name="adj"/>
+                <a:gd name="adj" fmla="val 158024"/>
               </a:avLst>
             </a:prstGeom>
             <a:solidFill>
@@ -3843,12 +3825,12 @@
             </a:ln>
           </p:spPr>
           <p:txBody>
-            <a:bodyPr anchorCtr="0" anchor="ctr" bIns="91425" lIns="91425" spcFirstLastPara="1" rIns="91425" wrap="square" tIns="91425">
+            <a:bodyPr spcFirstLastPara="1" wrap="square" lIns="91425" tIns="91425" rIns="91425" bIns="91425" anchor="ctr" anchorCtr="0">
               <a:noAutofit/>
             </a:bodyPr>
             <a:lstStyle/>
             <a:p>
-              <a:pPr indent="0" lvl="0" marL="0" rtl="0" algn="l">
+              <a:pPr marL="0" lvl="0" indent="0" algn="l" rtl="0">
                 <a:spcBef>
                   <a:spcPts val="0"/>
                 </a:spcBef>
@@ -3857,9 +3839,6 @@
                 </a:spcAft>
                 <a:buNone/>
               </a:pPr>
-              <a:r>
-                <a:t/>
-              </a:r>
               <a:endParaRPr/>
             </a:p>
           </p:txBody>
@@ -3877,7 +3856,7 @@
             </a:xfrm>
             <a:prstGeom prst="parallelogram">
               <a:avLst>
-                <a:gd fmla="val 158024" name="adj"/>
+                <a:gd name="adj" fmla="val 158024"/>
               </a:avLst>
             </a:prstGeom>
             <a:solidFill>
@@ -3888,12 +3867,12 @@
             </a:ln>
           </p:spPr>
           <p:txBody>
-            <a:bodyPr anchorCtr="0" anchor="ctr" bIns="91425" lIns="91425" spcFirstLastPara="1" rIns="91425" wrap="square" tIns="91425">
+            <a:bodyPr spcFirstLastPara="1" wrap="square" lIns="91425" tIns="91425" rIns="91425" bIns="91425" anchor="ctr" anchorCtr="0">
               <a:noAutofit/>
             </a:bodyPr>
             <a:lstStyle/>
             <a:p>
-              <a:pPr indent="0" lvl="0" marL="0" rtl="0" algn="l">
+              <a:pPr marL="0" lvl="0" indent="0" algn="l" rtl="0">
                 <a:spcBef>
                   <a:spcPts val="0"/>
                 </a:spcBef>
@@ -3902,9 +3881,6 @@
                 </a:spcAft>
                 <a:buNone/>
               </a:pPr>
-              <a:r>
-                <a:t/>
-              </a:r>
               <a:endParaRPr/>
             </a:p>
           </p:txBody>
@@ -3913,7 +3889,9 @@
       <p:sp>
         <p:nvSpPr>
           <p:cNvPr id="47" name="Google Shape;47;p3"/>
-          <p:cNvSpPr txBox="1"/>
+          <p:cNvSpPr txBox="1">
+            <a:spLocks noGrp="1"/>
+          </p:cNvSpPr>
           <p:nvPr>
             <p:ph type="title"/>
           </p:nvPr>
@@ -3928,7 +3906,7 @@
           </a:prstGeom>
         </p:spPr>
         <p:txBody>
-          <a:bodyPr anchorCtr="0" anchor="ctr" bIns="91425" lIns="91425" spcFirstLastPara="1" rIns="91425" wrap="square" tIns="91425">
+          <a:bodyPr spcFirstLastPara="1" wrap="square" lIns="91425" tIns="91425" rIns="91425" bIns="91425" anchor="ctr" anchorCtr="0">
             <a:noAutofit/>
           </a:bodyPr>
           <a:lstStyle>
@@ -4095,15 +4073,19 @@
               </a:defRPr>
             </a:lvl9pPr>
           </a:lstStyle>
-          <a:p/>
+          <a:p>
+            <a:endParaRPr/>
+          </a:p>
         </p:txBody>
       </p:sp>
       <p:sp>
         <p:nvSpPr>
           <p:cNvPr id="48" name="Google Shape;48;p3"/>
-          <p:cNvSpPr txBox="1"/>
+          <p:cNvSpPr txBox="1">
+            <a:spLocks noGrp="1"/>
+          </p:cNvSpPr>
           <p:nvPr>
-            <p:ph idx="12" type="sldNum"/>
+            <p:ph type="sldNum" idx="12"/>
           </p:nvPr>
         </p:nvSpPr>
         <p:spPr>
@@ -4116,7 +4098,7 @@
           </a:prstGeom>
         </p:spPr>
         <p:txBody>
-          <a:bodyPr anchorCtr="0" anchor="ctr" bIns="91425" lIns="91425" spcFirstLastPara="1" rIns="91425" wrap="square" tIns="91425">
+          <a:bodyPr spcFirstLastPara="1" wrap="square" lIns="91425" tIns="91425" rIns="91425" bIns="91425" anchor="ctr" anchorCtr="0">
             <a:noAutofit/>
           </a:bodyPr>
           <a:lstStyle>
@@ -4158,7 +4140,7 @@
             </a:lvl9pPr>
           </a:lstStyle>
           <a:p>
-            <a:pPr indent="0" lvl="0" marL="0" rtl="0" algn="r">
+            <a:pPr marL="0" lvl="0" indent="0" algn="r" rtl="0">
               <a:spcBef>
                 <a:spcPts val="0"/>
               </a:spcBef>
@@ -4184,18 +4166,19 @@
 </file>
 
 <file path=ppt/slideLayouts/slideLayout3.xml><?xml version="1.0" encoding="utf-8"?>
-<p:sldLayout xmlns:a="http://schemas.openxmlformats.org/drawingml/2006/main" xmlns:r="http://schemas.openxmlformats.org/officeDocument/2006/relationships" xmlns:mc="http://schemas.openxmlformats.org/markup-compatibility/2006" xmlns:mv="urn:schemas-microsoft-com:mac:vml" xmlns:p="http://schemas.openxmlformats.org/presentationml/2006/main" xmlns:c="http://schemas.openxmlformats.org/drawingml/2006/chart" xmlns:dgm="http://schemas.openxmlformats.org/drawingml/2006/diagram" xmlns:o="urn:schemas-microsoft-com:office:office" xmlns:v="urn:schemas-microsoft-com:vml" xmlns:pvml="urn:schemas-microsoft-com:office:powerpoint" xmlns:com="http://schemas.openxmlformats.org/drawingml/2006/compatibility" xmlns:p14="http://schemas.microsoft.com/office/powerpoint/2010/main" xmlns:p15="http://schemas.microsoft.com/office/powerpoint/2012/main" matchingName="Title and body" type="tx">
+<p:sldLayout xmlns:a="http://schemas.openxmlformats.org/drawingml/2006/main" xmlns:r="http://schemas.openxmlformats.org/officeDocument/2006/relationships" xmlns:p="http://schemas.openxmlformats.org/presentationml/2006/main" matchingName="Title and body" type="tx">
   <p:cSld name="TITLE_AND_BODY">
     <p:bg>
       <p:bgPr>
         <a:solidFill>
           <a:schemeClr val="dk2"/>
         </a:solidFill>
+        <a:effectLst/>
       </p:bgPr>
     </p:bg>
     <p:spTree>
       <p:nvGrpSpPr>
-        <p:cNvPr id="49" name="Shape 49"/>
+        <p:cNvPr id="1" name="Shape 49"/>
         <p:cNvGrpSpPr/>
         <p:nvPr/>
       </p:nvGrpSpPr>
@@ -4229,12 +4212,12 @@
           </a:ln>
         </p:spPr>
         <p:txBody>
-          <a:bodyPr anchorCtr="0" anchor="ctr" bIns="91425" lIns="91425" spcFirstLastPara="1" rIns="91425" wrap="square" tIns="91425">
+          <a:bodyPr spcFirstLastPara="1" wrap="square" lIns="91425" tIns="91425" rIns="91425" bIns="91425" anchor="ctr" anchorCtr="0">
             <a:noAutofit/>
           </a:bodyPr>
           <a:lstStyle/>
           <a:p>
-            <a:pPr indent="0" lvl="0" marL="0" rtl="0" algn="l">
+            <a:pPr marL="0" lvl="0" indent="0" algn="l" rtl="0">
               <a:spcBef>
                 <a:spcPts val="0"/>
               </a:spcBef>
@@ -4243,9 +4226,6 @@
               </a:spcAft>
               <a:buNone/>
             </a:pPr>
-            <a:r>
-              <a:t/>
-            </a:r>
             <a:endParaRPr/>
           </a:p>
         </p:txBody>
@@ -4272,12 +4252,12 @@
           </a:ln>
         </p:spPr>
         <p:txBody>
-          <a:bodyPr anchorCtr="0" anchor="ctr" bIns="91425" lIns="91425" spcFirstLastPara="1" rIns="91425" wrap="square" tIns="91425">
+          <a:bodyPr spcFirstLastPara="1" wrap="square" lIns="91425" tIns="91425" rIns="91425" bIns="91425" anchor="ctr" anchorCtr="0">
             <a:noAutofit/>
           </a:bodyPr>
           <a:lstStyle/>
           <a:p>
-            <a:pPr indent="0" lvl="0" marL="0" rtl="0" algn="l">
+            <a:pPr marL="0" lvl="0" indent="0" algn="l" rtl="0">
               <a:spcBef>
                 <a:spcPts val="0"/>
               </a:spcBef>
@@ -4286,9 +4266,6 @@
               </a:spcAft>
               <a:buNone/>
             </a:pPr>
-            <a:r>
-              <a:t/>
-            </a:r>
             <a:endParaRPr/>
           </a:p>
         </p:txBody>
@@ -4314,7 +4291,7 @@
             <a:noFill/>
           </a:ln>
           <a:effectLst>
-            <a:outerShdw blurRad="228600" sx="101000" rotWithShape="0" algn="ctr" sy="101000">
+            <a:outerShdw blurRad="228600" sx="101000" sy="101000" algn="ctr" rotWithShape="0">
               <a:srgbClr val="000000">
                 <a:alpha val="40000"/>
               </a:srgbClr>
@@ -4322,12 +4299,12 @@
           </a:effectLst>
         </p:spPr>
         <p:txBody>
-          <a:bodyPr anchorCtr="0" anchor="ctr" bIns="91425" lIns="91425" spcFirstLastPara="1" rIns="91425" wrap="square" tIns="91425">
+          <a:bodyPr spcFirstLastPara="1" wrap="square" lIns="91425" tIns="91425" rIns="91425" bIns="91425" anchor="ctr" anchorCtr="0">
             <a:noAutofit/>
           </a:bodyPr>
           <a:lstStyle/>
           <a:p>
-            <a:pPr indent="0" lvl="0" marL="0" rtl="0" algn="l">
+            <a:pPr marL="0" lvl="0" indent="0" algn="l" rtl="0">
               <a:spcBef>
                 <a:spcPts val="0"/>
               </a:spcBef>
@@ -4336,9 +4313,6 @@
               </a:spcAft>
               <a:buNone/>
             </a:pPr>
-            <a:r>
-              <a:t/>
-            </a:r>
             <a:endParaRPr/>
           </a:p>
         </p:txBody>
@@ -4346,7 +4320,9 @@
       <p:sp>
         <p:nvSpPr>
           <p:cNvPr id="53" name="Google Shape;53;p4"/>
-          <p:cNvSpPr txBox="1"/>
+          <p:cNvSpPr txBox="1">
+            <a:spLocks noGrp="1"/>
+          </p:cNvSpPr>
           <p:nvPr>
             <p:ph type="title"/>
           </p:nvPr>
@@ -4361,7 +4337,7 @@
           </a:prstGeom>
         </p:spPr>
         <p:txBody>
-          <a:bodyPr anchorCtr="0" anchor="t" bIns="91425" lIns="91425" spcFirstLastPara="1" rIns="91425" wrap="square" tIns="91425">
+          <a:bodyPr spcFirstLastPara="1" wrap="square" lIns="91425" tIns="91425" rIns="91425" bIns="91425" anchor="t" anchorCtr="0">
             <a:noAutofit/>
           </a:bodyPr>
           <a:lstStyle>
@@ -4465,15 +4441,19 @@
               <a:defRPr sz="3000"/>
             </a:lvl9pPr>
           </a:lstStyle>
-          <a:p/>
+          <a:p>
+            <a:endParaRPr/>
+          </a:p>
         </p:txBody>
       </p:sp>
       <p:sp>
         <p:nvSpPr>
           <p:cNvPr id="54" name="Google Shape;54;p4"/>
-          <p:cNvSpPr txBox="1"/>
+          <p:cNvSpPr txBox="1">
+            <a:spLocks noGrp="1"/>
+          </p:cNvSpPr>
           <p:nvPr>
-            <p:ph idx="1" type="body"/>
+            <p:ph type="body" idx="1"/>
           </p:nvPr>
         </p:nvSpPr>
         <p:spPr>
@@ -4486,11 +4466,11 @@
           </a:prstGeom>
         </p:spPr>
         <p:txBody>
-          <a:bodyPr anchorCtr="0" anchor="t" bIns="91425" lIns="91425" spcFirstLastPara="1" rIns="91425" wrap="square" tIns="91425">
+          <a:bodyPr spcFirstLastPara="1" wrap="square" lIns="91425" tIns="91425" rIns="91425" bIns="91425" anchor="t" anchorCtr="0">
             <a:noAutofit/>
           </a:bodyPr>
           <a:lstStyle>
-            <a:lvl1pPr indent="-311150" lvl="0" marL="457200">
+            <a:lvl1pPr marL="457200" lvl="0" indent="-311150">
               <a:spcBef>
                 <a:spcPts val="0"/>
               </a:spcBef>
@@ -4501,7 +4481,7 @@
               <a:buChar char="●"/>
               <a:defRPr/>
             </a:lvl1pPr>
-            <a:lvl2pPr indent="-298450" lvl="1" marL="914400">
+            <a:lvl2pPr marL="914400" lvl="1" indent="-298450">
               <a:spcBef>
                 <a:spcPts val="1600"/>
               </a:spcBef>
@@ -4512,7 +4492,7 @@
               <a:buChar char="○"/>
               <a:defRPr/>
             </a:lvl2pPr>
-            <a:lvl3pPr indent="-298450" lvl="2" marL="1371600">
+            <a:lvl3pPr marL="1371600" lvl="2" indent="-298450">
               <a:spcBef>
                 <a:spcPts val="1600"/>
               </a:spcBef>
@@ -4523,7 +4503,7 @@
               <a:buChar char="■"/>
               <a:defRPr/>
             </a:lvl3pPr>
-            <a:lvl4pPr indent="-298450" lvl="3" marL="1828800">
+            <a:lvl4pPr marL="1828800" lvl="3" indent="-298450">
               <a:spcBef>
                 <a:spcPts val="1600"/>
               </a:spcBef>
@@ -4534,7 +4514,7 @@
               <a:buChar char="●"/>
               <a:defRPr/>
             </a:lvl4pPr>
-            <a:lvl5pPr indent="-298450" lvl="4" marL="2286000">
+            <a:lvl5pPr marL="2286000" lvl="4" indent="-298450">
               <a:spcBef>
                 <a:spcPts val="1600"/>
               </a:spcBef>
@@ -4545,7 +4525,7 @@
               <a:buChar char="○"/>
               <a:defRPr/>
             </a:lvl5pPr>
-            <a:lvl6pPr indent="-298450" lvl="5" marL="2743200">
+            <a:lvl6pPr marL="2743200" lvl="5" indent="-298450">
               <a:spcBef>
                 <a:spcPts val="1600"/>
               </a:spcBef>
@@ -4556,7 +4536,7 @@
               <a:buChar char="■"/>
               <a:defRPr/>
             </a:lvl6pPr>
-            <a:lvl7pPr indent="-298450" lvl="6" marL="3200400">
+            <a:lvl7pPr marL="3200400" lvl="6" indent="-298450">
               <a:spcBef>
                 <a:spcPts val="1600"/>
               </a:spcBef>
@@ -4567,7 +4547,7 @@
               <a:buChar char="●"/>
               <a:defRPr/>
             </a:lvl7pPr>
-            <a:lvl8pPr indent="-298450" lvl="7" marL="3657600">
+            <a:lvl8pPr marL="3657600" lvl="7" indent="-298450">
               <a:spcBef>
                 <a:spcPts val="1600"/>
               </a:spcBef>
@@ -4578,7 +4558,7 @@
               <a:buChar char="○"/>
               <a:defRPr/>
             </a:lvl8pPr>
-            <a:lvl9pPr indent="-298450" lvl="8" marL="4114800">
+            <a:lvl9pPr marL="4114800" lvl="8" indent="-298450">
               <a:spcBef>
                 <a:spcPts val="1600"/>
               </a:spcBef>
@@ -4590,15 +4570,19 @@
               <a:defRPr/>
             </a:lvl9pPr>
           </a:lstStyle>
-          <a:p/>
+          <a:p>
+            <a:endParaRPr/>
+          </a:p>
         </p:txBody>
       </p:sp>
       <p:sp>
         <p:nvSpPr>
           <p:cNvPr id="55" name="Google Shape;55;p4"/>
-          <p:cNvSpPr txBox="1"/>
+          <p:cNvSpPr txBox="1">
+            <a:spLocks noGrp="1"/>
+          </p:cNvSpPr>
           <p:nvPr>
-            <p:ph idx="12" type="sldNum"/>
+            <p:ph type="sldNum" idx="12"/>
           </p:nvPr>
         </p:nvSpPr>
         <p:spPr>
@@ -4611,7 +4595,7 @@
           </a:prstGeom>
         </p:spPr>
         <p:txBody>
-          <a:bodyPr anchorCtr="0" anchor="ctr" bIns="91425" lIns="91425" spcFirstLastPara="1" rIns="91425" wrap="square" tIns="91425">
+          <a:bodyPr spcFirstLastPara="1" wrap="square" lIns="91425" tIns="91425" rIns="91425" bIns="91425" anchor="ctr" anchorCtr="0">
             <a:noAutofit/>
           </a:bodyPr>
           <a:lstStyle>
@@ -4653,7 +4637,7 @@
             </a:lvl9pPr>
           </a:lstStyle>
           <a:p>
-            <a:pPr indent="0" lvl="0" marL="0" rtl="0" algn="r">
+            <a:pPr marL="0" lvl="0" indent="0" algn="r" rtl="0">
               <a:spcBef>
                 <a:spcPts val="0"/>
               </a:spcBef>
@@ -4679,18 +4663,19 @@
 </file>
 
 <file path=ppt/slideLayouts/slideLayout4.xml><?xml version="1.0" encoding="utf-8"?>
-<p:sldLayout xmlns:a="http://schemas.openxmlformats.org/drawingml/2006/main" xmlns:r="http://schemas.openxmlformats.org/officeDocument/2006/relationships" xmlns:mc="http://schemas.openxmlformats.org/markup-compatibility/2006" xmlns:mv="urn:schemas-microsoft-com:mac:vml" xmlns:p="http://schemas.openxmlformats.org/presentationml/2006/main" xmlns:c="http://schemas.openxmlformats.org/drawingml/2006/chart" xmlns:dgm="http://schemas.openxmlformats.org/drawingml/2006/diagram" xmlns:o="urn:schemas-microsoft-com:office:office" xmlns:v="urn:schemas-microsoft-com:vml" xmlns:pvml="urn:schemas-microsoft-com:office:powerpoint" xmlns:com="http://schemas.openxmlformats.org/drawingml/2006/compatibility" xmlns:p14="http://schemas.microsoft.com/office/powerpoint/2010/main" xmlns:p15="http://schemas.microsoft.com/office/powerpoint/2012/main" matchingName="Title and two columns" type="twoColTx">
+<p:sldLayout xmlns:a="http://schemas.openxmlformats.org/drawingml/2006/main" xmlns:r="http://schemas.openxmlformats.org/officeDocument/2006/relationships" xmlns:p="http://schemas.openxmlformats.org/presentationml/2006/main" matchingName="Title and two columns" type="twoColTx">
   <p:cSld name="TITLE_AND_TWO_COLUMNS">
     <p:bg>
       <p:bgPr>
         <a:solidFill>
           <a:schemeClr val="dk2"/>
         </a:solidFill>
+        <a:effectLst/>
       </p:bgPr>
     </p:bg>
     <p:spTree>
       <p:nvGrpSpPr>
-        <p:cNvPr id="56" name="Shape 56"/>
+        <p:cNvPr id="1" name="Shape 56"/>
         <p:cNvGrpSpPr/>
         <p:nvPr/>
       </p:nvGrpSpPr>
@@ -4724,12 +4709,12 @@
           </a:ln>
         </p:spPr>
         <p:txBody>
-          <a:bodyPr anchorCtr="0" anchor="ctr" bIns="91425" lIns="91425" spcFirstLastPara="1" rIns="91425" wrap="square" tIns="91425">
+          <a:bodyPr spcFirstLastPara="1" wrap="square" lIns="91425" tIns="91425" rIns="91425" bIns="91425" anchor="ctr" anchorCtr="0">
             <a:noAutofit/>
           </a:bodyPr>
           <a:lstStyle/>
           <a:p>
-            <a:pPr indent="0" lvl="0" marL="0" rtl="0" algn="l">
+            <a:pPr marL="0" lvl="0" indent="0" algn="l" rtl="0">
               <a:spcBef>
                 <a:spcPts val="0"/>
               </a:spcBef>
@@ -4738,9 +4723,6 @@
               </a:spcAft>
               <a:buNone/>
             </a:pPr>
-            <a:r>
-              <a:t/>
-            </a:r>
             <a:endParaRPr/>
           </a:p>
         </p:txBody>
@@ -4767,12 +4749,12 @@
           </a:ln>
         </p:spPr>
         <p:txBody>
-          <a:bodyPr anchorCtr="0" anchor="ctr" bIns="91425" lIns="91425" spcFirstLastPara="1" rIns="91425" wrap="square" tIns="91425">
+          <a:bodyPr spcFirstLastPara="1" wrap="square" lIns="91425" tIns="91425" rIns="91425" bIns="91425" anchor="ctr" anchorCtr="0">
             <a:noAutofit/>
           </a:bodyPr>
           <a:lstStyle/>
           <a:p>
-            <a:pPr indent="0" lvl="0" marL="0" rtl="0" algn="l">
+            <a:pPr marL="0" lvl="0" indent="0" algn="l" rtl="0">
               <a:spcBef>
                 <a:spcPts val="0"/>
               </a:spcBef>
@@ -4781,9 +4763,6 @@
               </a:spcAft>
               <a:buNone/>
             </a:pPr>
-            <a:r>
-              <a:t/>
-            </a:r>
             <a:endParaRPr/>
           </a:p>
         </p:txBody>
@@ -4809,7 +4788,7 @@
             <a:noFill/>
           </a:ln>
           <a:effectLst>
-            <a:outerShdw blurRad="228600" sx="101000" rotWithShape="0" algn="ctr" sy="101000">
+            <a:outerShdw blurRad="228600" sx="101000" sy="101000" algn="ctr" rotWithShape="0">
               <a:srgbClr val="000000">
                 <a:alpha val="40000"/>
               </a:srgbClr>
@@ -4817,12 +4796,12 @@
           </a:effectLst>
         </p:spPr>
         <p:txBody>
-          <a:bodyPr anchorCtr="0" anchor="ctr" bIns="91425" lIns="91425" spcFirstLastPara="1" rIns="91425" wrap="square" tIns="91425">
+          <a:bodyPr spcFirstLastPara="1" wrap="square" lIns="91425" tIns="91425" rIns="91425" bIns="91425" anchor="ctr" anchorCtr="0">
             <a:noAutofit/>
           </a:bodyPr>
           <a:lstStyle/>
           <a:p>
-            <a:pPr indent="0" lvl="0" marL="0" rtl="0" algn="l">
+            <a:pPr marL="0" lvl="0" indent="0" algn="l" rtl="0">
               <a:spcBef>
                 <a:spcPts val="0"/>
               </a:spcBef>
@@ -4831,9 +4810,6 @@
               </a:spcAft>
               <a:buNone/>
             </a:pPr>
-            <a:r>
-              <a:t/>
-            </a:r>
             <a:endParaRPr/>
           </a:p>
         </p:txBody>
@@ -4841,7 +4817,9 @@
       <p:sp>
         <p:nvSpPr>
           <p:cNvPr id="60" name="Google Shape;60;p5"/>
-          <p:cNvSpPr txBox="1"/>
+          <p:cNvSpPr txBox="1">
+            <a:spLocks noGrp="1"/>
+          </p:cNvSpPr>
           <p:nvPr>
             <p:ph type="title"/>
           </p:nvPr>
@@ -4856,7 +4834,7 @@
           </a:prstGeom>
         </p:spPr>
         <p:txBody>
-          <a:bodyPr anchorCtr="0" anchor="t" bIns="91425" lIns="91425" spcFirstLastPara="1" rIns="91425" wrap="square" tIns="91425">
+          <a:bodyPr spcFirstLastPara="1" wrap="square" lIns="91425" tIns="91425" rIns="91425" bIns="91425" anchor="t" anchorCtr="0">
             <a:noAutofit/>
           </a:bodyPr>
           <a:lstStyle>
@@ -4960,15 +4938,19 @@
               <a:defRPr sz="3000"/>
             </a:lvl9pPr>
           </a:lstStyle>
-          <a:p/>
+          <a:p>
+            <a:endParaRPr/>
+          </a:p>
         </p:txBody>
       </p:sp>
       <p:sp>
         <p:nvSpPr>
           <p:cNvPr id="61" name="Google Shape;61;p5"/>
-          <p:cNvSpPr txBox="1"/>
+          <p:cNvSpPr txBox="1">
+            <a:spLocks noGrp="1"/>
+          </p:cNvSpPr>
           <p:nvPr>
-            <p:ph idx="1" type="body"/>
+            <p:ph type="body" idx="1"/>
           </p:nvPr>
         </p:nvSpPr>
         <p:spPr>
@@ -4981,11 +4963,11 @@
           </a:prstGeom>
         </p:spPr>
         <p:txBody>
-          <a:bodyPr anchorCtr="0" anchor="t" bIns="91425" lIns="91425" spcFirstLastPara="1" rIns="91425" wrap="square" tIns="91425">
+          <a:bodyPr spcFirstLastPara="1" wrap="square" lIns="91425" tIns="91425" rIns="91425" bIns="91425" anchor="t" anchorCtr="0">
             <a:noAutofit/>
           </a:bodyPr>
           <a:lstStyle>
-            <a:lvl1pPr indent="-311150" lvl="0" marL="457200">
+            <a:lvl1pPr marL="457200" lvl="0" indent="-311150">
               <a:spcBef>
                 <a:spcPts val="0"/>
               </a:spcBef>
@@ -4996,7 +4978,7 @@
               <a:buChar char="●"/>
               <a:defRPr/>
             </a:lvl1pPr>
-            <a:lvl2pPr indent="-298450" lvl="1" marL="914400">
+            <a:lvl2pPr marL="914400" lvl="1" indent="-298450">
               <a:spcBef>
                 <a:spcPts val="1600"/>
               </a:spcBef>
@@ -5007,7 +4989,7 @@
               <a:buChar char="○"/>
               <a:defRPr/>
             </a:lvl2pPr>
-            <a:lvl3pPr indent="-298450" lvl="2" marL="1371600">
+            <a:lvl3pPr marL="1371600" lvl="2" indent="-298450">
               <a:spcBef>
                 <a:spcPts val="1600"/>
               </a:spcBef>
@@ -5018,7 +5000,7 @@
               <a:buChar char="■"/>
               <a:defRPr/>
             </a:lvl3pPr>
-            <a:lvl4pPr indent="-298450" lvl="3" marL="1828800">
+            <a:lvl4pPr marL="1828800" lvl="3" indent="-298450">
               <a:spcBef>
                 <a:spcPts val="1600"/>
               </a:spcBef>
@@ -5029,7 +5011,7 @@
               <a:buChar char="●"/>
               <a:defRPr/>
             </a:lvl4pPr>
-            <a:lvl5pPr indent="-298450" lvl="4" marL="2286000">
+            <a:lvl5pPr marL="2286000" lvl="4" indent="-298450">
               <a:spcBef>
                 <a:spcPts val="1600"/>
               </a:spcBef>
@@ -5040,7 +5022,7 @@
               <a:buChar char="○"/>
               <a:defRPr/>
             </a:lvl5pPr>
-            <a:lvl6pPr indent="-298450" lvl="5" marL="2743200">
+            <a:lvl6pPr marL="2743200" lvl="5" indent="-298450">
               <a:spcBef>
                 <a:spcPts val="1600"/>
               </a:spcBef>
@@ -5051,7 +5033,7 @@
               <a:buChar char="■"/>
               <a:defRPr/>
             </a:lvl6pPr>
-            <a:lvl7pPr indent="-298450" lvl="6" marL="3200400">
+            <a:lvl7pPr marL="3200400" lvl="6" indent="-298450">
               <a:spcBef>
                 <a:spcPts val="1600"/>
               </a:spcBef>
@@ -5062,7 +5044,7 @@
               <a:buChar char="●"/>
               <a:defRPr/>
             </a:lvl7pPr>
-            <a:lvl8pPr indent="-298450" lvl="7" marL="3657600">
+            <a:lvl8pPr marL="3657600" lvl="7" indent="-298450">
               <a:spcBef>
                 <a:spcPts val="1600"/>
               </a:spcBef>
@@ -5073,7 +5055,7 @@
               <a:buChar char="○"/>
               <a:defRPr/>
             </a:lvl8pPr>
-            <a:lvl9pPr indent="-298450" lvl="8" marL="4114800">
+            <a:lvl9pPr marL="4114800" lvl="8" indent="-298450">
               <a:spcBef>
                 <a:spcPts val="1600"/>
               </a:spcBef>
@@ -5085,15 +5067,19 @@
               <a:defRPr/>
             </a:lvl9pPr>
           </a:lstStyle>
-          <a:p/>
+          <a:p>
+            <a:endParaRPr/>
+          </a:p>
         </p:txBody>
       </p:sp>
       <p:sp>
         <p:nvSpPr>
           <p:cNvPr id="62" name="Google Shape;62;p5"/>
-          <p:cNvSpPr txBox="1"/>
+          <p:cNvSpPr txBox="1">
+            <a:spLocks noGrp="1"/>
+          </p:cNvSpPr>
           <p:nvPr>
-            <p:ph idx="2" type="body"/>
+            <p:ph type="body" idx="2"/>
           </p:nvPr>
         </p:nvSpPr>
         <p:spPr>
@@ -5106,11 +5092,11 @@
           </a:prstGeom>
         </p:spPr>
         <p:txBody>
-          <a:bodyPr anchorCtr="0" anchor="t" bIns="91425" lIns="91425" spcFirstLastPara="1" rIns="91425" wrap="square" tIns="91425">
+          <a:bodyPr spcFirstLastPara="1" wrap="square" lIns="91425" tIns="91425" rIns="91425" bIns="91425" anchor="t" anchorCtr="0">
             <a:noAutofit/>
           </a:bodyPr>
           <a:lstStyle>
-            <a:lvl1pPr indent="-311150" lvl="0" marL="457200">
+            <a:lvl1pPr marL="457200" lvl="0" indent="-311150">
               <a:spcBef>
                 <a:spcPts val="0"/>
               </a:spcBef>
@@ -5121,7 +5107,7 @@
               <a:buChar char="●"/>
               <a:defRPr/>
             </a:lvl1pPr>
-            <a:lvl2pPr indent="-298450" lvl="1" marL="914400">
+            <a:lvl2pPr marL="914400" lvl="1" indent="-298450">
               <a:spcBef>
                 <a:spcPts val="1600"/>
               </a:spcBef>
@@ -5132,7 +5118,7 @@
               <a:buChar char="○"/>
               <a:defRPr/>
             </a:lvl2pPr>
-            <a:lvl3pPr indent="-298450" lvl="2" marL="1371600">
+            <a:lvl3pPr marL="1371600" lvl="2" indent="-298450">
               <a:spcBef>
                 <a:spcPts val="1600"/>
               </a:spcBef>
@@ -5143,7 +5129,7 @@
               <a:buChar char="■"/>
               <a:defRPr/>
             </a:lvl3pPr>
-            <a:lvl4pPr indent="-298450" lvl="3" marL="1828800">
+            <a:lvl4pPr marL="1828800" lvl="3" indent="-298450">
               <a:spcBef>
                 <a:spcPts val="1600"/>
               </a:spcBef>
@@ -5154,7 +5140,7 @@
               <a:buChar char="●"/>
               <a:defRPr/>
             </a:lvl4pPr>
-            <a:lvl5pPr indent="-298450" lvl="4" marL="2286000">
+            <a:lvl5pPr marL="2286000" lvl="4" indent="-298450">
               <a:spcBef>
                 <a:spcPts val="1600"/>
               </a:spcBef>
@@ -5165,7 +5151,7 @@
               <a:buChar char="○"/>
               <a:defRPr/>
             </a:lvl5pPr>
-            <a:lvl6pPr indent="-298450" lvl="5" marL="2743200">
+            <a:lvl6pPr marL="2743200" lvl="5" indent="-298450">
               <a:spcBef>
                 <a:spcPts val="1600"/>
               </a:spcBef>
@@ -5176,7 +5162,7 @@
               <a:buChar char="■"/>
               <a:defRPr/>
             </a:lvl6pPr>
-            <a:lvl7pPr indent="-298450" lvl="6" marL="3200400">
+            <a:lvl7pPr marL="3200400" lvl="6" indent="-298450">
               <a:spcBef>
                 <a:spcPts val="1600"/>
               </a:spcBef>
@@ -5187,7 +5173,7 @@
               <a:buChar char="●"/>
               <a:defRPr/>
             </a:lvl7pPr>
-            <a:lvl8pPr indent="-298450" lvl="7" marL="3657600">
+            <a:lvl8pPr marL="3657600" lvl="7" indent="-298450">
               <a:spcBef>
                 <a:spcPts val="1600"/>
               </a:spcBef>
@@ -5198,7 +5184,7 @@
               <a:buChar char="○"/>
               <a:defRPr/>
             </a:lvl8pPr>
-            <a:lvl9pPr indent="-298450" lvl="8" marL="4114800">
+            <a:lvl9pPr marL="4114800" lvl="8" indent="-298450">
               <a:spcBef>
                 <a:spcPts val="1600"/>
               </a:spcBef>
@@ -5210,15 +5196,19 @@
               <a:defRPr/>
             </a:lvl9pPr>
           </a:lstStyle>
-          <a:p/>
+          <a:p>
+            <a:endParaRPr/>
+          </a:p>
         </p:txBody>
       </p:sp>
       <p:sp>
         <p:nvSpPr>
           <p:cNvPr id="63" name="Google Shape;63;p5"/>
-          <p:cNvSpPr txBox="1"/>
+          <p:cNvSpPr txBox="1">
+            <a:spLocks noGrp="1"/>
+          </p:cNvSpPr>
           <p:nvPr>
-            <p:ph idx="12" type="sldNum"/>
+            <p:ph type="sldNum" idx="12"/>
           </p:nvPr>
         </p:nvSpPr>
         <p:spPr>
@@ -5231,7 +5221,7 @@
           </a:prstGeom>
         </p:spPr>
         <p:txBody>
-          <a:bodyPr anchorCtr="0" anchor="ctr" bIns="91425" lIns="91425" spcFirstLastPara="1" rIns="91425" wrap="square" tIns="91425">
+          <a:bodyPr spcFirstLastPara="1" wrap="square" lIns="91425" tIns="91425" rIns="91425" bIns="91425" anchor="ctr" anchorCtr="0">
             <a:noAutofit/>
           </a:bodyPr>
           <a:lstStyle>
@@ -5273,7 +5263,7 @@
             </a:lvl9pPr>
           </a:lstStyle>
           <a:p>
-            <a:pPr indent="0" lvl="0" marL="0" rtl="0" algn="r">
+            <a:pPr marL="0" lvl="0" indent="0" algn="r" rtl="0">
               <a:spcBef>
                 <a:spcPts val="0"/>
               </a:spcBef>
@@ -5299,18 +5289,19 @@
 </file>
 
 <file path=ppt/slideLayouts/slideLayout5.xml><?xml version="1.0" encoding="utf-8"?>
-<p:sldLayout xmlns:a="http://schemas.openxmlformats.org/drawingml/2006/main" xmlns:r="http://schemas.openxmlformats.org/officeDocument/2006/relationships" xmlns:mc="http://schemas.openxmlformats.org/markup-compatibility/2006" xmlns:mv="urn:schemas-microsoft-com:mac:vml" xmlns:p="http://schemas.openxmlformats.org/presentationml/2006/main" xmlns:c="http://schemas.openxmlformats.org/drawingml/2006/chart" xmlns:dgm="http://schemas.openxmlformats.org/drawingml/2006/diagram" xmlns:o="urn:schemas-microsoft-com:office:office" xmlns:v="urn:schemas-microsoft-com:vml" xmlns:pvml="urn:schemas-microsoft-com:office:powerpoint" xmlns:com="http://schemas.openxmlformats.org/drawingml/2006/compatibility" xmlns:p14="http://schemas.microsoft.com/office/powerpoint/2010/main" xmlns:p15="http://schemas.microsoft.com/office/powerpoint/2012/main" matchingName="Title only" type="titleOnly">
+<p:sldLayout xmlns:a="http://schemas.openxmlformats.org/drawingml/2006/main" xmlns:r="http://schemas.openxmlformats.org/officeDocument/2006/relationships" xmlns:p="http://schemas.openxmlformats.org/presentationml/2006/main" matchingName="Title only" type="titleOnly">
   <p:cSld name="TITLE_ONLY">
     <p:bg>
       <p:bgPr>
         <a:solidFill>
           <a:schemeClr val="dk2"/>
         </a:solidFill>
+        <a:effectLst/>
       </p:bgPr>
     </p:bg>
     <p:spTree>
       <p:nvGrpSpPr>
-        <p:cNvPr id="64" name="Shape 64"/>
+        <p:cNvPr id="1" name="Shape 64"/>
         <p:cNvGrpSpPr/>
         <p:nvPr/>
       </p:nvGrpSpPr>
@@ -5344,12 +5335,12 @@
           </a:ln>
         </p:spPr>
         <p:txBody>
-          <a:bodyPr anchorCtr="0" anchor="ctr" bIns="91425" lIns="91425" spcFirstLastPara="1" rIns="91425" wrap="square" tIns="91425">
+          <a:bodyPr spcFirstLastPara="1" wrap="square" lIns="91425" tIns="91425" rIns="91425" bIns="91425" anchor="ctr" anchorCtr="0">
             <a:noAutofit/>
           </a:bodyPr>
           <a:lstStyle/>
           <a:p>
-            <a:pPr indent="0" lvl="0" marL="0" rtl="0" algn="l">
+            <a:pPr marL="0" lvl="0" indent="0" algn="l" rtl="0">
               <a:spcBef>
                 <a:spcPts val="0"/>
               </a:spcBef>
@@ -5358,9 +5349,6 @@
               </a:spcAft>
               <a:buNone/>
             </a:pPr>
-            <a:r>
-              <a:t/>
-            </a:r>
             <a:endParaRPr/>
           </a:p>
         </p:txBody>
@@ -5387,12 +5375,12 @@
           </a:ln>
         </p:spPr>
         <p:txBody>
-          <a:bodyPr anchorCtr="0" anchor="ctr" bIns="91425" lIns="91425" spcFirstLastPara="1" rIns="91425" wrap="square" tIns="91425">
+          <a:bodyPr spcFirstLastPara="1" wrap="square" lIns="91425" tIns="91425" rIns="91425" bIns="91425" anchor="ctr" anchorCtr="0">
             <a:noAutofit/>
           </a:bodyPr>
           <a:lstStyle/>
           <a:p>
-            <a:pPr indent="0" lvl="0" marL="0" rtl="0" algn="l">
+            <a:pPr marL="0" lvl="0" indent="0" algn="l" rtl="0">
               <a:spcBef>
                 <a:spcPts val="0"/>
               </a:spcBef>
@@ -5401,9 +5389,6 @@
               </a:spcAft>
               <a:buNone/>
             </a:pPr>
-            <a:r>
-              <a:t/>
-            </a:r>
             <a:endParaRPr/>
           </a:p>
         </p:txBody>
@@ -5429,7 +5414,7 @@
             <a:noFill/>
           </a:ln>
           <a:effectLst>
-            <a:outerShdw blurRad="228600" sx="101000" rotWithShape="0" algn="ctr" sy="101000">
+            <a:outerShdw blurRad="228600" sx="101000" sy="101000" algn="ctr" rotWithShape="0">
               <a:srgbClr val="000000">
                 <a:alpha val="40000"/>
               </a:srgbClr>
@@ -5437,12 +5422,12 @@
           </a:effectLst>
         </p:spPr>
         <p:txBody>
-          <a:bodyPr anchorCtr="0" anchor="ctr" bIns="91425" lIns="91425" spcFirstLastPara="1" rIns="91425" wrap="square" tIns="91425">
+          <a:bodyPr spcFirstLastPara="1" wrap="square" lIns="91425" tIns="91425" rIns="91425" bIns="91425" anchor="ctr" anchorCtr="0">
             <a:noAutofit/>
           </a:bodyPr>
           <a:lstStyle/>
           <a:p>
-            <a:pPr indent="0" lvl="0" marL="0" rtl="0" algn="l">
+            <a:pPr marL="0" lvl="0" indent="0" algn="l" rtl="0">
               <a:spcBef>
                 <a:spcPts val="0"/>
               </a:spcBef>
@@ -5451,9 +5436,6 @@
               </a:spcAft>
               <a:buNone/>
             </a:pPr>
-            <a:r>
-              <a:t/>
-            </a:r>
             <a:endParaRPr/>
           </a:p>
         </p:txBody>
@@ -5461,7 +5443,9 @@
       <p:sp>
         <p:nvSpPr>
           <p:cNvPr id="68" name="Google Shape;68;p6"/>
-          <p:cNvSpPr txBox="1"/>
+          <p:cNvSpPr txBox="1">
+            <a:spLocks noGrp="1"/>
+          </p:cNvSpPr>
           <p:nvPr>
             <p:ph type="title"/>
           </p:nvPr>
@@ -5476,7 +5460,7 @@
           </a:prstGeom>
         </p:spPr>
         <p:txBody>
-          <a:bodyPr anchorCtr="0" anchor="t" bIns="91425" lIns="91425" spcFirstLastPara="1" rIns="91425" wrap="square" tIns="91425">
+          <a:bodyPr spcFirstLastPara="1" wrap="square" lIns="91425" tIns="91425" rIns="91425" bIns="91425" anchor="t" anchorCtr="0">
             <a:noAutofit/>
           </a:bodyPr>
           <a:lstStyle>
@@ -5580,15 +5564,19 @@
               <a:defRPr sz="3000"/>
             </a:lvl9pPr>
           </a:lstStyle>
-          <a:p/>
+          <a:p>
+            <a:endParaRPr/>
+          </a:p>
         </p:txBody>
       </p:sp>
       <p:sp>
         <p:nvSpPr>
           <p:cNvPr id="69" name="Google Shape;69;p6"/>
-          <p:cNvSpPr txBox="1"/>
+          <p:cNvSpPr txBox="1">
+            <a:spLocks noGrp="1"/>
+          </p:cNvSpPr>
           <p:nvPr>
-            <p:ph idx="12" type="sldNum"/>
+            <p:ph type="sldNum" idx="12"/>
           </p:nvPr>
         </p:nvSpPr>
         <p:spPr>
@@ -5601,7 +5589,7 @@
           </a:prstGeom>
         </p:spPr>
         <p:txBody>
-          <a:bodyPr anchorCtr="0" anchor="ctr" bIns="91425" lIns="91425" spcFirstLastPara="1" rIns="91425" wrap="square" tIns="91425">
+          <a:bodyPr spcFirstLastPara="1" wrap="square" lIns="91425" tIns="91425" rIns="91425" bIns="91425" anchor="ctr" anchorCtr="0">
             <a:noAutofit/>
           </a:bodyPr>
           <a:lstStyle>
@@ -5643,7 +5631,7 @@
             </a:lvl9pPr>
           </a:lstStyle>
           <a:p>
-            <a:pPr indent="0" lvl="0" marL="0" rtl="0" algn="r">
+            <a:pPr marL="0" lvl="0" indent="0" algn="r" rtl="0">
               <a:spcBef>
                 <a:spcPts val="0"/>
               </a:spcBef>
@@ -5669,18 +5657,19 @@
 </file>
 
 <file path=ppt/slideLayouts/slideLayout6.xml><?xml version="1.0" encoding="utf-8"?>
-<p:sldLayout xmlns:a="http://schemas.openxmlformats.org/drawingml/2006/main" xmlns:r="http://schemas.openxmlformats.org/officeDocument/2006/relationships" xmlns:mc="http://schemas.openxmlformats.org/markup-compatibility/2006" xmlns:mv="urn:schemas-microsoft-com:mac:vml" xmlns:p="http://schemas.openxmlformats.org/presentationml/2006/main" xmlns:c="http://schemas.openxmlformats.org/drawingml/2006/chart" xmlns:dgm="http://schemas.openxmlformats.org/drawingml/2006/diagram" xmlns:o="urn:schemas-microsoft-com:office:office" xmlns:v="urn:schemas-microsoft-com:vml" xmlns:pvml="urn:schemas-microsoft-com:office:powerpoint" xmlns:com="http://schemas.openxmlformats.org/drawingml/2006/compatibility" xmlns:p14="http://schemas.microsoft.com/office/powerpoint/2010/main" xmlns:p15="http://schemas.microsoft.com/office/powerpoint/2012/main" matchingName="One column text">
+<p:sldLayout xmlns:a="http://schemas.openxmlformats.org/drawingml/2006/main" xmlns:r="http://schemas.openxmlformats.org/officeDocument/2006/relationships" xmlns:p="http://schemas.openxmlformats.org/presentationml/2006/main" matchingName="One column text">
   <p:cSld name="ONE_COLUMN_TEXT">
     <p:bg>
       <p:bgPr>
         <a:solidFill>
           <a:schemeClr val="accent3"/>
         </a:solidFill>
+        <a:effectLst/>
       </p:bgPr>
     </p:bg>
     <p:spTree>
       <p:nvGrpSpPr>
-        <p:cNvPr id="70" name="Shape 70"/>
+        <p:cNvPr id="1" name="Shape 70"/>
         <p:cNvGrpSpPr/>
         <p:nvPr/>
       </p:nvGrpSpPr>
@@ -5714,12 +5703,12 @@
           </a:ln>
         </p:spPr>
         <p:txBody>
-          <a:bodyPr anchorCtr="0" anchor="ctr" bIns="91425" lIns="91425" spcFirstLastPara="1" rIns="91425" wrap="square" tIns="91425">
+          <a:bodyPr spcFirstLastPara="1" wrap="square" lIns="91425" tIns="91425" rIns="91425" bIns="91425" anchor="ctr" anchorCtr="0">
             <a:noAutofit/>
           </a:bodyPr>
           <a:lstStyle/>
           <a:p>
-            <a:pPr indent="0" lvl="0" marL="0" rtl="0" algn="l">
+            <a:pPr marL="0" lvl="0" indent="0" algn="l" rtl="0">
               <a:spcBef>
                 <a:spcPts val="0"/>
               </a:spcBef>
@@ -5728,9 +5717,6 @@
               </a:spcAft>
               <a:buNone/>
             </a:pPr>
-            <a:r>
-              <a:t/>
-            </a:r>
             <a:endParaRPr/>
           </a:p>
         </p:txBody>
@@ -5757,12 +5743,12 @@
           </a:ln>
         </p:spPr>
         <p:txBody>
-          <a:bodyPr anchorCtr="0" anchor="ctr" bIns="91425" lIns="91425" spcFirstLastPara="1" rIns="91425" wrap="square" tIns="91425">
+          <a:bodyPr spcFirstLastPara="1" wrap="square" lIns="91425" tIns="91425" rIns="91425" bIns="91425" anchor="ctr" anchorCtr="0">
             <a:noAutofit/>
           </a:bodyPr>
           <a:lstStyle/>
           <a:p>
-            <a:pPr indent="0" lvl="0" marL="0" rtl="0" algn="l">
+            <a:pPr marL="0" lvl="0" indent="0" algn="l" rtl="0">
               <a:spcBef>
                 <a:spcPts val="0"/>
               </a:spcBef>
@@ -5771,9 +5757,6 @@
               </a:spcAft>
               <a:buNone/>
             </a:pPr>
-            <a:r>
-              <a:t/>
-            </a:r>
             <a:endParaRPr/>
           </a:p>
         </p:txBody>
@@ -5799,7 +5782,7 @@
             <a:noFill/>
           </a:ln>
           <a:effectLst>
-            <a:outerShdw blurRad="228600" sx="101000" rotWithShape="0" algn="ctr" sy="101000">
+            <a:outerShdw blurRad="228600" sx="101000" sy="101000" algn="ctr" rotWithShape="0">
               <a:srgbClr val="000000">
                 <a:alpha val="40000"/>
               </a:srgbClr>
@@ -5807,12 +5790,12 @@
           </a:effectLst>
         </p:spPr>
         <p:txBody>
-          <a:bodyPr anchorCtr="0" anchor="ctr" bIns="91425" lIns="91425" spcFirstLastPara="1" rIns="91425" wrap="square" tIns="91425">
+          <a:bodyPr spcFirstLastPara="1" wrap="square" lIns="91425" tIns="91425" rIns="91425" bIns="91425" anchor="ctr" anchorCtr="0">
             <a:noAutofit/>
           </a:bodyPr>
           <a:lstStyle/>
           <a:p>
-            <a:pPr indent="0" lvl="0" marL="0" rtl="0" algn="l">
+            <a:pPr marL="0" lvl="0" indent="0" algn="l" rtl="0">
               <a:spcBef>
                 <a:spcPts val="0"/>
               </a:spcBef>
@@ -5821,9 +5804,6 @@
               </a:spcAft>
               <a:buNone/>
             </a:pPr>
-            <a:r>
-              <a:t/>
-            </a:r>
             <a:endParaRPr/>
           </a:p>
         </p:txBody>
@@ -5831,7 +5811,9 @@
       <p:sp>
         <p:nvSpPr>
           <p:cNvPr id="74" name="Google Shape;74;p7"/>
-          <p:cNvSpPr txBox="1"/>
+          <p:cNvSpPr txBox="1">
+            <a:spLocks noGrp="1"/>
+          </p:cNvSpPr>
           <p:nvPr>
             <p:ph type="title"/>
           </p:nvPr>
@@ -5846,7 +5828,7 @@
           </a:prstGeom>
         </p:spPr>
         <p:txBody>
-          <a:bodyPr anchorCtr="0" anchor="t" bIns="91425" lIns="91425" spcFirstLastPara="1" rIns="91425" wrap="square" tIns="91425">
+          <a:bodyPr spcFirstLastPara="1" wrap="square" lIns="91425" tIns="91425" rIns="91425" bIns="91425" anchor="t" anchorCtr="0">
             <a:noAutofit/>
           </a:bodyPr>
           <a:lstStyle>
@@ -5950,15 +5932,19 @@
               <a:defRPr sz="3000"/>
             </a:lvl9pPr>
           </a:lstStyle>
-          <a:p/>
+          <a:p>
+            <a:endParaRPr/>
+          </a:p>
         </p:txBody>
       </p:sp>
       <p:sp>
         <p:nvSpPr>
           <p:cNvPr id="75" name="Google Shape;75;p7"/>
-          <p:cNvSpPr txBox="1"/>
+          <p:cNvSpPr txBox="1">
+            <a:spLocks noGrp="1"/>
+          </p:cNvSpPr>
           <p:nvPr>
-            <p:ph idx="1" type="body"/>
+            <p:ph type="body" idx="1"/>
           </p:nvPr>
         </p:nvSpPr>
         <p:spPr>
@@ -5971,11 +5957,11 @@
           </a:prstGeom>
         </p:spPr>
         <p:txBody>
-          <a:bodyPr anchorCtr="0" anchor="t" bIns="91425" lIns="91425" spcFirstLastPara="1" rIns="91425" wrap="square" tIns="91425">
+          <a:bodyPr spcFirstLastPara="1" wrap="square" lIns="91425" tIns="91425" rIns="91425" bIns="91425" anchor="t" anchorCtr="0">
             <a:noAutofit/>
           </a:bodyPr>
           <a:lstStyle>
-            <a:lvl1pPr indent="-311150" lvl="0" marL="457200">
+            <a:lvl1pPr marL="457200" lvl="0" indent="-311150">
               <a:spcBef>
                 <a:spcPts val="0"/>
               </a:spcBef>
@@ -5986,7 +5972,7 @@
               <a:buChar char="●"/>
               <a:defRPr/>
             </a:lvl1pPr>
-            <a:lvl2pPr indent="-298450" lvl="1" marL="914400">
+            <a:lvl2pPr marL="914400" lvl="1" indent="-298450">
               <a:spcBef>
                 <a:spcPts val="1600"/>
               </a:spcBef>
@@ -5997,7 +5983,7 @@
               <a:buChar char="○"/>
               <a:defRPr/>
             </a:lvl2pPr>
-            <a:lvl3pPr indent="-298450" lvl="2" marL="1371600">
+            <a:lvl3pPr marL="1371600" lvl="2" indent="-298450">
               <a:spcBef>
                 <a:spcPts val="1600"/>
               </a:spcBef>
@@ -6008,7 +5994,7 @@
               <a:buChar char="■"/>
               <a:defRPr/>
             </a:lvl3pPr>
-            <a:lvl4pPr indent="-298450" lvl="3" marL="1828800">
+            <a:lvl4pPr marL="1828800" lvl="3" indent="-298450">
               <a:spcBef>
                 <a:spcPts val="1600"/>
               </a:spcBef>
@@ -6019,7 +6005,7 @@
               <a:buChar char="●"/>
               <a:defRPr/>
             </a:lvl4pPr>
-            <a:lvl5pPr indent="-298450" lvl="4" marL="2286000">
+            <a:lvl5pPr marL="2286000" lvl="4" indent="-298450">
               <a:spcBef>
                 <a:spcPts val="1600"/>
               </a:spcBef>
@@ -6030,7 +6016,7 @@
               <a:buChar char="○"/>
               <a:defRPr/>
             </a:lvl5pPr>
-            <a:lvl6pPr indent="-298450" lvl="5" marL="2743200">
+            <a:lvl6pPr marL="2743200" lvl="5" indent="-298450">
               <a:spcBef>
                 <a:spcPts val="1600"/>
               </a:spcBef>
@@ -6041,7 +6027,7 @@
               <a:buChar char="■"/>
               <a:defRPr/>
             </a:lvl6pPr>
-            <a:lvl7pPr indent="-298450" lvl="6" marL="3200400">
+            <a:lvl7pPr marL="3200400" lvl="6" indent="-298450">
               <a:spcBef>
                 <a:spcPts val="1600"/>
               </a:spcBef>
@@ -6052,7 +6038,7 @@
               <a:buChar char="●"/>
               <a:defRPr/>
             </a:lvl7pPr>
-            <a:lvl8pPr indent="-298450" lvl="7" marL="3657600">
+            <a:lvl8pPr marL="3657600" lvl="7" indent="-298450">
               <a:spcBef>
                 <a:spcPts val="1600"/>
               </a:spcBef>
@@ -6063,7 +6049,7 @@
               <a:buChar char="○"/>
               <a:defRPr/>
             </a:lvl8pPr>
-            <a:lvl9pPr indent="-298450" lvl="8" marL="4114800">
+            <a:lvl9pPr marL="4114800" lvl="8" indent="-298450">
               <a:spcBef>
                 <a:spcPts val="1600"/>
               </a:spcBef>
@@ -6075,15 +6061,19 @@
               <a:defRPr/>
             </a:lvl9pPr>
           </a:lstStyle>
-          <a:p/>
+          <a:p>
+            <a:endParaRPr/>
+          </a:p>
         </p:txBody>
       </p:sp>
       <p:sp>
         <p:nvSpPr>
           <p:cNvPr id="76" name="Google Shape;76;p7"/>
-          <p:cNvSpPr txBox="1"/>
+          <p:cNvSpPr txBox="1">
+            <a:spLocks noGrp="1"/>
+          </p:cNvSpPr>
           <p:nvPr>
-            <p:ph idx="12" type="sldNum"/>
+            <p:ph type="sldNum" idx="12"/>
           </p:nvPr>
         </p:nvSpPr>
         <p:spPr>
@@ -6096,7 +6086,7 @@
           </a:prstGeom>
         </p:spPr>
         <p:txBody>
-          <a:bodyPr anchorCtr="0" anchor="ctr" bIns="91425" lIns="91425" spcFirstLastPara="1" rIns="91425" wrap="square" tIns="91425">
+          <a:bodyPr spcFirstLastPara="1" wrap="square" lIns="91425" tIns="91425" rIns="91425" bIns="91425" anchor="ctr" anchorCtr="0">
             <a:noAutofit/>
           </a:bodyPr>
           <a:lstStyle>
@@ -6138,7 +6128,7 @@
             </a:lvl9pPr>
           </a:lstStyle>
           <a:p>
-            <a:pPr indent="0" lvl="0" marL="0" rtl="0" algn="r">
+            <a:pPr marL="0" lvl="0" indent="0" algn="r" rtl="0">
               <a:spcBef>
                 <a:spcPts val="0"/>
               </a:spcBef>
@@ -6164,18 +6154,19 @@
 </file>
 
 <file path=ppt/slideLayouts/slideLayout7.xml><?xml version="1.0" encoding="utf-8"?>
-<p:sldLayout xmlns:a="http://schemas.openxmlformats.org/drawingml/2006/main" xmlns:r="http://schemas.openxmlformats.org/officeDocument/2006/relationships" xmlns:mc="http://schemas.openxmlformats.org/markup-compatibility/2006" xmlns:mv="urn:schemas-microsoft-com:mac:vml" xmlns:p="http://schemas.openxmlformats.org/presentationml/2006/main" xmlns:c="http://schemas.openxmlformats.org/drawingml/2006/chart" xmlns:dgm="http://schemas.openxmlformats.org/drawingml/2006/diagram" xmlns:o="urn:schemas-microsoft-com:office:office" xmlns:v="urn:schemas-microsoft-com:vml" xmlns:pvml="urn:schemas-microsoft-com:office:powerpoint" xmlns:com="http://schemas.openxmlformats.org/drawingml/2006/compatibility" xmlns:p14="http://schemas.microsoft.com/office/powerpoint/2010/main" xmlns:p15="http://schemas.microsoft.com/office/powerpoint/2012/main" matchingName="Main point">
+<p:sldLayout xmlns:a="http://schemas.openxmlformats.org/drawingml/2006/main" xmlns:r="http://schemas.openxmlformats.org/officeDocument/2006/relationships" xmlns:p="http://schemas.openxmlformats.org/presentationml/2006/main" matchingName="Main point">
   <p:cSld name="MAIN_POINT">
     <p:bg>
       <p:bgPr>
         <a:solidFill>
           <a:schemeClr val="accent1"/>
         </a:solidFill>
+        <a:effectLst/>
       </p:bgPr>
     </p:bg>
     <p:spTree>
       <p:nvGrpSpPr>
-        <p:cNvPr id="77" name="Shape 77"/>
+        <p:cNvPr id="1" name="Shape 77"/>
         <p:cNvGrpSpPr/>
         <p:nvPr/>
       </p:nvGrpSpPr>
@@ -6209,12 +6200,12 @@
           </a:ln>
         </p:spPr>
         <p:txBody>
-          <a:bodyPr anchorCtr="0" anchor="ctr" bIns="91425" lIns="91425" spcFirstLastPara="1" rIns="91425" wrap="square" tIns="91425">
+          <a:bodyPr spcFirstLastPara="1" wrap="square" lIns="91425" tIns="91425" rIns="91425" bIns="91425" anchor="ctr" anchorCtr="0">
             <a:noAutofit/>
           </a:bodyPr>
           <a:lstStyle/>
           <a:p>
-            <a:pPr indent="0" lvl="0" marL="0" rtl="0" algn="l">
+            <a:pPr marL="0" lvl="0" indent="0" algn="l" rtl="0">
               <a:spcBef>
                 <a:spcPts val="0"/>
               </a:spcBef>
@@ -6223,9 +6214,6 @@
               </a:spcAft>
               <a:buNone/>
             </a:pPr>
-            <a:r>
-              <a:t/>
-            </a:r>
             <a:endParaRPr/>
           </a:p>
         </p:txBody>
@@ -6252,12 +6240,12 @@
           </a:ln>
         </p:spPr>
         <p:txBody>
-          <a:bodyPr anchorCtr="0" anchor="ctr" bIns="91425" lIns="91425" spcFirstLastPara="1" rIns="91425" wrap="square" tIns="91425">
+          <a:bodyPr spcFirstLastPara="1" wrap="square" lIns="91425" tIns="91425" rIns="91425" bIns="91425" anchor="ctr" anchorCtr="0">
             <a:noAutofit/>
           </a:bodyPr>
           <a:lstStyle/>
           <a:p>
-            <a:pPr indent="0" lvl="0" marL="0" rtl="0" algn="l">
+            <a:pPr marL="0" lvl="0" indent="0" algn="l" rtl="0">
               <a:spcBef>
                 <a:spcPts val="0"/>
               </a:spcBef>
@@ -6266,9 +6254,6 @@
               </a:spcAft>
               <a:buNone/>
             </a:pPr>
-            <a:r>
-              <a:t/>
-            </a:r>
             <a:endParaRPr/>
           </a:p>
         </p:txBody>
@@ -6300,7 +6285,7 @@
             </a:xfrm>
             <a:prstGeom prst="parallelogram">
               <a:avLst>
-                <a:gd fmla="val 153193" name="adj"/>
+                <a:gd name="adj" fmla="val 153193"/>
               </a:avLst>
             </a:prstGeom>
             <a:solidFill>
@@ -6311,12 +6296,12 @@
             </a:ln>
           </p:spPr>
           <p:txBody>
-            <a:bodyPr anchorCtr="0" anchor="ctr" bIns="91425" lIns="91425" spcFirstLastPara="1" rIns="91425" wrap="square" tIns="91425">
+            <a:bodyPr spcFirstLastPara="1" wrap="square" lIns="91425" tIns="91425" rIns="91425" bIns="91425" anchor="ctr" anchorCtr="0">
               <a:noAutofit/>
             </a:bodyPr>
             <a:lstStyle/>
             <a:p>
-              <a:pPr indent="0" lvl="0" marL="0" rtl="0" algn="l">
+              <a:pPr marL="0" lvl="0" indent="0" algn="l" rtl="0">
                 <a:spcBef>
                   <a:spcPts val="0"/>
                 </a:spcBef>
@@ -6325,9 +6310,6 @@
                 </a:spcAft>
                 <a:buNone/>
               </a:pPr>
-              <a:r>
-                <a:t/>
-              </a:r>
               <a:endParaRPr/>
             </a:p>
           </p:txBody>
@@ -6345,7 +6327,7 @@
             </a:xfrm>
             <a:prstGeom prst="parallelogram">
               <a:avLst>
-                <a:gd fmla="val 153193" name="adj"/>
+                <a:gd name="adj" fmla="val 153193"/>
               </a:avLst>
             </a:prstGeom>
             <a:solidFill>
@@ -6356,12 +6338,12 @@
             </a:ln>
           </p:spPr>
           <p:txBody>
-            <a:bodyPr anchorCtr="0" anchor="ctr" bIns="91425" lIns="91425" spcFirstLastPara="1" rIns="91425" wrap="square" tIns="91425">
+            <a:bodyPr spcFirstLastPara="1" wrap="square" lIns="91425" tIns="91425" rIns="91425" bIns="91425" anchor="ctr" anchorCtr="0">
               <a:noAutofit/>
             </a:bodyPr>
             <a:lstStyle/>
             <a:p>
-              <a:pPr indent="0" lvl="0" marL="0" rtl="0" algn="l">
+              <a:pPr marL="0" lvl="0" indent="0" algn="l" rtl="0">
                 <a:spcBef>
                   <a:spcPts val="0"/>
                 </a:spcBef>
@@ -6370,9 +6352,6 @@
                 </a:spcAft>
                 <a:buNone/>
               </a:pPr>
-              <a:r>
-                <a:t/>
-              </a:r>
               <a:endParaRPr/>
             </a:p>
           </p:txBody>
@@ -6390,7 +6369,7 @@
             </a:xfrm>
             <a:prstGeom prst="parallelogram">
               <a:avLst>
-                <a:gd fmla="val 153193" name="adj"/>
+                <a:gd name="adj" fmla="val 153193"/>
               </a:avLst>
             </a:prstGeom>
             <a:solidFill>
@@ -6401,12 +6380,12 @@
             </a:ln>
           </p:spPr>
           <p:txBody>
-            <a:bodyPr anchorCtr="0" anchor="ctr" bIns="91425" lIns="91425" spcFirstLastPara="1" rIns="91425" wrap="square" tIns="91425">
+            <a:bodyPr spcFirstLastPara="1" wrap="square" lIns="91425" tIns="91425" rIns="91425" bIns="91425" anchor="ctr" anchorCtr="0">
               <a:noAutofit/>
             </a:bodyPr>
             <a:lstStyle/>
             <a:p>
-              <a:pPr indent="0" lvl="0" marL="0" rtl="0" algn="l">
+              <a:pPr marL="0" lvl="0" indent="0" algn="l" rtl="0">
                 <a:spcBef>
                   <a:spcPts val="0"/>
                 </a:spcBef>
@@ -6415,9 +6394,6 @@
                 </a:spcAft>
                 <a:buNone/>
               </a:pPr>
-              <a:r>
-                <a:t/>
-              </a:r>
               <a:endParaRPr/>
             </a:p>
           </p:txBody>
@@ -6444,7 +6420,7 @@
             <a:noFill/>
           </a:ln>
           <a:effectLst>
-            <a:outerShdw blurRad="228600" sx="101000" rotWithShape="0" algn="ctr" sy="101000">
+            <a:outerShdw blurRad="228600" sx="101000" sy="101000" algn="ctr" rotWithShape="0">
               <a:srgbClr val="000000">
                 <a:alpha val="40000"/>
               </a:srgbClr>
@@ -6452,12 +6428,12 @@
           </a:effectLst>
         </p:spPr>
         <p:txBody>
-          <a:bodyPr anchorCtr="0" anchor="ctr" bIns="91425" lIns="91425" spcFirstLastPara="1" rIns="91425" wrap="square" tIns="91425">
+          <a:bodyPr spcFirstLastPara="1" wrap="square" lIns="91425" tIns="91425" rIns="91425" bIns="91425" anchor="ctr" anchorCtr="0">
             <a:noAutofit/>
           </a:bodyPr>
           <a:lstStyle/>
           <a:p>
-            <a:pPr indent="0" lvl="0" marL="0" rtl="0" algn="l">
+            <a:pPr marL="0" lvl="0" indent="0" algn="l" rtl="0">
               <a:spcBef>
                 <a:spcPts val="0"/>
               </a:spcBef>
@@ -6466,9 +6442,6 @@
               </a:spcAft>
               <a:buNone/>
             </a:pPr>
-            <a:r>
-              <a:t/>
-            </a:r>
             <a:endParaRPr/>
           </a:p>
         </p:txBody>
@@ -6500,7 +6473,7 @@
             </a:xfrm>
             <a:prstGeom prst="parallelogram">
               <a:avLst>
-                <a:gd fmla="val 158024" name="adj"/>
+                <a:gd name="adj" fmla="val 158024"/>
               </a:avLst>
             </a:prstGeom>
             <a:solidFill>
@@ -6511,12 +6484,12 @@
             </a:ln>
           </p:spPr>
           <p:txBody>
-            <a:bodyPr anchorCtr="0" anchor="ctr" bIns="91425" lIns="91425" spcFirstLastPara="1" rIns="91425" wrap="square" tIns="91425">
+            <a:bodyPr spcFirstLastPara="1" wrap="square" lIns="91425" tIns="91425" rIns="91425" bIns="91425" anchor="ctr" anchorCtr="0">
               <a:noAutofit/>
             </a:bodyPr>
             <a:lstStyle/>
             <a:p>
-              <a:pPr indent="0" lvl="0" marL="0" rtl="0" algn="l">
+              <a:pPr marL="0" lvl="0" indent="0" algn="l" rtl="0">
                 <a:spcBef>
                   <a:spcPts val="0"/>
                 </a:spcBef>
@@ -6525,9 +6498,6 @@
                 </a:spcAft>
                 <a:buNone/>
               </a:pPr>
-              <a:r>
-                <a:t/>
-              </a:r>
               <a:endParaRPr/>
             </a:p>
           </p:txBody>
@@ -6545,7 +6515,7 @@
             </a:xfrm>
             <a:prstGeom prst="parallelogram">
               <a:avLst>
-                <a:gd fmla="val 158024" name="adj"/>
+                <a:gd name="adj" fmla="val 158024"/>
               </a:avLst>
             </a:prstGeom>
             <a:solidFill>
@@ -6556,12 +6526,12 @@
             </a:ln>
           </p:spPr>
           <p:txBody>
-            <a:bodyPr anchorCtr="0" anchor="ctr" bIns="91425" lIns="91425" spcFirstLastPara="1" rIns="91425" wrap="square" tIns="91425">
+            <a:bodyPr spcFirstLastPara="1" wrap="square" lIns="91425" tIns="91425" rIns="91425" bIns="91425" anchor="ctr" anchorCtr="0">
               <a:noAutofit/>
             </a:bodyPr>
             <a:lstStyle/>
             <a:p>
-              <a:pPr indent="0" lvl="0" marL="0" rtl="0" algn="l">
+              <a:pPr marL="0" lvl="0" indent="0" algn="l" rtl="0">
                 <a:spcBef>
                   <a:spcPts val="0"/>
                 </a:spcBef>
@@ -6570,9 +6540,6 @@
                 </a:spcAft>
                 <a:buNone/>
               </a:pPr>
-              <a:r>
-                <a:t/>
-              </a:r>
               <a:endParaRPr/>
             </a:p>
           </p:txBody>
@@ -6590,7 +6557,7 @@
             </a:xfrm>
             <a:prstGeom prst="parallelogram">
               <a:avLst>
-                <a:gd fmla="val 158024" name="adj"/>
+                <a:gd name="adj" fmla="val 158024"/>
               </a:avLst>
             </a:prstGeom>
             <a:solidFill>
@@ -6601,12 +6568,12 @@
             </a:ln>
           </p:spPr>
           <p:txBody>
-            <a:bodyPr anchorCtr="0" anchor="ctr" bIns="91425" lIns="91425" spcFirstLastPara="1" rIns="91425" wrap="square" tIns="91425">
+            <a:bodyPr spcFirstLastPara="1" wrap="square" lIns="91425" tIns="91425" rIns="91425" bIns="91425" anchor="ctr" anchorCtr="0">
               <a:noAutofit/>
             </a:bodyPr>
             <a:lstStyle/>
             <a:p>
-              <a:pPr indent="0" lvl="0" marL="0" rtl="0" algn="l">
+              <a:pPr marL="0" lvl="0" indent="0" algn="l" rtl="0">
                 <a:spcBef>
                   <a:spcPts val="0"/>
                 </a:spcBef>
@@ -6615,9 +6582,6 @@
                 </a:spcAft>
                 <a:buNone/>
               </a:pPr>
-              <a:r>
-                <a:t/>
-              </a:r>
               <a:endParaRPr/>
             </a:p>
           </p:txBody>
@@ -6650,7 +6614,7 @@
             </a:xfrm>
             <a:prstGeom prst="parallelogram">
               <a:avLst>
-                <a:gd fmla="val 158024" name="adj"/>
+                <a:gd name="adj" fmla="val 158024"/>
               </a:avLst>
             </a:prstGeom>
             <a:solidFill>
@@ -6661,12 +6625,12 @@
             </a:ln>
           </p:spPr>
           <p:txBody>
-            <a:bodyPr anchorCtr="0" anchor="ctr" bIns="91425" lIns="91425" spcFirstLastPara="1" rIns="91425" wrap="square" tIns="91425">
+            <a:bodyPr spcFirstLastPara="1" wrap="square" lIns="91425" tIns="91425" rIns="91425" bIns="91425" anchor="ctr" anchorCtr="0">
               <a:noAutofit/>
             </a:bodyPr>
             <a:lstStyle/>
             <a:p>
-              <a:pPr indent="0" lvl="0" marL="0" rtl="0" algn="l">
+              <a:pPr marL="0" lvl="0" indent="0" algn="l" rtl="0">
                 <a:spcBef>
                   <a:spcPts val="0"/>
                 </a:spcBef>
@@ -6675,9 +6639,6 @@
                 </a:spcAft>
                 <a:buNone/>
               </a:pPr>
-              <a:r>
-                <a:t/>
-              </a:r>
               <a:endParaRPr/>
             </a:p>
           </p:txBody>
@@ -6695,7 +6656,7 @@
             </a:xfrm>
             <a:prstGeom prst="parallelogram">
               <a:avLst>
-                <a:gd fmla="val 158024" name="adj"/>
+                <a:gd name="adj" fmla="val 158024"/>
               </a:avLst>
             </a:prstGeom>
             <a:solidFill>
@@ -6706,12 +6667,12 @@
             </a:ln>
           </p:spPr>
           <p:txBody>
-            <a:bodyPr anchorCtr="0" anchor="ctr" bIns="91425" lIns="91425" spcFirstLastPara="1" rIns="91425" wrap="square" tIns="91425">
+            <a:bodyPr spcFirstLastPara="1" wrap="square" lIns="91425" tIns="91425" rIns="91425" bIns="91425" anchor="ctr" anchorCtr="0">
               <a:noAutofit/>
             </a:bodyPr>
             <a:lstStyle/>
             <a:p>
-              <a:pPr indent="0" lvl="0" marL="0" rtl="0" algn="l">
+              <a:pPr marL="0" lvl="0" indent="0" algn="l" rtl="0">
                 <a:spcBef>
                   <a:spcPts val="0"/>
                 </a:spcBef>
@@ -6720,9 +6681,6 @@
                 </a:spcAft>
                 <a:buNone/>
               </a:pPr>
-              <a:r>
-                <a:t/>
-              </a:r>
               <a:endParaRPr/>
             </a:p>
           </p:txBody>
@@ -6740,7 +6698,7 @@
             </a:xfrm>
             <a:prstGeom prst="parallelogram">
               <a:avLst>
-                <a:gd fmla="val 158024" name="adj"/>
+                <a:gd name="adj" fmla="val 158024"/>
               </a:avLst>
             </a:prstGeom>
             <a:solidFill>
@@ -6751,12 +6709,12 @@
             </a:ln>
           </p:spPr>
           <p:txBody>
-            <a:bodyPr anchorCtr="0" anchor="ctr" bIns="91425" lIns="91425" spcFirstLastPara="1" rIns="91425" wrap="square" tIns="91425">
+            <a:bodyPr spcFirstLastPara="1" wrap="square" lIns="91425" tIns="91425" rIns="91425" bIns="91425" anchor="ctr" anchorCtr="0">
               <a:noAutofit/>
             </a:bodyPr>
             <a:lstStyle/>
             <a:p>
-              <a:pPr indent="0" lvl="0" marL="0" rtl="0" algn="l">
+              <a:pPr marL="0" lvl="0" indent="0" algn="l" rtl="0">
                 <a:spcBef>
                   <a:spcPts val="0"/>
                 </a:spcBef>
@@ -6765,9 +6723,6 @@
                 </a:spcAft>
                 <a:buNone/>
               </a:pPr>
-              <a:r>
-                <a:t/>
-              </a:r>
               <a:endParaRPr/>
             </a:p>
           </p:txBody>
@@ -6776,7 +6731,9 @@
       <p:sp>
         <p:nvSpPr>
           <p:cNvPr id="93" name="Google Shape;93;p8"/>
-          <p:cNvSpPr txBox="1"/>
+          <p:cNvSpPr txBox="1">
+            <a:spLocks noGrp="1"/>
+          </p:cNvSpPr>
           <p:nvPr>
             <p:ph type="title"/>
           </p:nvPr>
@@ -6791,7 +6748,7 @@
           </a:prstGeom>
         </p:spPr>
         <p:txBody>
-          <a:bodyPr anchorCtr="0" anchor="ctr" bIns="91425" lIns="91425" spcFirstLastPara="1" rIns="91425" wrap="square" tIns="91425">
+          <a:bodyPr spcFirstLastPara="1" wrap="square" lIns="91425" tIns="91425" rIns="91425" bIns="91425" anchor="ctr" anchorCtr="0">
             <a:noAutofit/>
           </a:bodyPr>
           <a:lstStyle>
@@ -6895,15 +6852,19 @@
               <a:defRPr sz="3200"/>
             </a:lvl9pPr>
           </a:lstStyle>
-          <a:p/>
+          <a:p>
+            <a:endParaRPr/>
+          </a:p>
         </p:txBody>
       </p:sp>
       <p:sp>
         <p:nvSpPr>
           <p:cNvPr id="94" name="Google Shape;94;p8"/>
-          <p:cNvSpPr txBox="1"/>
+          <p:cNvSpPr txBox="1">
+            <a:spLocks noGrp="1"/>
+          </p:cNvSpPr>
           <p:nvPr>
-            <p:ph idx="12" type="sldNum"/>
+            <p:ph type="sldNum" idx="12"/>
           </p:nvPr>
         </p:nvSpPr>
         <p:spPr>
@@ -6916,7 +6877,7 @@
           </a:prstGeom>
         </p:spPr>
         <p:txBody>
-          <a:bodyPr anchorCtr="0" anchor="ctr" bIns="91425" lIns="91425" spcFirstLastPara="1" rIns="91425" wrap="square" tIns="91425">
+          <a:bodyPr spcFirstLastPara="1" wrap="square" lIns="91425" tIns="91425" rIns="91425" bIns="91425" anchor="ctr" anchorCtr="0">
             <a:noAutofit/>
           </a:bodyPr>
           <a:lstStyle>
@@ -6958,7 +6919,7 @@
             </a:lvl9pPr>
           </a:lstStyle>
           <a:p>
-            <a:pPr indent="0" lvl="0" marL="0" rtl="0" algn="r">
+            <a:pPr marL="0" lvl="0" indent="0" algn="r" rtl="0">
               <a:spcBef>
                 <a:spcPts val="0"/>
               </a:spcBef>
@@ -6984,18 +6945,19 @@
 </file>
 
 <file path=ppt/slideLayouts/slideLayout8.xml><?xml version="1.0" encoding="utf-8"?>
-<p:sldLayout xmlns:a="http://schemas.openxmlformats.org/drawingml/2006/main" xmlns:r="http://schemas.openxmlformats.org/officeDocument/2006/relationships" xmlns:mc="http://schemas.openxmlformats.org/markup-compatibility/2006" xmlns:mv="urn:schemas-microsoft-com:mac:vml" xmlns:p="http://schemas.openxmlformats.org/presentationml/2006/main" xmlns:c="http://schemas.openxmlformats.org/drawingml/2006/chart" xmlns:dgm="http://schemas.openxmlformats.org/drawingml/2006/diagram" xmlns:o="urn:schemas-microsoft-com:office:office" xmlns:v="urn:schemas-microsoft-com:vml" xmlns:pvml="urn:schemas-microsoft-com:office:powerpoint" xmlns:com="http://schemas.openxmlformats.org/drawingml/2006/compatibility" xmlns:p14="http://schemas.microsoft.com/office/powerpoint/2010/main" xmlns:p15="http://schemas.microsoft.com/office/powerpoint/2012/main" matchingName="Section title and description">
+<p:sldLayout xmlns:a="http://schemas.openxmlformats.org/drawingml/2006/main" xmlns:r="http://schemas.openxmlformats.org/officeDocument/2006/relationships" xmlns:p="http://schemas.openxmlformats.org/presentationml/2006/main" matchingName="Section title and description">
   <p:cSld name="SECTION_TITLE_AND_DESCRIPTION">
     <p:bg>
       <p:bgPr>
         <a:solidFill>
           <a:schemeClr val="dk2"/>
         </a:solidFill>
+        <a:effectLst/>
       </p:bgPr>
     </p:bg>
     <p:spTree>
       <p:nvGrpSpPr>
-        <p:cNvPr id="95" name="Shape 95"/>
+        <p:cNvPr id="1" name="Shape 95"/>
         <p:cNvGrpSpPr/>
         <p:nvPr/>
       </p:nvGrpSpPr>
@@ -7029,12 +6991,12 @@
           </a:ln>
         </p:spPr>
         <p:txBody>
-          <a:bodyPr anchorCtr="0" anchor="ctr" bIns="91425" lIns="91425" spcFirstLastPara="1" rIns="91425" wrap="square" tIns="91425">
+          <a:bodyPr spcFirstLastPara="1" wrap="square" lIns="91425" tIns="91425" rIns="91425" bIns="91425" anchor="ctr" anchorCtr="0">
             <a:noAutofit/>
           </a:bodyPr>
           <a:lstStyle/>
           <a:p>
-            <a:pPr indent="0" lvl="0" marL="0" rtl="0" algn="l">
+            <a:pPr marL="0" lvl="0" indent="0" algn="l" rtl="0">
               <a:spcBef>
                 <a:spcPts val="0"/>
               </a:spcBef>
@@ -7043,9 +7005,6 @@
               </a:spcAft>
               <a:buNone/>
             </a:pPr>
-            <a:r>
-              <a:t/>
-            </a:r>
             <a:endParaRPr/>
           </a:p>
         </p:txBody>
@@ -7072,12 +7031,12 @@
           </a:ln>
         </p:spPr>
         <p:txBody>
-          <a:bodyPr anchorCtr="0" anchor="ctr" bIns="91425" lIns="91425" spcFirstLastPara="1" rIns="91425" wrap="square" tIns="91425">
+          <a:bodyPr spcFirstLastPara="1" wrap="square" lIns="91425" tIns="91425" rIns="91425" bIns="91425" anchor="ctr" anchorCtr="0">
             <a:noAutofit/>
           </a:bodyPr>
           <a:lstStyle/>
           <a:p>
-            <a:pPr indent="0" lvl="0" marL="0" rtl="0" algn="l">
+            <a:pPr marL="0" lvl="0" indent="0" algn="l" rtl="0">
               <a:spcBef>
                 <a:spcPts val="0"/>
               </a:spcBef>
@@ -7086,9 +7045,6 @@
               </a:spcAft>
               <a:buNone/>
             </a:pPr>
-            <a:r>
-              <a:t/>
-            </a:r>
             <a:endParaRPr/>
           </a:p>
         </p:txBody>
@@ -7114,7 +7070,7 @@
             <a:noFill/>
           </a:ln>
           <a:effectLst>
-            <a:outerShdw blurRad="228600" sx="101000" rotWithShape="0" algn="ctr" sy="101000">
+            <a:outerShdw blurRad="228600" sx="101000" sy="101000" algn="ctr" rotWithShape="0">
               <a:srgbClr val="000000">
                 <a:alpha val="40000"/>
               </a:srgbClr>
@@ -7122,12 +7078,12 @@
           </a:effectLst>
         </p:spPr>
         <p:txBody>
-          <a:bodyPr anchorCtr="0" anchor="ctr" bIns="91425" lIns="91425" spcFirstLastPara="1" rIns="91425" wrap="square" tIns="91425">
+          <a:bodyPr spcFirstLastPara="1" wrap="square" lIns="91425" tIns="91425" rIns="91425" bIns="91425" anchor="ctr" anchorCtr="0">
             <a:noAutofit/>
           </a:bodyPr>
           <a:lstStyle/>
           <a:p>
-            <a:pPr indent="0" lvl="0" marL="0" rtl="0" algn="l">
+            <a:pPr marL="0" lvl="0" indent="0" algn="l" rtl="0">
               <a:spcBef>
                 <a:spcPts val="0"/>
               </a:spcBef>
@@ -7136,9 +7092,6 @@
               </a:spcAft>
               <a:buNone/>
             </a:pPr>
-            <a:r>
-              <a:t/>
-            </a:r>
             <a:endParaRPr/>
           </a:p>
         </p:txBody>
@@ -7146,7 +7099,9 @@
       <p:sp>
         <p:nvSpPr>
           <p:cNvPr id="99" name="Google Shape;99;p9"/>
-          <p:cNvSpPr txBox="1"/>
+          <p:cNvSpPr txBox="1">
+            <a:spLocks noGrp="1"/>
+          </p:cNvSpPr>
           <p:nvPr>
             <p:ph type="title"/>
           </p:nvPr>
@@ -7161,7 +7116,7 @@
           </a:prstGeom>
         </p:spPr>
         <p:txBody>
-          <a:bodyPr anchorCtr="0" anchor="t" bIns="91425" lIns="91425" spcFirstLastPara="1" rIns="91425" wrap="square" tIns="91425">
+          <a:bodyPr spcFirstLastPara="1" wrap="square" lIns="91425" tIns="91425" rIns="91425" bIns="91425" anchor="t" anchorCtr="0">
             <a:noAutofit/>
           </a:bodyPr>
           <a:lstStyle>
@@ -7265,15 +7220,19 @@
               <a:defRPr sz="3000"/>
             </a:lvl9pPr>
           </a:lstStyle>
-          <a:p/>
+          <a:p>
+            <a:endParaRPr/>
+          </a:p>
         </p:txBody>
       </p:sp>
       <p:sp>
         <p:nvSpPr>
           <p:cNvPr id="100" name="Google Shape;100;p9"/>
-          <p:cNvSpPr txBox="1"/>
+          <p:cNvSpPr txBox="1">
+            <a:spLocks noGrp="1"/>
+          </p:cNvSpPr>
           <p:nvPr>
-            <p:ph idx="1" type="subTitle"/>
+            <p:ph type="subTitle" idx="1"/>
           </p:nvPr>
         </p:nvSpPr>
         <p:spPr>
@@ -7286,7 +7245,7 @@
           </a:prstGeom>
         </p:spPr>
         <p:txBody>
-          <a:bodyPr anchorCtr="0" anchor="t" bIns="91425" lIns="91425" spcFirstLastPara="1" rIns="91425" wrap="square" tIns="91425">
+          <a:bodyPr spcFirstLastPara="1" wrap="square" lIns="91425" tIns="91425" rIns="91425" bIns="91425" anchor="t" anchorCtr="0">
             <a:noAutofit/>
           </a:bodyPr>
           <a:lstStyle>
@@ -7480,15 +7439,19 @@
               </a:defRPr>
             </a:lvl9pPr>
           </a:lstStyle>
-          <a:p/>
+          <a:p>
+            <a:endParaRPr/>
+          </a:p>
         </p:txBody>
       </p:sp>
       <p:sp>
         <p:nvSpPr>
           <p:cNvPr id="101" name="Google Shape;101;p9"/>
-          <p:cNvSpPr txBox="1"/>
+          <p:cNvSpPr txBox="1">
+            <a:spLocks noGrp="1"/>
+          </p:cNvSpPr>
           <p:nvPr>
-            <p:ph idx="2" type="body"/>
+            <p:ph type="body" idx="2"/>
           </p:nvPr>
         </p:nvSpPr>
         <p:spPr>
@@ -7501,11 +7464,11 @@
           </a:prstGeom>
         </p:spPr>
         <p:txBody>
-          <a:bodyPr anchorCtr="0" anchor="t" bIns="91425" lIns="91425" spcFirstLastPara="1" rIns="91425" wrap="square" tIns="91425">
+          <a:bodyPr spcFirstLastPara="1" wrap="square" lIns="91425" tIns="91425" rIns="91425" bIns="91425" anchor="t" anchorCtr="0">
             <a:noAutofit/>
           </a:bodyPr>
           <a:lstStyle>
-            <a:lvl1pPr indent="-311150" lvl="0" marL="457200">
+            <a:lvl1pPr marL="457200" lvl="0" indent="-311150">
               <a:spcBef>
                 <a:spcPts val="0"/>
               </a:spcBef>
@@ -7516,7 +7479,7 @@
               <a:buChar char="●"/>
               <a:defRPr/>
             </a:lvl1pPr>
-            <a:lvl2pPr indent="-298450" lvl="1" marL="914400">
+            <a:lvl2pPr marL="914400" lvl="1" indent="-298450">
               <a:spcBef>
                 <a:spcPts val="1600"/>
               </a:spcBef>
@@ -7527,7 +7490,7 @@
               <a:buChar char="○"/>
               <a:defRPr/>
             </a:lvl2pPr>
-            <a:lvl3pPr indent="-298450" lvl="2" marL="1371600">
+            <a:lvl3pPr marL="1371600" lvl="2" indent="-298450">
               <a:spcBef>
                 <a:spcPts val="1600"/>
               </a:spcBef>
@@ -7538,7 +7501,7 @@
               <a:buChar char="■"/>
               <a:defRPr/>
             </a:lvl3pPr>
-            <a:lvl4pPr indent="-298450" lvl="3" marL="1828800">
+            <a:lvl4pPr marL="1828800" lvl="3" indent="-298450">
               <a:spcBef>
                 <a:spcPts val="1600"/>
               </a:spcBef>
@@ -7549,7 +7512,7 @@
               <a:buChar char="●"/>
               <a:defRPr/>
             </a:lvl4pPr>
-            <a:lvl5pPr indent="-298450" lvl="4" marL="2286000">
+            <a:lvl5pPr marL="2286000" lvl="4" indent="-298450">
               <a:spcBef>
                 <a:spcPts val="1600"/>
               </a:spcBef>
@@ -7560,7 +7523,7 @@
               <a:buChar char="○"/>
               <a:defRPr/>
             </a:lvl5pPr>
-            <a:lvl6pPr indent="-298450" lvl="5" marL="2743200">
+            <a:lvl6pPr marL="2743200" lvl="5" indent="-298450">
               <a:spcBef>
                 <a:spcPts val="1600"/>
               </a:spcBef>
@@ -7571,7 +7534,7 @@
               <a:buChar char="■"/>
               <a:defRPr/>
             </a:lvl6pPr>
-            <a:lvl7pPr indent="-298450" lvl="6" marL="3200400">
+            <a:lvl7pPr marL="3200400" lvl="6" indent="-298450">
               <a:spcBef>
                 <a:spcPts val="1600"/>
               </a:spcBef>
@@ -7582,7 +7545,7 @@
               <a:buChar char="●"/>
               <a:defRPr/>
             </a:lvl7pPr>
-            <a:lvl8pPr indent="-298450" lvl="7" marL="3657600">
+            <a:lvl8pPr marL="3657600" lvl="7" indent="-298450">
               <a:spcBef>
                 <a:spcPts val="1600"/>
               </a:spcBef>
@@ -7593,7 +7556,7 @@
               <a:buChar char="○"/>
               <a:defRPr/>
             </a:lvl8pPr>
-            <a:lvl9pPr indent="-298450" lvl="8" marL="4114800">
+            <a:lvl9pPr marL="4114800" lvl="8" indent="-298450">
               <a:spcBef>
                 <a:spcPts val="1600"/>
               </a:spcBef>
@@ -7605,15 +7568,19 @@
               <a:defRPr/>
             </a:lvl9pPr>
           </a:lstStyle>
-          <a:p/>
+          <a:p>
+            <a:endParaRPr/>
+          </a:p>
         </p:txBody>
       </p:sp>
       <p:sp>
         <p:nvSpPr>
           <p:cNvPr id="102" name="Google Shape;102;p9"/>
-          <p:cNvSpPr txBox="1"/>
+          <p:cNvSpPr txBox="1">
+            <a:spLocks noGrp="1"/>
+          </p:cNvSpPr>
           <p:nvPr>
-            <p:ph idx="12" type="sldNum"/>
+            <p:ph type="sldNum" idx="12"/>
           </p:nvPr>
         </p:nvSpPr>
         <p:spPr>
@@ -7626,7 +7593,7 @@
           </a:prstGeom>
         </p:spPr>
         <p:txBody>
-          <a:bodyPr anchorCtr="0" anchor="ctr" bIns="91425" lIns="91425" spcFirstLastPara="1" rIns="91425" wrap="square" tIns="91425">
+          <a:bodyPr spcFirstLastPara="1" wrap="square" lIns="91425" tIns="91425" rIns="91425" bIns="91425" anchor="ctr" anchorCtr="0">
             <a:noAutofit/>
           </a:bodyPr>
           <a:lstStyle>
@@ -7668,7 +7635,7 @@
             </a:lvl9pPr>
           </a:lstStyle>
           <a:p>
-            <a:pPr indent="0" lvl="0" marL="0" rtl="0" algn="r">
+            <a:pPr marL="0" lvl="0" indent="0" algn="r" rtl="0">
               <a:spcBef>
                 <a:spcPts val="0"/>
               </a:spcBef>
@@ -7694,18 +7661,19 @@
 </file>
 
 <file path=ppt/slideLayouts/slideLayout9.xml><?xml version="1.0" encoding="utf-8"?>
-<p:sldLayout xmlns:a="http://schemas.openxmlformats.org/drawingml/2006/main" xmlns:r="http://schemas.openxmlformats.org/officeDocument/2006/relationships" xmlns:mc="http://schemas.openxmlformats.org/markup-compatibility/2006" xmlns:mv="urn:schemas-microsoft-com:mac:vml" xmlns:p="http://schemas.openxmlformats.org/presentationml/2006/main" xmlns:c="http://schemas.openxmlformats.org/drawingml/2006/chart" xmlns:dgm="http://schemas.openxmlformats.org/drawingml/2006/diagram" xmlns:o="urn:schemas-microsoft-com:office:office" xmlns:v="urn:schemas-microsoft-com:vml" xmlns:pvml="urn:schemas-microsoft-com:office:powerpoint" xmlns:com="http://schemas.openxmlformats.org/drawingml/2006/compatibility" xmlns:p14="http://schemas.microsoft.com/office/powerpoint/2010/main" xmlns:p15="http://schemas.microsoft.com/office/powerpoint/2012/main" matchingName="Caption">
+<p:sldLayout xmlns:a="http://schemas.openxmlformats.org/drawingml/2006/main" xmlns:r="http://schemas.openxmlformats.org/officeDocument/2006/relationships" xmlns:p="http://schemas.openxmlformats.org/presentationml/2006/main" matchingName="Caption">
   <p:cSld name="CAPTION_ONLY">
     <p:bg>
       <p:bgPr>
         <a:solidFill>
           <a:schemeClr val="accent1"/>
         </a:solidFill>
+        <a:effectLst/>
       </p:bgPr>
     </p:bg>
     <p:spTree>
       <p:nvGrpSpPr>
-        <p:cNvPr id="103" name="Shape 103"/>
+        <p:cNvPr id="1" name="Shape 103"/>
         <p:cNvGrpSpPr/>
         <p:nvPr/>
       </p:nvGrpSpPr>
@@ -7739,12 +7707,12 @@
           </a:ln>
         </p:spPr>
         <p:txBody>
-          <a:bodyPr anchorCtr="0" anchor="ctr" bIns="91425" lIns="91425" spcFirstLastPara="1" rIns="91425" wrap="square" tIns="91425">
+          <a:bodyPr spcFirstLastPara="1" wrap="square" lIns="91425" tIns="91425" rIns="91425" bIns="91425" anchor="ctr" anchorCtr="0">
             <a:noAutofit/>
           </a:bodyPr>
           <a:lstStyle/>
           <a:p>
-            <a:pPr indent="0" lvl="0" marL="0" rtl="0" algn="l">
+            <a:pPr marL="0" lvl="0" indent="0" algn="l" rtl="0">
               <a:spcBef>
                 <a:spcPts val="0"/>
               </a:spcBef>
@@ -7753,9 +7721,6 @@
               </a:spcAft>
               <a:buNone/>
             </a:pPr>
-            <a:r>
-              <a:t/>
-            </a:r>
             <a:endParaRPr/>
           </a:p>
         </p:txBody>
@@ -7782,12 +7747,12 @@
           </a:ln>
         </p:spPr>
         <p:txBody>
-          <a:bodyPr anchorCtr="0" anchor="ctr" bIns="91425" lIns="91425" spcFirstLastPara="1" rIns="91425" wrap="square" tIns="91425">
+          <a:bodyPr spcFirstLastPara="1" wrap="square" lIns="91425" tIns="91425" rIns="91425" bIns="91425" anchor="ctr" anchorCtr="0">
             <a:noAutofit/>
           </a:bodyPr>
           <a:lstStyle/>
           <a:p>
-            <a:pPr indent="0" lvl="0" marL="0" rtl="0" algn="l">
+            <a:pPr marL="0" lvl="0" indent="0" algn="l" rtl="0">
               <a:spcBef>
                 <a:spcPts val="0"/>
               </a:spcBef>
@@ -7796,9 +7761,6 @@
               </a:spcAft>
               <a:buNone/>
             </a:pPr>
-            <a:r>
-              <a:t/>
-            </a:r>
             <a:endParaRPr/>
           </a:p>
         </p:txBody>
@@ -7824,7 +7786,7 @@
             <a:noFill/>
           </a:ln>
           <a:effectLst>
-            <a:outerShdw blurRad="228600" sx="101000" rotWithShape="0" algn="ctr" sy="101000">
+            <a:outerShdw blurRad="228600" sx="101000" sy="101000" algn="ctr" rotWithShape="0">
               <a:srgbClr val="000000">
                 <a:alpha val="40000"/>
               </a:srgbClr>
@@ -7832,12 +7794,12 @@
           </a:effectLst>
         </p:spPr>
         <p:txBody>
-          <a:bodyPr anchorCtr="0" anchor="ctr" bIns="91425" lIns="91425" spcFirstLastPara="1" rIns="91425" wrap="square" tIns="91425">
+          <a:bodyPr spcFirstLastPara="1" wrap="square" lIns="91425" tIns="91425" rIns="91425" bIns="91425" anchor="ctr" anchorCtr="0">
             <a:noAutofit/>
           </a:bodyPr>
           <a:lstStyle/>
           <a:p>
-            <a:pPr indent="0" lvl="0" marL="0" rtl="0" algn="l">
+            <a:pPr marL="0" lvl="0" indent="0" algn="l" rtl="0">
               <a:spcBef>
                 <a:spcPts val="0"/>
               </a:spcBef>
@@ -7846,9 +7808,6 @@
               </a:spcAft>
               <a:buNone/>
             </a:pPr>
-            <a:r>
-              <a:t/>
-            </a:r>
             <a:endParaRPr/>
           </a:p>
         </p:txBody>
@@ -7856,9 +7815,11 @@
       <p:sp>
         <p:nvSpPr>
           <p:cNvPr id="107" name="Google Shape;107;p10"/>
-          <p:cNvSpPr txBox="1"/>
+          <p:cNvSpPr txBox="1">
+            <a:spLocks noGrp="1"/>
+          </p:cNvSpPr>
           <p:nvPr>
-            <p:ph idx="1" type="body"/>
+            <p:ph type="body" idx="1"/>
           </p:nvPr>
         </p:nvSpPr>
         <p:spPr>
@@ -7871,11 +7832,11 @@
           </a:prstGeom>
         </p:spPr>
         <p:txBody>
-          <a:bodyPr anchorCtr="0" anchor="b" bIns="91425" lIns="91425" spcFirstLastPara="1" rIns="91425" wrap="square" tIns="91425">
+          <a:bodyPr spcFirstLastPara="1" wrap="square" lIns="91425" tIns="91425" rIns="91425" bIns="91425" anchor="b" anchorCtr="0">
             <a:noAutofit/>
           </a:bodyPr>
           <a:lstStyle>
-            <a:lvl1pPr indent="-228600" lvl="0" marL="457200">
+            <a:lvl1pPr marL="457200" lvl="0" indent="-228600">
               <a:lnSpc>
                 <a:spcPct val="100000"/>
               </a:lnSpc>
@@ -7890,15 +7851,19 @@
               <a:defRPr/>
             </a:lvl1pPr>
           </a:lstStyle>
-          <a:p/>
+          <a:p>
+            <a:endParaRPr/>
+          </a:p>
         </p:txBody>
       </p:sp>
       <p:sp>
         <p:nvSpPr>
           <p:cNvPr id="108" name="Google Shape;108;p10"/>
-          <p:cNvSpPr txBox="1"/>
+          <p:cNvSpPr txBox="1">
+            <a:spLocks noGrp="1"/>
+          </p:cNvSpPr>
           <p:nvPr>
-            <p:ph idx="12" type="sldNum"/>
+            <p:ph type="sldNum" idx="12"/>
           </p:nvPr>
         </p:nvSpPr>
         <p:spPr>
@@ -7911,7 +7876,7 @@
           </a:prstGeom>
         </p:spPr>
         <p:txBody>
-          <a:bodyPr anchorCtr="0" anchor="ctr" bIns="91425" lIns="91425" spcFirstLastPara="1" rIns="91425" wrap="square" tIns="91425">
+          <a:bodyPr spcFirstLastPara="1" wrap="square" lIns="91425" tIns="91425" rIns="91425" bIns="91425" anchor="ctr" anchorCtr="0">
             <a:noAutofit/>
           </a:bodyPr>
           <a:lstStyle>
@@ -7953,7 +7918,7 @@
             </a:lvl9pPr>
           </a:lstStyle>
           <a:p>
-            <a:pPr indent="0" lvl="0" marL="0" rtl="0" algn="r">
+            <a:pPr marL="0" lvl="0" indent="0" algn="r" rtl="0">
               <a:spcBef>
                 <a:spcPts val="0"/>
               </a:spcBef>
@@ -7979,18 +7944,19 @@
 </file>
 
 <file path=ppt/slideMasters/slideMaster1.xml><?xml version="1.0" encoding="utf-8"?>
-<p:sldMaster xmlns:a="http://schemas.openxmlformats.org/drawingml/2006/main" xmlns:r="http://schemas.openxmlformats.org/officeDocument/2006/relationships" xmlns:mc="http://schemas.openxmlformats.org/markup-compatibility/2006" xmlns:mv="urn:schemas-microsoft-com:mac:vml" xmlns:p="http://schemas.openxmlformats.org/presentationml/2006/main" xmlns:c="http://schemas.openxmlformats.org/drawingml/2006/chart" xmlns:dgm="http://schemas.openxmlformats.org/drawingml/2006/diagram" xmlns:o="urn:schemas-microsoft-com:office:office" xmlns:v="urn:schemas-microsoft-com:vml" xmlns:pvml="urn:schemas-microsoft-com:office:powerpoint" xmlns:com="http://schemas.openxmlformats.org/drawingml/2006/compatibility" xmlns:p14="http://schemas.microsoft.com/office/powerpoint/2010/main" xmlns:p15="http://schemas.microsoft.com/office/powerpoint/2012/main">
+<p:sldMaster xmlns:a="http://schemas.openxmlformats.org/drawingml/2006/main" xmlns:r="http://schemas.openxmlformats.org/officeDocument/2006/relationships" xmlns:p="http://schemas.openxmlformats.org/presentationml/2006/main">
   <p:cSld name="shift">
     <p:bg>
       <p:bgPr>
         <a:solidFill>
           <a:schemeClr val="dk1"/>
         </a:solidFill>
+        <a:effectLst/>
       </p:bgPr>
     </p:bg>
     <p:spTree>
       <p:nvGrpSpPr>
-        <p:cNvPr id="5" name="Shape 5"/>
+        <p:cNvPr id="1" name="Shape 5"/>
         <p:cNvGrpSpPr/>
         <p:nvPr/>
       </p:nvGrpSpPr>
@@ -8005,7 +7971,9 @@
       <p:sp>
         <p:nvSpPr>
           <p:cNvPr id="6" name="Google Shape;6;p1"/>
-          <p:cNvSpPr txBox="1"/>
+          <p:cNvSpPr txBox="1">
+            <a:spLocks noGrp="1"/>
+          </p:cNvSpPr>
           <p:nvPr>
             <p:ph type="title"/>
           </p:nvPr>
@@ -8024,7 +7992,7 @@
           </a:ln>
         </p:spPr>
         <p:txBody>
-          <a:bodyPr anchorCtr="0" anchor="t" bIns="91425" lIns="91425" spcFirstLastPara="1" rIns="91425" wrap="square" tIns="91425">
+          <a:bodyPr spcFirstLastPara="1" wrap="square" lIns="91425" tIns="91425" rIns="91425" bIns="91425" anchor="t" anchorCtr="0">
             <a:noAutofit/>
           </a:bodyPr>
           <a:lstStyle>
@@ -8236,15 +8204,19 @@
               </a:defRPr>
             </a:lvl9pPr>
           </a:lstStyle>
-          <a:p/>
+          <a:p>
+            <a:endParaRPr/>
+          </a:p>
         </p:txBody>
       </p:sp>
       <p:sp>
         <p:nvSpPr>
           <p:cNvPr id="7" name="Google Shape;7;p1"/>
-          <p:cNvSpPr txBox="1"/>
+          <p:cNvSpPr txBox="1">
+            <a:spLocks noGrp="1"/>
+          </p:cNvSpPr>
           <p:nvPr>
-            <p:ph idx="1" type="body"/>
+            <p:ph type="body" idx="1"/>
           </p:nvPr>
         </p:nvSpPr>
         <p:spPr>
@@ -8261,11 +8233,11 @@
           </a:ln>
         </p:spPr>
         <p:txBody>
-          <a:bodyPr anchorCtr="0" anchor="t" bIns="91425" lIns="91425" spcFirstLastPara="1" rIns="91425" wrap="square" tIns="91425">
+          <a:bodyPr spcFirstLastPara="1" wrap="square" lIns="91425" tIns="91425" rIns="91425" bIns="91425" anchor="t" anchorCtr="0">
             <a:noAutofit/>
           </a:bodyPr>
           <a:lstStyle>
-            <a:lvl1pPr indent="-311150" lvl="0" marL="457200">
+            <a:lvl1pPr marL="457200" lvl="0" indent="-311150">
               <a:lnSpc>
                 <a:spcPct val="115000"/>
               </a:lnSpc>
@@ -8291,7 +8263,7 @@
                 <a:sym typeface="Calibri"/>
               </a:defRPr>
             </a:lvl1pPr>
-            <a:lvl2pPr indent="-298450" lvl="1" marL="914400">
+            <a:lvl2pPr marL="914400" lvl="1" indent="-298450">
               <a:lnSpc>
                 <a:spcPct val="115000"/>
               </a:lnSpc>
@@ -8317,7 +8289,7 @@
                 <a:sym typeface="Calibri"/>
               </a:defRPr>
             </a:lvl2pPr>
-            <a:lvl3pPr indent="-298450" lvl="2" marL="1371600">
+            <a:lvl3pPr marL="1371600" lvl="2" indent="-298450">
               <a:lnSpc>
                 <a:spcPct val="115000"/>
               </a:lnSpc>
@@ -8343,7 +8315,7 @@
                 <a:sym typeface="Calibri"/>
               </a:defRPr>
             </a:lvl3pPr>
-            <a:lvl4pPr indent="-298450" lvl="3" marL="1828800">
+            <a:lvl4pPr marL="1828800" lvl="3" indent="-298450">
               <a:lnSpc>
                 <a:spcPct val="115000"/>
               </a:lnSpc>
@@ -8369,7 +8341,7 @@
                 <a:sym typeface="Calibri"/>
               </a:defRPr>
             </a:lvl4pPr>
-            <a:lvl5pPr indent="-298450" lvl="4" marL="2286000">
+            <a:lvl5pPr marL="2286000" lvl="4" indent="-298450">
               <a:lnSpc>
                 <a:spcPct val="115000"/>
               </a:lnSpc>
@@ -8395,7 +8367,7 @@
                 <a:sym typeface="Calibri"/>
               </a:defRPr>
             </a:lvl5pPr>
-            <a:lvl6pPr indent="-298450" lvl="5" marL="2743200">
+            <a:lvl6pPr marL="2743200" lvl="5" indent="-298450">
               <a:lnSpc>
                 <a:spcPct val="115000"/>
               </a:lnSpc>
@@ -8421,7 +8393,7 @@
                 <a:sym typeface="Calibri"/>
               </a:defRPr>
             </a:lvl6pPr>
-            <a:lvl7pPr indent="-298450" lvl="6" marL="3200400">
+            <a:lvl7pPr marL="3200400" lvl="6" indent="-298450">
               <a:lnSpc>
                 <a:spcPct val="115000"/>
               </a:lnSpc>
@@ -8447,7 +8419,7 @@
                 <a:sym typeface="Calibri"/>
               </a:defRPr>
             </a:lvl7pPr>
-            <a:lvl8pPr indent="-298450" lvl="7" marL="3657600">
+            <a:lvl8pPr marL="3657600" lvl="7" indent="-298450">
               <a:lnSpc>
                 <a:spcPct val="115000"/>
               </a:lnSpc>
@@ -8473,7 +8445,7 @@
                 <a:sym typeface="Calibri"/>
               </a:defRPr>
             </a:lvl8pPr>
-            <a:lvl9pPr indent="-298450" lvl="8" marL="4114800">
+            <a:lvl9pPr marL="4114800" lvl="8" indent="-298450">
               <a:lnSpc>
                 <a:spcPct val="115000"/>
               </a:lnSpc>
@@ -8500,15 +8472,19 @@
               </a:defRPr>
             </a:lvl9pPr>
           </a:lstStyle>
-          <a:p/>
+          <a:p>
+            <a:endParaRPr/>
+          </a:p>
         </p:txBody>
       </p:sp>
       <p:sp>
         <p:nvSpPr>
           <p:cNvPr id="8" name="Google Shape;8;p1"/>
-          <p:cNvSpPr txBox="1"/>
+          <p:cNvSpPr txBox="1">
+            <a:spLocks noGrp="1"/>
+          </p:cNvSpPr>
           <p:nvPr>
-            <p:ph idx="12" type="sldNum"/>
+            <p:ph type="sldNum" idx="12"/>
           </p:nvPr>
         </p:nvSpPr>
         <p:spPr>
@@ -8525,7 +8501,7 @@
           </a:ln>
         </p:spPr>
         <p:txBody>
-          <a:bodyPr anchorCtr="0" anchor="ctr" bIns="91425" lIns="91425" spcFirstLastPara="1" rIns="91425" wrap="square" tIns="91425">
+          <a:bodyPr spcFirstLastPara="1" wrap="square" lIns="91425" tIns="91425" rIns="91425" bIns="91425" anchor="ctr" anchorCtr="0">
             <a:noAutofit/>
           </a:bodyPr>
           <a:lstStyle>
@@ -8639,7 +8615,7 @@
             </a:lvl9pPr>
           </a:lstStyle>
           <a:p>
-            <a:pPr indent="0" lvl="0" marL="0" rtl="0" algn="r">
+            <a:pPr marL="0" lvl="0" indent="0" algn="r" rtl="0">
               <a:spcBef>
                 <a:spcPts val="0"/>
               </a:spcBef>
@@ -8658,7 +8634,7 @@
       </p:sp>
     </p:spTree>
   </p:cSld>
-  <p:clrMap accent1="accent1" accent2="accent2" accent3="accent3" accent4="accent4" accent5="accent5" accent6="accent6" bg1="lt1" bg2="dk2" tx1="dk1" tx2="lt2" folHlink="folHlink" hlink="hlink"/>
+  <p:clrMap bg1="lt1" tx1="dk1" bg2="dk2" tx2="lt2" accent1="accent1" accent2="accent2" accent3="accent3" accent4="accent4" accent5="accent5" accent6="accent6" hlink="hlink" folHlink="folHlink"/>
   <p:sldLayoutIdLst>
     <p:sldLayoutId id="2147483648" r:id="rId1"/>
     <p:sldLayoutId id="2147483649" r:id="rId2"/>
@@ -8672,10 +8648,10 @@
     <p:sldLayoutId id="2147483657" r:id="rId10"/>
     <p:sldLayoutId id="2147483658" r:id="rId11"/>
   </p:sldLayoutIdLst>
-  <p:hf dt="0" ftr="0" hdr="0" sldNum="0"/>
+  <p:hf sldNum="0" hdr="0" ftr="0" dt="0"/>
   <p:txStyles>
     <p:titleStyle>
-      <a:defPPr lvl="0" marR="0" rtl="0" algn="l">
+      <a:defPPr marR="0" lvl="0" algn="l" rtl="0">
         <a:lnSpc>
           <a:spcPct val="100000"/>
         </a:lnSpc>
@@ -8686,7 +8662,7 @@
           <a:spcPts val="0"/>
         </a:spcAft>
       </a:defPPr>
-      <a:lvl1pPr lvl="0" marR="0" rtl="0" algn="l">
+      <a:lvl1pPr marR="0" lvl="0" algn="l" rtl="0">
         <a:lnSpc>
           <a:spcPct val="100000"/>
         </a:lnSpc>
@@ -8700,7 +8676,7 @@
           <a:srgbClr val="000000"/>
         </a:buClr>
         <a:buFont typeface="Arial"/>
-        <a:defRPr b="0" i="0" sz="1400" u="none" cap="none" strike="noStrike">
+        <a:defRPr sz="1400" b="0" i="0" u="none" strike="noStrike" cap="none">
           <a:solidFill>
             <a:srgbClr val="000000"/>
           </a:solidFill>
@@ -8710,7 +8686,7 @@
           <a:sym typeface="Arial"/>
         </a:defRPr>
       </a:lvl1pPr>
-      <a:lvl2pPr lvl="1" marR="0" rtl="0" algn="l">
+      <a:lvl2pPr marR="0" lvl="1" algn="l" rtl="0">
         <a:lnSpc>
           <a:spcPct val="100000"/>
         </a:lnSpc>
@@ -8724,7 +8700,7 @@
           <a:srgbClr val="000000"/>
         </a:buClr>
         <a:buFont typeface="Arial"/>
-        <a:defRPr b="0" i="0" sz="1400" u="none" cap="none" strike="noStrike">
+        <a:defRPr sz="1400" b="0" i="0" u="none" strike="noStrike" cap="none">
           <a:solidFill>
             <a:srgbClr val="000000"/>
           </a:solidFill>
@@ -8734,7 +8710,7 @@
           <a:sym typeface="Arial"/>
         </a:defRPr>
       </a:lvl2pPr>
-      <a:lvl3pPr lvl="2" marR="0" rtl="0" algn="l">
+      <a:lvl3pPr marR="0" lvl="2" algn="l" rtl="0">
         <a:lnSpc>
           <a:spcPct val="100000"/>
         </a:lnSpc>
@@ -8748,7 +8724,7 @@
           <a:srgbClr val="000000"/>
         </a:buClr>
         <a:buFont typeface="Arial"/>
-        <a:defRPr b="0" i="0" sz="1400" u="none" cap="none" strike="noStrike">
+        <a:defRPr sz="1400" b="0" i="0" u="none" strike="noStrike" cap="none">
           <a:solidFill>
             <a:srgbClr val="000000"/>
           </a:solidFill>
@@ -8758,7 +8734,7 @@
           <a:sym typeface="Arial"/>
         </a:defRPr>
       </a:lvl3pPr>
-      <a:lvl4pPr lvl="3" marR="0" rtl="0" algn="l">
+      <a:lvl4pPr marR="0" lvl="3" algn="l" rtl="0">
         <a:lnSpc>
           <a:spcPct val="100000"/>
         </a:lnSpc>
@@ -8772,7 +8748,7 @@
           <a:srgbClr val="000000"/>
         </a:buClr>
         <a:buFont typeface="Arial"/>
-        <a:defRPr b="0" i="0" sz="1400" u="none" cap="none" strike="noStrike">
+        <a:defRPr sz="1400" b="0" i="0" u="none" strike="noStrike" cap="none">
           <a:solidFill>
             <a:srgbClr val="000000"/>
           </a:solidFill>
@@ -8782,7 +8758,7 @@
           <a:sym typeface="Arial"/>
         </a:defRPr>
       </a:lvl4pPr>
-      <a:lvl5pPr lvl="4" marR="0" rtl="0" algn="l">
+      <a:lvl5pPr marR="0" lvl="4" algn="l" rtl="0">
         <a:lnSpc>
           <a:spcPct val="100000"/>
         </a:lnSpc>
@@ -8796,7 +8772,7 @@
           <a:srgbClr val="000000"/>
         </a:buClr>
         <a:buFont typeface="Arial"/>
-        <a:defRPr b="0" i="0" sz="1400" u="none" cap="none" strike="noStrike">
+        <a:defRPr sz="1400" b="0" i="0" u="none" strike="noStrike" cap="none">
           <a:solidFill>
             <a:srgbClr val="000000"/>
           </a:solidFill>
@@ -8806,7 +8782,7 @@
           <a:sym typeface="Arial"/>
         </a:defRPr>
       </a:lvl5pPr>
-      <a:lvl6pPr lvl="5" marR="0" rtl="0" algn="l">
+      <a:lvl6pPr marR="0" lvl="5" algn="l" rtl="0">
         <a:lnSpc>
           <a:spcPct val="100000"/>
         </a:lnSpc>
@@ -8820,7 +8796,7 @@
           <a:srgbClr val="000000"/>
         </a:buClr>
         <a:buFont typeface="Arial"/>
-        <a:defRPr b="0" i="0" sz="1400" u="none" cap="none" strike="noStrike">
+        <a:defRPr sz="1400" b="0" i="0" u="none" strike="noStrike" cap="none">
           <a:solidFill>
             <a:srgbClr val="000000"/>
           </a:solidFill>
@@ -8830,7 +8806,7 @@
           <a:sym typeface="Arial"/>
         </a:defRPr>
       </a:lvl6pPr>
-      <a:lvl7pPr lvl="6" marR="0" rtl="0" algn="l">
+      <a:lvl7pPr marR="0" lvl="6" algn="l" rtl="0">
         <a:lnSpc>
           <a:spcPct val="100000"/>
         </a:lnSpc>
@@ -8844,7 +8820,7 @@
           <a:srgbClr val="000000"/>
         </a:buClr>
         <a:buFont typeface="Arial"/>
-        <a:defRPr b="0" i="0" sz="1400" u="none" cap="none" strike="noStrike">
+        <a:defRPr sz="1400" b="0" i="0" u="none" strike="noStrike" cap="none">
           <a:solidFill>
             <a:srgbClr val="000000"/>
           </a:solidFill>
@@ -8854,7 +8830,7 @@
           <a:sym typeface="Arial"/>
         </a:defRPr>
       </a:lvl7pPr>
-      <a:lvl8pPr lvl="7" marR="0" rtl="0" algn="l">
+      <a:lvl8pPr marR="0" lvl="7" algn="l" rtl="0">
         <a:lnSpc>
           <a:spcPct val="100000"/>
         </a:lnSpc>
@@ -8868,7 +8844,7 @@
           <a:srgbClr val="000000"/>
         </a:buClr>
         <a:buFont typeface="Arial"/>
-        <a:defRPr b="0" i="0" sz="1400" u="none" cap="none" strike="noStrike">
+        <a:defRPr sz="1400" b="0" i="0" u="none" strike="noStrike" cap="none">
           <a:solidFill>
             <a:srgbClr val="000000"/>
           </a:solidFill>
@@ -8878,7 +8854,7 @@
           <a:sym typeface="Arial"/>
         </a:defRPr>
       </a:lvl8pPr>
-      <a:lvl9pPr lvl="8" marR="0" rtl="0" algn="l">
+      <a:lvl9pPr marR="0" lvl="8" algn="l" rtl="0">
         <a:lnSpc>
           <a:spcPct val="100000"/>
         </a:lnSpc>
@@ -8892,7 +8868,7 @@
           <a:srgbClr val="000000"/>
         </a:buClr>
         <a:buFont typeface="Arial"/>
-        <a:defRPr b="0" i="0" sz="1400" u="none" cap="none" strike="noStrike">
+        <a:defRPr sz="1400" b="0" i="0" u="none" strike="noStrike" cap="none">
           <a:solidFill>
             <a:srgbClr val="000000"/>
           </a:solidFill>
@@ -8904,7 +8880,7 @@
       </a:lvl9pPr>
     </p:titleStyle>
     <p:bodyStyle>
-      <a:defPPr lvl="0" marR="0" rtl="0" algn="l">
+      <a:defPPr marR="0" lvl="0" algn="l" rtl="0">
         <a:lnSpc>
           <a:spcPct val="100000"/>
         </a:lnSpc>
@@ -8915,7 +8891,7 @@
           <a:spcPts val="0"/>
         </a:spcAft>
       </a:defPPr>
-      <a:lvl1pPr lvl="0" marR="0" rtl="0" algn="l">
+      <a:lvl1pPr marR="0" lvl="0" algn="l" rtl="0">
         <a:lnSpc>
           <a:spcPct val="100000"/>
         </a:lnSpc>
@@ -8929,7 +8905,7 @@
           <a:srgbClr val="000000"/>
         </a:buClr>
         <a:buFont typeface="Arial"/>
-        <a:defRPr b="0" i="0" sz="1400" u="none" cap="none" strike="noStrike">
+        <a:defRPr sz="1400" b="0" i="0" u="none" strike="noStrike" cap="none">
           <a:solidFill>
             <a:srgbClr val="000000"/>
           </a:solidFill>
@@ -8939,7 +8915,7 @@
           <a:sym typeface="Arial"/>
         </a:defRPr>
       </a:lvl1pPr>
-      <a:lvl2pPr lvl="1" marR="0" rtl="0" algn="l">
+      <a:lvl2pPr marR="0" lvl="1" algn="l" rtl="0">
         <a:lnSpc>
           <a:spcPct val="100000"/>
         </a:lnSpc>
@@ -8953,7 +8929,7 @@
           <a:srgbClr val="000000"/>
         </a:buClr>
         <a:buFont typeface="Arial"/>
-        <a:defRPr b="0" i="0" sz="1400" u="none" cap="none" strike="noStrike">
+        <a:defRPr sz="1400" b="0" i="0" u="none" strike="noStrike" cap="none">
           <a:solidFill>
             <a:srgbClr val="000000"/>
           </a:solidFill>
@@ -8963,7 +8939,7 @@
           <a:sym typeface="Arial"/>
         </a:defRPr>
       </a:lvl2pPr>
-      <a:lvl3pPr lvl="2" marR="0" rtl="0" algn="l">
+      <a:lvl3pPr marR="0" lvl="2" algn="l" rtl="0">
         <a:lnSpc>
           <a:spcPct val="100000"/>
         </a:lnSpc>
@@ -8977,7 +8953,7 @@
           <a:srgbClr val="000000"/>
         </a:buClr>
         <a:buFont typeface="Arial"/>
-        <a:defRPr b="0" i="0" sz="1400" u="none" cap="none" strike="noStrike">
+        <a:defRPr sz="1400" b="0" i="0" u="none" strike="noStrike" cap="none">
           <a:solidFill>
             <a:srgbClr val="000000"/>
           </a:solidFill>
@@ -8987,7 +8963,7 @@
           <a:sym typeface="Arial"/>
         </a:defRPr>
       </a:lvl3pPr>
-      <a:lvl4pPr lvl="3" marR="0" rtl="0" algn="l">
+      <a:lvl4pPr marR="0" lvl="3" algn="l" rtl="0">
         <a:lnSpc>
           <a:spcPct val="100000"/>
         </a:lnSpc>
@@ -9001,7 +8977,7 @@
           <a:srgbClr val="000000"/>
         </a:buClr>
         <a:buFont typeface="Arial"/>
-        <a:defRPr b="0" i="0" sz="1400" u="none" cap="none" strike="noStrike">
+        <a:defRPr sz="1400" b="0" i="0" u="none" strike="noStrike" cap="none">
           <a:solidFill>
             <a:srgbClr val="000000"/>
           </a:solidFill>
@@ -9011,7 +8987,7 @@
           <a:sym typeface="Arial"/>
         </a:defRPr>
       </a:lvl4pPr>
-      <a:lvl5pPr lvl="4" marR="0" rtl="0" algn="l">
+      <a:lvl5pPr marR="0" lvl="4" algn="l" rtl="0">
         <a:lnSpc>
           <a:spcPct val="100000"/>
         </a:lnSpc>
@@ -9025,7 +9001,7 @@
           <a:srgbClr val="000000"/>
         </a:buClr>
         <a:buFont typeface="Arial"/>
-        <a:defRPr b="0" i="0" sz="1400" u="none" cap="none" strike="noStrike">
+        <a:defRPr sz="1400" b="0" i="0" u="none" strike="noStrike" cap="none">
           <a:solidFill>
             <a:srgbClr val="000000"/>
           </a:solidFill>
@@ -9035,7 +9011,7 @@
           <a:sym typeface="Arial"/>
         </a:defRPr>
       </a:lvl5pPr>
-      <a:lvl6pPr lvl="5" marR="0" rtl="0" algn="l">
+      <a:lvl6pPr marR="0" lvl="5" algn="l" rtl="0">
         <a:lnSpc>
           <a:spcPct val="100000"/>
         </a:lnSpc>
@@ -9049,7 +9025,7 @@
           <a:srgbClr val="000000"/>
         </a:buClr>
         <a:buFont typeface="Arial"/>
-        <a:defRPr b="0" i="0" sz="1400" u="none" cap="none" strike="noStrike">
+        <a:defRPr sz="1400" b="0" i="0" u="none" strike="noStrike" cap="none">
           <a:solidFill>
             <a:srgbClr val="000000"/>
           </a:solidFill>
@@ -9059,7 +9035,7 @@
           <a:sym typeface="Arial"/>
         </a:defRPr>
       </a:lvl6pPr>
-      <a:lvl7pPr lvl="6" marR="0" rtl="0" algn="l">
+      <a:lvl7pPr marR="0" lvl="6" algn="l" rtl="0">
         <a:lnSpc>
           <a:spcPct val="100000"/>
         </a:lnSpc>
@@ -9073,7 +9049,7 @@
           <a:srgbClr val="000000"/>
         </a:buClr>
         <a:buFont typeface="Arial"/>
-        <a:defRPr b="0" i="0" sz="1400" u="none" cap="none" strike="noStrike">
+        <a:defRPr sz="1400" b="0" i="0" u="none" strike="noStrike" cap="none">
           <a:solidFill>
             <a:srgbClr val="000000"/>
           </a:solidFill>
@@ -9083,7 +9059,7 @@
           <a:sym typeface="Arial"/>
         </a:defRPr>
       </a:lvl7pPr>
-      <a:lvl8pPr lvl="7" marR="0" rtl="0" algn="l">
+      <a:lvl8pPr marR="0" lvl="7" algn="l" rtl="0">
         <a:lnSpc>
           <a:spcPct val="100000"/>
         </a:lnSpc>
@@ -9097,7 +9073,7 @@
           <a:srgbClr val="000000"/>
         </a:buClr>
         <a:buFont typeface="Arial"/>
-        <a:defRPr b="0" i="0" sz="1400" u="none" cap="none" strike="noStrike">
+        <a:defRPr sz="1400" b="0" i="0" u="none" strike="noStrike" cap="none">
           <a:solidFill>
             <a:srgbClr val="000000"/>
           </a:solidFill>
@@ -9107,7 +9083,7 @@
           <a:sym typeface="Arial"/>
         </a:defRPr>
       </a:lvl8pPr>
-      <a:lvl9pPr lvl="8" marR="0" rtl="0" algn="l">
+      <a:lvl9pPr marR="0" lvl="8" algn="l" rtl="0">
         <a:lnSpc>
           <a:spcPct val="100000"/>
         </a:lnSpc>
@@ -9121,7 +9097,7 @@
           <a:srgbClr val="000000"/>
         </a:buClr>
         <a:buFont typeface="Arial"/>
-        <a:defRPr b="0" i="0" sz="1400" u="none" cap="none" strike="noStrike">
+        <a:defRPr sz="1400" b="0" i="0" u="none" strike="noStrike" cap="none">
           <a:solidFill>
             <a:srgbClr val="000000"/>
           </a:solidFill>
@@ -9133,7 +9109,7 @@
       </a:lvl9pPr>
     </p:bodyStyle>
     <p:otherStyle>
-      <a:defPPr lvl="0" marR="0" rtl="0" algn="l">
+      <a:defPPr marR="0" lvl="0" algn="l" rtl="0">
         <a:lnSpc>
           <a:spcPct val="100000"/>
         </a:lnSpc>
@@ -9144,7 +9120,7 @@
           <a:spcPts val="0"/>
         </a:spcAft>
       </a:defPPr>
-      <a:lvl1pPr lvl="0" marR="0" rtl="0" algn="l">
+      <a:lvl1pPr marR="0" lvl="0" algn="l" rtl="0">
         <a:lnSpc>
           <a:spcPct val="100000"/>
         </a:lnSpc>
@@ -9158,7 +9134,7 @@
           <a:srgbClr val="000000"/>
         </a:buClr>
         <a:buFont typeface="Arial"/>
-        <a:defRPr b="0" i="0" sz="1400" u="none" cap="none" strike="noStrike">
+        <a:defRPr sz="1400" b="0" i="0" u="none" strike="noStrike" cap="none">
           <a:solidFill>
             <a:srgbClr val="000000"/>
           </a:solidFill>
@@ -9168,7 +9144,7 @@
           <a:sym typeface="Arial"/>
         </a:defRPr>
       </a:lvl1pPr>
-      <a:lvl2pPr lvl="1" marR="0" rtl="0" algn="l">
+      <a:lvl2pPr marR="0" lvl="1" algn="l" rtl="0">
         <a:lnSpc>
           <a:spcPct val="100000"/>
         </a:lnSpc>
@@ -9182,7 +9158,7 @@
           <a:srgbClr val="000000"/>
         </a:buClr>
         <a:buFont typeface="Arial"/>
-        <a:defRPr b="0" i="0" sz="1400" u="none" cap="none" strike="noStrike">
+        <a:defRPr sz="1400" b="0" i="0" u="none" strike="noStrike" cap="none">
           <a:solidFill>
             <a:srgbClr val="000000"/>
           </a:solidFill>
@@ -9192,7 +9168,7 @@
           <a:sym typeface="Arial"/>
         </a:defRPr>
       </a:lvl2pPr>
-      <a:lvl3pPr lvl="2" marR="0" rtl="0" algn="l">
+      <a:lvl3pPr marR="0" lvl="2" algn="l" rtl="0">
         <a:lnSpc>
           <a:spcPct val="100000"/>
         </a:lnSpc>
@@ -9206,7 +9182,7 @@
           <a:srgbClr val="000000"/>
         </a:buClr>
         <a:buFont typeface="Arial"/>
-        <a:defRPr b="0" i="0" sz="1400" u="none" cap="none" strike="noStrike">
+        <a:defRPr sz="1400" b="0" i="0" u="none" strike="noStrike" cap="none">
           <a:solidFill>
             <a:srgbClr val="000000"/>
           </a:solidFill>
@@ -9216,7 +9192,7 @@
           <a:sym typeface="Arial"/>
         </a:defRPr>
       </a:lvl3pPr>
-      <a:lvl4pPr lvl="3" marR="0" rtl="0" algn="l">
+      <a:lvl4pPr marR="0" lvl="3" algn="l" rtl="0">
         <a:lnSpc>
           <a:spcPct val="100000"/>
         </a:lnSpc>
@@ -9230,7 +9206,7 @@
           <a:srgbClr val="000000"/>
         </a:buClr>
         <a:buFont typeface="Arial"/>
-        <a:defRPr b="0" i="0" sz="1400" u="none" cap="none" strike="noStrike">
+        <a:defRPr sz="1400" b="0" i="0" u="none" strike="noStrike" cap="none">
           <a:solidFill>
             <a:srgbClr val="000000"/>
           </a:solidFill>
@@ -9240,7 +9216,7 @@
           <a:sym typeface="Arial"/>
         </a:defRPr>
       </a:lvl4pPr>
-      <a:lvl5pPr lvl="4" marR="0" rtl="0" algn="l">
+      <a:lvl5pPr marR="0" lvl="4" algn="l" rtl="0">
         <a:lnSpc>
           <a:spcPct val="100000"/>
         </a:lnSpc>
@@ -9254,7 +9230,7 @@
           <a:srgbClr val="000000"/>
         </a:buClr>
         <a:buFont typeface="Arial"/>
-        <a:defRPr b="0" i="0" sz="1400" u="none" cap="none" strike="noStrike">
+        <a:defRPr sz="1400" b="0" i="0" u="none" strike="noStrike" cap="none">
           <a:solidFill>
             <a:srgbClr val="000000"/>
           </a:solidFill>
@@ -9264,7 +9240,7 @@
           <a:sym typeface="Arial"/>
         </a:defRPr>
       </a:lvl5pPr>
-      <a:lvl6pPr lvl="5" marR="0" rtl="0" algn="l">
+      <a:lvl6pPr marR="0" lvl="5" algn="l" rtl="0">
         <a:lnSpc>
           <a:spcPct val="100000"/>
         </a:lnSpc>
@@ -9278,7 +9254,7 @@
           <a:srgbClr val="000000"/>
         </a:buClr>
         <a:buFont typeface="Arial"/>
-        <a:defRPr b="0" i="0" sz="1400" u="none" cap="none" strike="noStrike">
+        <a:defRPr sz="1400" b="0" i="0" u="none" strike="noStrike" cap="none">
           <a:solidFill>
             <a:srgbClr val="000000"/>
           </a:solidFill>
@@ -9288,7 +9264,7 @@
           <a:sym typeface="Arial"/>
         </a:defRPr>
       </a:lvl6pPr>
-      <a:lvl7pPr lvl="6" marR="0" rtl="0" algn="l">
+      <a:lvl7pPr marR="0" lvl="6" algn="l" rtl="0">
         <a:lnSpc>
           <a:spcPct val="100000"/>
         </a:lnSpc>
@@ -9302,7 +9278,7 @@
           <a:srgbClr val="000000"/>
         </a:buClr>
         <a:buFont typeface="Arial"/>
-        <a:defRPr b="0" i="0" sz="1400" u="none" cap="none" strike="noStrike">
+        <a:defRPr sz="1400" b="0" i="0" u="none" strike="noStrike" cap="none">
           <a:solidFill>
             <a:srgbClr val="000000"/>
           </a:solidFill>
@@ -9312,7 +9288,7 @@
           <a:sym typeface="Arial"/>
         </a:defRPr>
       </a:lvl7pPr>
-      <a:lvl8pPr lvl="7" marR="0" rtl="0" algn="l">
+      <a:lvl8pPr marR="0" lvl="7" algn="l" rtl="0">
         <a:lnSpc>
           <a:spcPct val="100000"/>
         </a:lnSpc>
@@ -9326,7 +9302,7 @@
           <a:srgbClr val="000000"/>
         </a:buClr>
         <a:buFont typeface="Arial"/>
-        <a:defRPr b="0" i="0" sz="1400" u="none" cap="none" strike="noStrike">
+        <a:defRPr sz="1400" b="0" i="0" u="none" strike="noStrike" cap="none">
           <a:solidFill>
             <a:srgbClr val="000000"/>
           </a:solidFill>
@@ -9336,7 +9312,7 @@
           <a:sym typeface="Arial"/>
         </a:defRPr>
       </a:lvl8pPr>
-      <a:lvl9pPr lvl="8" marR="0" rtl="0" algn="l">
+      <a:lvl9pPr marR="0" lvl="8" algn="l" rtl="0">
         <a:lnSpc>
           <a:spcPct val="100000"/>
         </a:lnSpc>
@@ -9350,7 +9326,7 @@
           <a:srgbClr val="000000"/>
         </a:buClr>
         <a:buFont typeface="Arial"/>
-        <a:defRPr b="0" i="0" sz="1400" u="none" cap="none" strike="noStrike">
+        <a:defRPr sz="1400" b="0" i="0" u="none" strike="noStrike" cap="none">
           <a:solidFill>
             <a:srgbClr val="000000"/>
           </a:solidFill>
@@ -9366,11 +9342,11 @@
 </file>
 
 <file path=ppt/slides/slide1.xml><?xml version="1.0" encoding="utf-8"?>
-<p:sld xmlns:a="http://schemas.openxmlformats.org/drawingml/2006/main" xmlns:r="http://schemas.openxmlformats.org/officeDocument/2006/relationships" xmlns:mc="http://schemas.openxmlformats.org/markup-compatibility/2006" xmlns:mv="urn:schemas-microsoft-com:mac:vml" xmlns:p="http://schemas.openxmlformats.org/presentationml/2006/main" xmlns:c="http://schemas.openxmlformats.org/drawingml/2006/chart" xmlns:dgm="http://schemas.openxmlformats.org/drawingml/2006/diagram" xmlns:o="urn:schemas-microsoft-com:office:office" xmlns:v="urn:schemas-microsoft-com:vml" xmlns:pvml="urn:schemas-microsoft-com:office:powerpoint" xmlns:com="http://schemas.openxmlformats.org/drawingml/2006/compatibility" xmlns:p14="http://schemas.microsoft.com/office/powerpoint/2010/main" xmlns:p15="http://schemas.microsoft.com/office/powerpoint/2012/main">
+<p:sld xmlns:a="http://schemas.openxmlformats.org/drawingml/2006/main" xmlns:r="http://schemas.openxmlformats.org/officeDocument/2006/relationships" xmlns:p="http://schemas.openxmlformats.org/presentationml/2006/main">
   <p:cSld>
     <p:spTree>
       <p:nvGrpSpPr>
-        <p:cNvPr id="127" name="Shape 127"/>
+        <p:cNvPr id="1" name="Shape 127"/>
         <p:cNvGrpSpPr/>
         <p:nvPr/>
       </p:nvGrpSpPr>
@@ -9385,7 +9361,9 @@
       <p:sp>
         <p:nvSpPr>
           <p:cNvPr id="128" name="Google Shape;128;p13"/>
-          <p:cNvSpPr txBox="1"/>
+          <p:cNvSpPr txBox="1">
+            <a:spLocks noGrp="1"/>
+          </p:cNvSpPr>
           <p:nvPr>
             <p:ph type="title"/>
           </p:nvPr>
@@ -9400,12 +9378,12 @@
           </a:prstGeom>
         </p:spPr>
         <p:txBody>
-          <a:bodyPr anchorCtr="0" anchor="t" bIns="91425" lIns="91425" spcFirstLastPara="1" rIns="91425" wrap="square" tIns="91425">
+          <a:bodyPr spcFirstLastPara="1" wrap="square" lIns="91425" tIns="91425" rIns="91425" bIns="91425" anchor="t" anchorCtr="0">
             <a:noAutofit/>
           </a:bodyPr>
           <a:lstStyle/>
           <a:p>
-            <a:pPr indent="0" lvl="0" marL="0" rtl="0" algn="l">
+            <a:pPr marL="0" lvl="0" indent="0" algn="l" rtl="0">
               <a:spcBef>
                 <a:spcPts val="0"/>
               </a:spcBef>
@@ -9425,9 +9403,11 @@
       <p:sp>
         <p:nvSpPr>
           <p:cNvPr id="129" name="Google Shape;129;p13"/>
-          <p:cNvSpPr txBox="1"/>
+          <p:cNvSpPr txBox="1">
+            <a:spLocks noGrp="1"/>
+          </p:cNvSpPr>
           <p:nvPr>
-            <p:ph idx="1" type="body"/>
+            <p:ph type="body" idx="1"/>
           </p:nvPr>
         </p:nvSpPr>
         <p:spPr>
@@ -9440,29 +9420,19 @@
           </a:prstGeom>
         </p:spPr>
         <p:txBody>
-          <a:bodyPr anchorCtr="0" anchor="t" bIns="91425" lIns="91425" spcFirstLastPara="1" rIns="91425" wrap="square" tIns="91425">
+          <a:bodyPr spcFirstLastPara="1" wrap="square" lIns="91425" tIns="91425" rIns="91425" bIns="91425" anchor="t" anchorCtr="0">
             <a:noAutofit/>
           </a:bodyPr>
           <a:lstStyle/>
           <a:p>
-            <a:pPr indent="-311150" lvl="0" marL="457200" rtl="0" algn="l">
-              <a:spcBef>
-                <a:spcPts val="0"/>
-              </a:spcBef>
-              <a:spcAft>
-                <a:spcPts val="0"/>
-              </a:spcAft>
-              <a:buSzPts val="1300"/>
-              <a:buAutoNum type="arabicPeriod"/>
-            </a:pPr>
             <a:r>
-              <a:rPr lang="en"/>
+              <a:rPr lang="en" dirty="0"/>
               <a:t>Phrase Automatic Speech Recognition</a:t>
             </a:r>
-            <a:endParaRPr/>
+            <a:endParaRPr dirty="0"/>
           </a:p>
           <a:p>
-            <a:pPr indent="-311150" lvl="0" marL="914400" rtl="0" algn="l">
+            <a:pPr marL="914400" lvl="0" indent="-311150" algn="l" rtl="0">
               <a:spcBef>
                 <a:spcPts val="0"/>
               </a:spcBef>
@@ -9473,13 +9443,21 @@
               <a:buChar char="-"/>
             </a:pPr>
             <a:r>
-              <a:rPr lang="en"/>
-              <a:t>System utilising ASR solutions (STT - TTS)</a:t>
+              <a:rPr lang="en" dirty="0"/>
+              <a:t>System </a:t>
             </a:r>
-            <a:endParaRPr/>
+            <a:r>
+              <a:rPr lang="en" dirty="0" err="1"/>
+              <a:t>utilising</a:t>
+            </a:r>
+            <a:r>
+              <a:rPr lang="en" dirty="0"/>
+              <a:t> incremental ASR solutions (STT - TTS)</a:t>
+            </a:r>
+            <a:endParaRPr dirty="0"/>
           </a:p>
           <a:p>
-            <a:pPr indent="-311150" lvl="0" marL="914400" rtl="0" algn="l">
+            <a:pPr marL="914400" lvl="0" indent="-311150" algn="l" rtl="0">
               <a:spcBef>
                 <a:spcPts val="0"/>
               </a:spcBef>
@@ -9490,30 +9468,48 @@
               <a:buChar char="-"/>
             </a:pPr>
             <a:r>
-              <a:rPr lang="en"/>
-              <a:t>InproTK, Google Cloud STT, DeepSpeech, CMUSphinx</a:t>
+              <a:rPr lang="en" dirty="0" err="1"/>
+              <a:t>InproTK</a:t>
             </a:r>
-            <a:endParaRPr/>
+            <a:r>
+              <a:rPr lang="en" dirty="0"/>
+              <a:t>, Google Cloud STT, </a:t>
+            </a:r>
+            <a:r>
+              <a:rPr lang="en" dirty="0" err="1"/>
+              <a:t>DeepSpeech</a:t>
+            </a:r>
+            <a:r>
+              <a:rPr lang="en" dirty="0"/>
+              <a:t>, </a:t>
+            </a:r>
+            <a:r>
+              <a:rPr lang="en" dirty="0" err="1"/>
+              <a:t>CMUSphinx</a:t>
+            </a:r>
+            <a:r>
+              <a:rPr lang="en" dirty="0"/>
+              <a:t> (</a:t>
+            </a:r>
+            <a:r>
+              <a:rPr lang="en" dirty="0" err="1"/>
+              <a:t>pocketsphinx</a:t>
+            </a:r>
+            <a:r>
+              <a:rPr lang="en" dirty="0"/>
+              <a:t>)</a:t>
+            </a:r>
+            <a:endParaRPr dirty="0"/>
           </a:p>
           <a:p>
-            <a:pPr indent="-311150" lvl="0" marL="457200" rtl="0" algn="l">
-              <a:spcBef>
-                <a:spcPts val="0"/>
-              </a:spcBef>
-              <a:spcAft>
-                <a:spcPts val="0"/>
-              </a:spcAft>
-              <a:buSzPts val="1300"/>
-              <a:buAutoNum type="arabicPeriod"/>
-            </a:pPr>
             <a:r>
-              <a:rPr lang="en"/>
+              <a:rPr lang="en" dirty="0"/>
               <a:t>Emotive Evolving Method (‘Social Mixer’)</a:t>
             </a:r>
-            <a:endParaRPr/>
+            <a:endParaRPr dirty="0"/>
           </a:p>
           <a:p>
-            <a:pPr indent="-311150" lvl="0" marL="914400" rtl="0" algn="l">
+            <a:pPr marL="914400" lvl="0" indent="-311150" algn="l" rtl="0">
               <a:spcBef>
                 <a:spcPts val="0"/>
               </a:spcBef>
@@ -9524,13 +9520,21 @@
               <a:buChar char="-"/>
             </a:pPr>
             <a:r>
-              <a:rPr lang="en"/>
-              <a:t>System utilising ML weights to feedback to audio mixer</a:t>
+              <a:rPr lang="en" dirty="0"/>
+              <a:t>System </a:t>
             </a:r>
-            <a:endParaRPr/>
+            <a:r>
+              <a:rPr lang="en" dirty="0" err="1"/>
+              <a:t>utilising</a:t>
+            </a:r>
+            <a:r>
+              <a:rPr lang="en" dirty="0"/>
+              <a:t> ML weights to feedback to audio mixer</a:t>
+            </a:r>
+            <a:endParaRPr dirty="0"/>
           </a:p>
           <a:p>
-            <a:pPr indent="-311150" lvl="0" marL="914400" rtl="0" algn="l">
+            <a:pPr marL="914400" lvl="0" indent="-311150" algn="l" rtl="0">
               <a:spcBef>
                 <a:spcPts val="0"/>
               </a:spcBef>
@@ -9541,34 +9545,20 @@
               <a:buChar char="-"/>
             </a:pPr>
             <a:r>
-              <a:rPr lang="en"/>
+              <a:rPr lang="en" dirty="0"/>
               <a:t>Training/test data RAVDESS</a:t>
             </a:r>
-            <a:endParaRPr/>
+            <a:endParaRPr dirty="0"/>
           </a:p>
           <a:p>
-            <a:pPr indent="-311150" lvl="0" marL="457200" rtl="0" algn="l">
-              <a:spcBef>
-                <a:spcPts val="0"/>
-              </a:spcBef>
-              <a:spcAft>
-                <a:spcPts val="0"/>
-              </a:spcAft>
-              <a:buSzPts val="1300"/>
-              <a:buAutoNum type="arabicPeriod"/>
-            </a:pPr>
             <a:r>
-              <a:rPr lang="en"/>
-              <a:t>Emotive ‘Noise </a:t>
+              <a:rPr lang="en" dirty="0"/>
+              <a:t>Emotive ‘Noise Suppression’</a:t>
             </a:r>
-            <a:r>
-              <a:rPr lang="en"/>
-              <a:t>Suppression’</a:t>
-            </a:r>
-            <a:endParaRPr/>
+            <a:endParaRPr dirty="0"/>
           </a:p>
           <a:p>
-            <a:pPr indent="-311150" lvl="0" marL="914400" rtl="0" algn="l">
+            <a:pPr marL="914400" lvl="0" indent="-311150" algn="l" rtl="0">
               <a:spcBef>
                 <a:spcPts val="0"/>
               </a:spcBef>
@@ -9579,13 +9569,21 @@
               <a:buChar char="-"/>
             </a:pPr>
             <a:r>
-              <a:rPr lang="en"/>
-              <a:t>System utilising ML to automatically remove negative emotional activity in voice channel</a:t>
+              <a:rPr lang="en" dirty="0"/>
+              <a:t>System </a:t>
             </a:r>
-            <a:endParaRPr/>
+            <a:r>
+              <a:rPr lang="en" dirty="0" err="1"/>
+              <a:t>utilising</a:t>
+            </a:r>
+            <a:r>
+              <a:rPr lang="en" dirty="0"/>
+              <a:t> ML to automatically remove negative emotional activity in voice channel</a:t>
+            </a:r>
+            <a:endParaRPr dirty="0"/>
           </a:p>
           <a:p>
-            <a:pPr indent="-311150" lvl="0" marL="914400" rtl="0" algn="l">
+            <a:pPr marL="914400" lvl="0" indent="-311150" algn="l" rtl="0">
               <a:spcBef>
                 <a:spcPts val="0"/>
               </a:spcBef>
@@ -9596,10 +9594,10 @@
               <a:buChar char="-"/>
             </a:pPr>
             <a:r>
-              <a:rPr lang="en"/>
+              <a:rPr lang="en" dirty="0"/>
               <a:t>Training/test data RAVDESS</a:t>
             </a:r>
-            <a:endParaRPr/>
+            <a:endParaRPr dirty="0"/>
           </a:p>
         </p:txBody>
       </p:sp>
@@ -9612,11 +9610,11 @@
 </file>
 
 <file path=ppt/slides/slide2.xml><?xml version="1.0" encoding="utf-8"?>
-<p:sld xmlns:a="http://schemas.openxmlformats.org/drawingml/2006/main" xmlns:r="http://schemas.openxmlformats.org/officeDocument/2006/relationships" xmlns:mc="http://schemas.openxmlformats.org/markup-compatibility/2006" xmlns:mv="urn:schemas-microsoft-com:mac:vml" xmlns:p="http://schemas.openxmlformats.org/presentationml/2006/main" xmlns:c="http://schemas.openxmlformats.org/drawingml/2006/chart" xmlns:dgm="http://schemas.openxmlformats.org/drawingml/2006/diagram" xmlns:o="urn:schemas-microsoft-com:office:office" xmlns:v="urn:schemas-microsoft-com:vml" xmlns:pvml="urn:schemas-microsoft-com:office:powerpoint" xmlns:com="http://schemas.openxmlformats.org/drawingml/2006/compatibility" xmlns:p14="http://schemas.microsoft.com/office/powerpoint/2010/main" xmlns:p15="http://schemas.microsoft.com/office/powerpoint/2012/main">
+<p:sld xmlns:a="http://schemas.openxmlformats.org/drawingml/2006/main" xmlns:r="http://schemas.openxmlformats.org/officeDocument/2006/relationships" xmlns:p="http://schemas.openxmlformats.org/presentationml/2006/main">
   <p:cSld>
     <p:spTree>
       <p:nvGrpSpPr>
-        <p:cNvPr id="133" name="Shape 133"/>
+        <p:cNvPr id="1" name="Shape 133"/>
         <p:cNvGrpSpPr/>
         <p:nvPr/>
       </p:nvGrpSpPr>
@@ -9631,7 +9629,9 @@
       <p:sp>
         <p:nvSpPr>
           <p:cNvPr id="134" name="Google Shape;134;p14"/>
-          <p:cNvSpPr txBox="1"/>
+          <p:cNvSpPr txBox="1">
+            <a:spLocks noGrp="1"/>
+          </p:cNvSpPr>
           <p:nvPr>
             <p:ph type="title"/>
           </p:nvPr>
@@ -9646,12 +9646,12 @@
           </a:prstGeom>
         </p:spPr>
         <p:txBody>
-          <a:bodyPr anchorCtr="0" anchor="t" bIns="91425" lIns="91425" spcFirstLastPara="1" rIns="91425" wrap="square" tIns="91425">
+          <a:bodyPr spcFirstLastPara="1" wrap="square" lIns="91425" tIns="91425" rIns="91425" bIns="91425" anchor="t" anchorCtr="0">
             <a:noAutofit/>
           </a:bodyPr>
           <a:lstStyle/>
           <a:p>
-            <a:pPr indent="0" lvl="0" marL="0" rtl="0" algn="l">
+            <a:pPr marL="0" lvl="0" indent="0" algn="l" rtl="0">
               <a:spcBef>
                 <a:spcPts val="0"/>
               </a:spcBef>
@@ -9716,12 +9716,12 @@
           </a:ln>
         </p:spPr>
         <p:txBody>
-          <a:bodyPr anchorCtr="0" anchor="t" bIns="91425" lIns="91425" spcFirstLastPara="1" rIns="91425" wrap="square" tIns="91425">
+          <a:bodyPr spcFirstLastPara="1" wrap="square" lIns="91425" tIns="91425" rIns="91425" bIns="91425" anchor="t" anchorCtr="0">
             <a:noAutofit/>
           </a:bodyPr>
           <a:lstStyle/>
           <a:p>
-            <a:pPr indent="0" lvl="0" marL="0" rtl="0" algn="l">
+            <a:pPr marL="0" lvl="0" indent="0" algn="l" rtl="0">
               <a:spcBef>
                 <a:spcPts val="0"/>
               </a:spcBef>
@@ -9737,7 +9737,7 @@
             <a:endParaRPr sz="1100"/>
           </a:p>
           <a:p>
-            <a:pPr indent="0" lvl="0" marL="0" rtl="0" algn="l">
+            <a:pPr marL="0" lvl="0" indent="0" algn="l" rtl="0">
               <a:spcBef>
                 <a:spcPts val="0"/>
               </a:spcBef>
@@ -9746,13 +9746,10 @@
               </a:spcAft>
               <a:buNone/>
             </a:pPr>
-            <a:r>
-              <a:t/>
-            </a:r>
             <a:endParaRPr sz="1100"/>
           </a:p>
           <a:p>
-            <a:pPr indent="0" lvl="0" marL="0" rtl="0" algn="l">
+            <a:pPr marL="0" lvl="0" indent="0" algn="l" rtl="0">
               <a:spcBef>
                 <a:spcPts val="0"/>
               </a:spcBef>
@@ -9778,11 +9775,11 @@
 </file>
 
 <file path=ppt/slides/slide3.xml><?xml version="1.0" encoding="utf-8"?>
-<p:sld xmlns:a="http://schemas.openxmlformats.org/drawingml/2006/main" xmlns:r="http://schemas.openxmlformats.org/officeDocument/2006/relationships" xmlns:mc="http://schemas.openxmlformats.org/markup-compatibility/2006" xmlns:mv="urn:schemas-microsoft-com:mac:vml" xmlns:p="http://schemas.openxmlformats.org/presentationml/2006/main" xmlns:c="http://schemas.openxmlformats.org/drawingml/2006/chart" xmlns:dgm="http://schemas.openxmlformats.org/drawingml/2006/diagram" xmlns:o="urn:schemas-microsoft-com:office:office" xmlns:v="urn:schemas-microsoft-com:vml" xmlns:pvml="urn:schemas-microsoft-com:office:powerpoint" xmlns:com="http://schemas.openxmlformats.org/drawingml/2006/compatibility" xmlns:p14="http://schemas.microsoft.com/office/powerpoint/2010/main" xmlns:p15="http://schemas.microsoft.com/office/powerpoint/2012/main">
+<p:sld xmlns:a="http://schemas.openxmlformats.org/drawingml/2006/main" xmlns:r="http://schemas.openxmlformats.org/officeDocument/2006/relationships" xmlns:p="http://schemas.openxmlformats.org/presentationml/2006/main">
   <p:cSld>
     <p:spTree>
       <p:nvGrpSpPr>
-        <p:cNvPr id="140" name="Shape 140"/>
+        <p:cNvPr id="1" name="Shape 140"/>
         <p:cNvGrpSpPr/>
         <p:nvPr/>
       </p:nvGrpSpPr>
@@ -9797,7 +9794,9 @@
       <p:sp>
         <p:nvSpPr>
           <p:cNvPr id="141" name="Google Shape;141;p15"/>
-          <p:cNvSpPr txBox="1"/>
+          <p:cNvSpPr txBox="1">
+            <a:spLocks noGrp="1"/>
+          </p:cNvSpPr>
           <p:nvPr>
             <p:ph type="title"/>
           </p:nvPr>
@@ -9812,12 +9811,12 @@
           </a:prstGeom>
         </p:spPr>
         <p:txBody>
-          <a:bodyPr anchorCtr="0" anchor="t" bIns="91425" lIns="91425" spcFirstLastPara="1" rIns="91425" wrap="square" tIns="91425">
+          <a:bodyPr spcFirstLastPara="1" wrap="square" lIns="91425" tIns="91425" rIns="91425" bIns="91425" anchor="t" anchorCtr="0">
             <a:noAutofit/>
           </a:bodyPr>
           <a:lstStyle/>
           <a:p>
-            <a:pPr indent="0" lvl="0" marL="0" rtl="0" algn="l">
+            <a:pPr marL="0" lvl="0" indent="0" algn="l" rtl="0">
               <a:spcBef>
                 <a:spcPts val="0"/>
               </a:spcBef>
@@ -9838,7 +9837,7 @@
             <a:endParaRPr/>
           </a:p>
           <a:p>
-            <a:pPr indent="0" lvl="0" marL="0" rtl="0" algn="l">
+            <a:pPr marL="0" lvl="0" indent="0" algn="l" rtl="0">
               <a:spcBef>
                 <a:spcPts val="0"/>
               </a:spcBef>
@@ -9847,9 +9846,6 @@
               </a:spcAft>
               <a:buNone/>
             </a:pPr>
-            <a:r>
-              <a:t/>
-            </a:r>
             <a:endParaRPr/>
           </a:p>
         </p:txBody>
@@ -9902,12 +9898,12 @@
           </a:ln>
         </p:spPr>
         <p:txBody>
-          <a:bodyPr anchorCtr="0" anchor="t" bIns="91425" lIns="91425" spcFirstLastPara="1" rIns="91425" wrap="square" tIns="91425">
+          <a:bodyPr spcFirstLastPara="1" wrap="square" lIns="91425" tIns="91425" rIns="91425" bIns="91425" anchor="t" anchorCtr="0">
             <a:noAutofit/>
           </a:bodyPr>
           <a:lstStyle/>
           <a:p>
-            <a:pPr indent="0" lvl="0" marL="0" rtl="0" algn="l">
+            <a:pPr marL="0" lvl="0" indent="0" algn="l" rtl="0">
               <a:spcBef>
                 <a:spcPts val="0"/>
               </a:spcBef>
@@ -9923,7 +9919,7 @@
             <a:endParaRPr sz="1100"/>
           </a:p>
           <a:p>
-            <a:pPr indent="0" lvl="0" marL="0" rtl="0" algn="l">
+            <a:pPr marL="0" lvl="0" indent="0" algn="l" rtl="0">
               <a:spcBef>
                 <a:spcPts val="0"/>
               </a:spcBef>
@@ -9932,13 +9928,10 @@
               </a:spcAft>
               <a:buNone/>
             </a:pPr>
-            <a:r>
-              <a:t/>
-            </a:r>
             <a:endParaRPr sz="1100"/>
           </a:p>
           <a:p>
-            <a:pPr indent="0" lvl="0" marL="0" rtl="0" algn="l">
+            <a:pPr marL="0" lvl="0" indent="0" algn="l" rtl="0">
               <a:spcBef>
                 <a:spcPts val="0"/>
               </a:spcBef>
@@ -9964,11 +9957,11 @@
 </file>
 
 <file path=ppt/slides/slide4.xml><?xml version="1.0" encoding="utf-8"?>
-<p:sld xmlns:a="http://schemas.openxmlformats.org/drawingml/2006/main" xmlns:r="http://schemas.openxmlformats.org/officeDocument/2006/relationships" xmlns:mc="http://schemas.openxmlformats.org/markup-compatibility/2006" xmlns:mv="urn:schemas-microsoft-com:mac:vml" xmlns:p="http://schemas.openxmlformats.org/presentationml/2006/main" xmlns:c="http://schemas.openxmlformats.org/drawingml/2006/chart" xmlns:dgm="http://schemas.openxmlformats.org/drawingml/2006/diagram" xmlns:o="urn:schemas-microsoft-com:office:office" xmlns:v="urn:schemas-microsoft-com:vml" xmlns:pvml="urn:schemas-microsoft-com:office:powerpoint" xmlns:com="http://schemas.openxmlformats.org/drawingml/2006/compatibility" xmlns:p14="http://schemas.microsoft.com/office/powerpoint/2010/main" xmlns:p15="http://schemas.microsoft.com/office/powerpoint/2012/main">
+<p:sld xmlns:a="http://schemas.openxmlformats.org/drawingml/2006/main" xmlns:r="http://schemas.openxmlformats.org/officeDocument/2006/relationships" xmlns:p="http://schemas.openxmlformats.org/presentationml/2006/main">
   <p:cSld>
     <p:spTree>
       <p:nvGrpSpPr>
-        <p:cNvPr id="147" name="Shape 147"/>
+        <p:cNvPr id="1" name="Shape 147"/>
         <p:cNvGrpSpPr/>
         <p:nvPr/>
       </p:nvGrpSpPr>
@@ -9983,7 +9976,9 @@
       <p:sp>
         <p:nvSpPr>
           <p:cNvPr id="148" name="Google Shape;148;p16"/>
-          <p:cNvSpPr txBox="1"/>
+          <p:cNvSpPr txBox="1">
+            <a:spLocks noGrp="1"/>
+          </p:cNvSpPr>
           <p:nvPr>
             <p:ph type="title"/>
           </p:nvPr>
@@ -9998,12 +9993,12 @@
           </a:prstGeom>
         </p:spPr>
         <p:txBody>
-          <a:bodyPr anchorCtr="0" anchor="t" bIns="91425" lIns="91425" spcFirstLastPara="1" rIns="91425" wrap="square" tIns="91425">
+          <a:bodyPr spcFirstLastPara="1" wrap="square" lIns="91425" tIns="91425" rIns="91425" bIns="91425" anchor="t" anchorCtr="0">
             <a:noAutofit/>
           </a:bodyPr>
           <a:lstStyle/>
           <a:p>
-            <a:pPr indent="0" lvl="0" marL="0" rtl="0" algn="l">
+            <a:pPr marL="0" lvl="0" indent="0" algn="l" rtl="0">
               <a:spcBef>
                 <a:spcPts val="0"/>
               </a:spcBef>
@@ -10024,7 +10019,7 @@
             <a:endParaRPr/>
           </a:p>
           <a:p>
-            <a:pPr indent="0" lvl="0" marL="0" rtl="0" algn="l">
+            <a:pPr marL="0" lvl="0" indent="0" algn="l" rtl="0">
               <a:spcBef>
                 <a:spcPts val="0"/>
               </a:spcBef>
@@ -10038,13 +10033,10 @@
               <a:buFont typeface="Arial"/>
               <a:buNone/>
             </a:pPr>
-            <a:r>
-              <a:t/>
-            </a:r>
             <a:endParaRPr/>
           </a:p>
           <a:p>
-            <a:pPr indent="0" lvl="0" marL="0" rtl="0" algn="l">
+            <a:pPr marL="0" lvl="0" indent="0" algn="l" rtl="0">
               <a:spcBef>
                 <a:spcPts val="0"/>
               </a:spcBef>
@@ -10053,9 +10045,6 @@
               </a:spcAft>
               <a:buNone/>
             </a:pPr>
-            <a:r>
-              <a:t/>
-            </a:r>
             <a:endParaRPr/>
           </a:p>
         </p:txBody>
@@ -10108,12 +10097,12 @@
           </a:ln>
         </p:spPr>
         <p:txBody>
-          <a:bodyPr anchorCtr="0" anchor="t" bIns="91425" lIns="91425" spcFirstLastPara="1" rIns="91425" wrap="square" tIns="91425">
+          <a:bodyPr spcFirstLastPara="1" wrap="square" lIns="91425" tIns="91425" rIns="91425" bIns="91425" anchor="t" anchorCtr="0">
             <a:noAutofit/>
           </a:bodyPr>
           <a:lstStyle/>
           <a:p>
-            <a:pPr indent="0" lvl="0" marL="0" rtl="0" algn="l">
+            <a:pPr marL="0" lvl="0" indent="0" algn="l" rtl="0">
               <a:spcBef>
                 <a:spcPts val="0"/>
               </a:spcBef>
@@ -10139,11 +10128,11 @@
 </file>
 
 <file path=ppt/slides/slide5.xml><?xml version="1.0" encoding="utf-8"?>
-<p:sld xmlns:a="http://schemas.openxmlformats.org/drawingml/2006/main" xmlns:r="http://schemas.openxmlformats.org/officeDocument/2006/relationships" xmlns:mc="http://schemas.openxmlformats.org/markup-compatibility/2006" xmlns:mv="urn:schemas-microsoft-com:mac:vml" xmlns:p="http://schemas.openxmlformats.org/presentationml/2006/main" xmlns:c="http://schemas.openxmlformats.org/drawingml/2006/chart" xmlns:dgm="http://schemas.openxmlformats.org/drawingml/2006/diagram" xmlns:o="urn:schemas-microsoft-com:office:office" xmlns:v="urn:schemas-microsoft-com:vml" xmlns:pvml="urn:schemas-microsoft-com:office:powerpoint" xmlns:com="http://schemas.openxmlformats.org/drawingml/2006/compatibility" xmlns:p14="http://schemas.microsoft.com/office/powerpoint/2010/main" xmlns:p15="http://schemas.microsoft.com/office/powerpoint/2012/main">
+<p:sld xmlns:a="http://schemas.openxmlformats.org/drawingml/2006/main" xmlns:r="http://schemas.openxmlformats.org/officeDocument/2006/relationships" xmlns:p="http://schemas.openxmlformats.org/presentationml/2006/main">
   <p:cSld>
     <p:spTree>
       <p:nvGrpSpPr>
-        <p:cNvPr id="154" name="Shape 154"/>
+        <p:cNvPr id="1" name="Shape 154"/>
         <p:cNvGrpSpPr/>
         <p:nvPr/>
       </p:nvGrpSpPr>
@@ -10158,7 +10147,9 @@
       <p:sp>
         <p:nvSpPr>
           <p:cNvPr id="155" name="Google Shape;155;p17"/>
-          <p:cNvSpPr txBox="1"/>
+          <p:cNvSpPr txBox="1">
+            <a:spLocks noGrp="1"/>
+          </p:cNvSpPr>
           <p:nvPr>
             <p:ph type="title"/>
           </p:nvPr>
@@ -10173,12 +10164,12 @@
           </a:prstGeom>
         </p:spPr>
         <p:txBody>
-          <a:bodyPr anchorCtr="0" anchor="t" bIns="91425" lIns="91425" spcFirstLastPara="1" rIns="91425" wrap="square" tIns="91425">
+          <a:bodyPr spcFirstLastPara="1" wrap="square" lIns="91425" tIns="91425" rIns="91425" bIns="91425" anchor="t" anchorCtr="0">
             <a:noAutofit/>
           </a:bodyPr>
           <a:lstStyle/>
           <a:p>
-            <a:pPr indent="0" lvl="0" marL="0" rtl="0" algn="l">
+            <a:pPr marL="0" lvl="0" indent="0" algn="l" rtl="0">
               <a:spcBef>
                 <a:spcPts val="0"/>
               </a:spcBef>
@@ -10232,11 +10223,11 @@
 </file>
 
 <file path=ppt/slides/slide6.xml><?xml version="1.0" encoding="utf-8"?>
-<p:sld xmlns:a="http://schemas.openxmlformats.org/drawingml/2006/main" xmlns:r="http://schemas.openxmlformats.org/officeDocument/2006/relationships" xmlns:mc="http://schemas.openxmlformats.org/markup-compatibility/2006" xmlns:mv="urn:schemas-microsoft-com:mac:vml" xmlns:p="http://schemas.openxmlformats.org/presentationml/2006/main" xmlns:c="http://schemas.openxmlformats.org/drawingml/2006/chart" xmlns:dgm="http://schemas.openxmlformats.org/drawingml/2006/diagram" xmlns:o="urn:schemas-microsoft-com:office:office" xmlns:v="urn:schemas-microsoft-com:vml" xmlns:pvml="urn:schemas-microsoft-com:office:powerpoint" xmlns:com="http://schemas.openxmlformats.org/drawingml/2006/compatibility" xmlns:p14="http://schemas.microsoft.com/office/powerpoint/2010/main" xmlns:p15="http://schemas.microsoft.com/office/powerpoint/2012/main">
+<p:sld xmlns:a="http://schemas.openxmlformats.org/drawingml/2006/main" xmlns:r="http://schemas.openxmlformats.org/officeDocument/2006/relationships" xmlns:p="http://schemas.openxmlformats.org/presentationml/2006/main">
   <p:cSld>
     <p:spTree>
       <p:nvGrpSpPr>
-        <p:cNvPr id="160" name="Shape 160"/>
+        <p:cNvPr id="1" name="Shape 160"/>
         <p:cNvGrpSpPr/>
         <p:nvPr/>
       </p:nvGrpSpPr>
@@ -10251,7 +10242,9 @@
       <p:sp>
         <p:nvSpPr>
           <p:cNvPr id="161" name="Google Shape;161;p18"/>
-          <p:cNvSpPr txBox="1"/>
+          <p:cNvSpPr txBox="1">
+            <a:spLocks noGrp="1"/>
+          </p:cNvSpPr>
           <p:nvPr>
             <p:ph type="title"/>
           </p:nvPr>
@@ -10266,12 +10259,12 @@
           </a:prstGeom>
         </p:spPr>
         <p:txBody>
-          <a:bodyPr anchorCtr="0" anchor="t" bIns="91425" lIns="91425" spcFirstLastPara="1" rIns="91425" wrap="square" tIns="91425">
+          <a:bodyPr spcFirstLastPara="1" wrap="square" lIns="91425" tIns="91425" rIns="91425" bIns="91425" anchor="t" anchorCtr="0">
             <a:noAutofit/>
           </a:bodyPr>
           <a:lstStyle/>
           <a:p>
-            <a:pPr indent="0" lvl="0" marL="0" rtl="0" algn="l">
+            <a:pPr marL="0" lvl="0" indent="0" algn="l" rtl="0">
               <a:spcBef>
                 <a:spcPts val="0"/>
               </a:spcBef>
@@ -10291,9 +10284,11 @@
       <p:sp>
         <p:nvSpPr>
           <p:cNvPr id="162" name="Google Shape;162;p18"/>
-          <p:cNvSpPr txBox="1"/>
+          <p:cNvSpPr txBox="1">
+            <a:spLocks noGrp="1"/>
+          </p:cNvSpPr>
           <p:nvPr>
-            <p:ph idx="1" type="body"/>
+            <p:ph type="body" idx="1"/>
           </p:nvPr>
         </p:nvSpPr>
         <p:spPr>
@@ -10306,12 +10301,12 @@
           </a:prstGeom>
         </p:spPr>
         <p:txBody>
-          <a:bodyPr anchorCtr="0" anchor="t" bIns="91425" lIns="91425" spcFirstLastPara="1" rIns="91425" wrap="square" tIns="91425">
+          <a:bodyPr spcFirstLastPara="1" wrap="square" lIns="91425" tIns="91425" rIns="91425" bIns="91425" anchor="t" anchorCtr="0">
             <a:noAutofit/>
           </a:bodyPr>
           <a:lstStyle/>
           <a:p>
-            <a:pPr indent="0" lvl="0" marL="457200" rtl="0" algn="l">
+            <a:pPr marL="457200" lvl="0" indent="0" algn="l" rtl="0">
               <a:spcBef>
                 <a:spcPts val="0"/>
               </a:spcBef>
@@ -10322,20 +10317,12 @@
             </a:pPr>
             <a:r>
               <a:rPr lang="en"/>
-              <a:t>Is it possible to get access to data </a:t>
-            </a:r>
-            <a:r>
-              <a:rPr lang="en"/>
-              <a:t>fundamentals</a:t>
-            </a:r>
-            <a:r>
-              <a:rPr lang="en"/>
-              <a:t> course materials?</a:t>
+              <a:t>Is it possible to get access to data fundamentals course materials?</a:t>
             </a:r>
             <a:endParaRPr/>
           </a:p>
           <a:p>
-            <a:pPr indent="0" lvl="0" marL="457200" rtl="0" algn="l">
+            <a:pPr marL="457200" lvl="0" indent="0" algn="l" rtl="0">
               <a:spcBef>
                 <a:spcPts val="1600"/>
               </a:spcBef>
@@ -10351,7 +10338,7 @@
             <a:endParaRPr/>
           </a:p>
           <a:p>
-            <a:pPr indent="0" lvl="0" marL="457200" rtl="0" algn="l">
+            <a:pPr marL="457200" lvl="0" indent="0" algn="l" rtl="0">
               <a:spcBef>
                 <a:spcPts val="1600"/>
               </a:spcBef>
@@ -10362,20 +10349,12 @@
             </a:pPr>
             <a:r>
               <a:rPr lang="en"/>
-              <a:t>Selecting a system to pursue, what might be easiest to implement without fully </a:t>
-            </a:r>
-            <a:r>
-              <a:rPr lang="en"/>
-              <a:t>compromising</a:t>
-            </a:r>
-            <a:r>
-              <a:rPr lang="en"/>
-              <a:t> main aims - but provides a developmental project!</a:t>
+              <a:t>Selecting a system to pursue, what might be easiest to implement without fully compromising main aims - but provides a developmental project!</a:t>
             </a:r>
             <a:endParaRPr/>
           </a:p>
           <a:p>
-            <a:pPr indent="0" lvl="0" marL="0" rtl="0" algn="l">
+            <a:pPr marL="0" lvl="0" indent="0" algn="l" rtl="0">
               <a:spcBef>
                 <a:spcPts val="1600"/>
               </a:spcBef>
@@ -10391,7 +10370,7 @@
             <a:endParaRPr/>
           </a:p>
           <a:p>
-            <a:pPr indent="0" lvl="0" marL="457200" rtl="0" algn="l">
+            <a:pPr marL="457200" lvl="0" indent="0" algn="l" rtl="0">
               <a:spcBef>
                 <a:spcPts val="1600"/>
               </a:spcBef>
@@ -10400,13 +10379,10 @@
               </a:spcAft>
               <a:buNone/>
             </a:pPr>
-            <a:r>
-              <a:t/>
-            </a:r>
             <a:endParaRPr/>
           </a:p>
           <a:p>
-            <a:pPr indent="0" lvl="0" marL="457200" rtl="0" algn="l">
+            <a:pPr marL="457200" lvl="0" indent="0" algn="l" rtl="0">
               <a:spcBef>
                 <a:spcPts val="1600"/>
               </a:spcBef>
@@ -10415,9 +10391,6 @@
               </a:spcAft>
               <a:buNone/>
             </a:pPr>
-            <a:r>
-              <a:t/>
-            </a:r>
             <a:endParaRPr/>
           </a:p>
         </p:txBody>
@@ -10431,7 +10404,288 @@
 </file>
 
 <file path=ppt/theme/theme1.xml><?xml version="1.0" encoding="utf-8"?>
-<a:theme xmlns:a="http://schemas.openxmlformats.org/drawingml/2006/main" xmlns:r="http://schemas.openxmlformats.org/officeDocument/2006/relationships">
+<a:theme xmlns:a="http://schemas.openxmlformats.org/drawingml/2006/main" name="Shift">
+  <a:themeElements>
+    <a:clrScheme name="Shift">
+      <a:dk1>
+        <a:srgbClr val="FFFFFF"/>
+      </a:dk1>
+      <a:lt1>
+        <a:srgbClr val="AF7B51"/>
+      </a:lt1>
+      <a:dk2>
+        <a:srgbClr val="233A44"/>
+      </a:dk2>
+      <a:lt2>
+        <a:srgbClr val="D9D9D9"/>
+      </a:lt2>
+      <a:accent1>
+        <a:srgbClr val="00796B"/>
+      </a:accent1>
+      <a:accent2>
+        <a:srgbClr val="D9563F"/>
+      </a:accent2>
+      <a:accent3>
+        <a:srgbClr val="C4A15A"/>
+      </a:accent3>
+      <a:accent4>
+        <a:srgbClr val="14F597"/>
+      </a:accent4>
+      <a:accent5>
+        <a:srgbClr val="3D4594"/>
+      </a:accent5>
+      <a:accent6>
+        <a:srgbClr val="163EF5"/>
+      </a:accent6>
+      <a:hlink>
+        <a:srgbClr val="3D4594"/>
+      </a:hlink>
+      <a:folHlink>
+        <a:srgbClr val="3D4594"/>
+      </a:folHlink>
+    </a:clrScheme>
+    <a:fontScheme name="Office">
+      <a:majorFont>
+        <a:latin typeface="Arial"/>
+        <a:ea typeface=""/>
+        <a:cs typeface=""/>
+        <a:font script="Jpan" typeface="ＭＳ Ｐゴシック"/>
+        <a:font script="Hang" typeface="맑은 고딕"/>
+        <a:font script="Hans" typeface="宋体"/>
+        <a:font script="Hant" typeface="新細明體"/>
+        <a:font script="Arab" typeface="Times New Roman"/>
+        <a:font script="Hebr" typeface="Times New Roman"/>
+        <a:font script="Thai" typeface="Angsana New"/>
+        <a:font script="Ethi" typeface="Nyala"/>
+        <a:font script="Beng" typeface="Vrinda"/>
+        <a:font script="Gujr" typeface="Shruti"/>
+        <a:font script="Khmr" typeface="MoolBoran"/>
+        <a:font script="Knda" typeface="Tunga"/>
+        <a:font script="Guru" typeface="Raavi"/>
+        <a:font script="Cans" typeface="Euphemia"/>
+        <a:font script="Cher" typeface="Plantagenet Cherokee"/>
+        <a:font script="Yiii" typeface="Microsoft Yi Baiti"/>
+        <a:font script="Tibt" typeface="Microsoft Himalaya"/>
+        <a:font script="Thaa" typeface="MV Boli"/>
+        <a:font script="Deva" typeface="Mangal"/>
+        <a:font script="Telu" typeface="Gautami"/>
+        <a:font script="Taml" typeface="Latha"/>
+        <a:font script="Syrc" typeface="Estrangelo Edessa"/>
+        <a:font script="Orya" typeface="Kalinga"/>
+        <a:font script="Mlym" typeface="Kartika"/>
+        <a:font script="Laoo" typeface="DokChampa"/>
+        <a:font script="Sinh" typeface="Iskoola Pota"/>
+        <a:font script="Mong" typeface="Mongolian Baiti"/>
+        <a:font script="Viet" typeface="Times New Roman"/>
+        <a:font script="Uigh" typeface="Microsoft Uighur"/>
+        <a:font script="Geor" typeface="Sylfaen"/>
+      </a:majorFont>
+      <a:minorFont>
+        <a:latin typeface="Arial"/>
+        <a:ea typeface=""/>
+        <a:cs typeface=""/>
+        <a:font script="Jpan" typeface="ＭＳ Ｐゴシック"/>
+        <a:font script="Hang" typeface="맑은 고딕"/>
+        <a:font script="Hans" typeface="宋体"/>
+        <a:font script="Hant" typeface="新細明體"/>
+        <a:font script="Arab" typeface="Arial"/>
+        <a:font script="Hebr" typeface="Arial"/>
+        <a:font script="Thai" typeface="Cordia New"/>
+        <a:font script="Ethi" typeface="Nyala"/>
+        <a:font script="Beng" typeface="Vrinda"/>
+        <a:font script="Gujr" typeface="Shruti"/>
+        <a:font script="Khmr" typeface="DaunPenh"/>
+        <a:font script="Knda" typeface="Tunga"/>
+        <a:font script="Guru" typeface="Raavi"/>
+        <a:font script="Cans" typeface="Euphemia"/>
+        <a:font script="Cher" typeface="Plantagenet Cherokee"/>
+        <a:font script="Yiii" typeface="Microsoft Yi Baiti"/>
+        <a:font script="Tibt" typeface="Microsoft Himalaya"/>
+        <a:font script="Thaa" typeface="MV Boli"/>
+        <a:font script="Deva" typeface="Mangal"/>
+        <a:font script="Telu" typeface="Gautami"/>
+        <a:font script="Taml" typeface="Latha"/>
+        <a:font script="Syrc" typeface="Estrangelo Edessa"/>
+        <a:font script="Orya" typeface="Kalinga"/>
+        <a:font script="Mlym" typeface="Kartika"/>
+        <a:font script="Laoo" typeface="DokChampa"/>
+        <a:font script="Sinh" typeface="Iskoola Pota"/>
+        <a:font script="Mong" typeface="Mongolian Baiti"/>
+        <a:font script="Viet" typeface="Arial"/>
+        <a:font script="Uigh" typeface="Microsoft Uighur"/>
+        <a:font script="Geor" typeface="Sylfaen"/>
+      </a:minorFont>
+    </a:fontScheme>
+    <a:fmtScheme name="Office">
+      <a:fillStyleLst>
+        <a:solidFill>
+          <a:schemeClr val="phClr"/>
+        </a:solidFill>
+        <a:gradFill rotWithShape="1">
+          <a:gsLst>
+            <a:gs pos="0">
+              <a:schemeClr val="phClr">
+                <a:tint val="50000"/>
+                <a:satMod val="300000"/>
+              </a:schemeClr>
+            </a:gs>
+            <a:gs pos="35000">
+              <a:schemeClr val="phClr">
+                <a:tint val="37000"/>
+                <a:satMod val="300000"/>
+              </a:schemeClr>
+            </a:gs>
+            <a:gs pos="100000">
+              <a:schemeClr val="phClr">
+                <a:tint val="15000"/>
+                <a:satMod val="350000"/>
+              </a:schemeClr>
+            </a:gs>
+          </a:gsLst>
+          <a:lin ang="16200000" scaled="1"/>
+        </a:gradFill>
+        <a:gradFill rotWithShape="1">
+          <a:gsLst>
+            <a:gs pos="0">
+              <a:schemeClr val="phClr">
+                <a:tint val="100000"/>
+                <a:shade val="100000"/>
+                <a:satMod val="130000"/>
+              </a:schemeClr>
+            </a:gs>
+            <a:gs pos="100000">
+              <a:schemeClr val="phClr">
+                <a:tint val="50000"/>
+                <a:shade val="100000"/>
+                <a:satMod val="350000"/>
+              </a:schemeClr>
+            </a:gs>
+          </a:gsLst>
+          <a:lin ang="16200000" scaled="0"/>
+        </a:gradFill>
+      </a:fillStyleLst>
+      <a:lnStyleLst>
+        <a:ln w="9525" cap="flat" cmpd="sng" algn="ctr">
+          <a:solidFill>
+            <a:schemeClr val="phClr">
+              <a:shade val="95000"/>
+              <a:satMod val="105000"/>
+            </a:schemeClr>
+          </a:solidFill>
+          <a:prstDash val="solid"/>
+        </a:ln>
+        <a:ln w="25400" cap="flat" cmpd="sng" algn="ctr">
+          <a:solidFill>
+            <a:schemeClr val="phClr"/>
+          </a:solidFill>
+          <a:prstDash val="solid"/>
+        </a:ln>
+        <a:ln w="38100" cap="flat" cmpd="sng" algn="ctr">
+          <a:solidFill>
+            <a:schemeClr val="phClr"/>
+          </a:solidFill>
+          <a:prstDash val="solid"/>
+        </a:ln>
+      </a:lnStyleLst>
+      <a:effectStyleLst>
+        <a:effectStyle>
+          <a:effectLst>
+            <a:outerShdw blurRad="40000" dist="20000" dir="5400000" rotWithShape="0">
+              <a:srgbClr val="000000">
+                <a:alpha val="38000"/>
+              </a:srgbClr>
+            </a:outerShdw>
+          </a:effectLst>
+        </a:effectStyle>
+        <a:effectStyle>
+          <a:effectLst>
+            <a:outerShdw blurRad="40000" dist="23000" dir="5400000" rotWithShape="0">
+              <a:srgbClr val="000000">
+                <a:alpha val="35000"/>
+              </a:srgbClr>
+            </a:outerShdw>
+          </a:effectLst>
+        </a:effectStyle>
+        <a:effectStyle>
+          <a:effectLst>
+            <a:outerShdw blurRad="40000" dist="23000" dir="5400000" rotWithShape="0">
+              <a:srgbClr val="000000">
+                <a:alpha val="35000"/>
+              </a:srgbClr>
+            </a:outerShdw>
+          </a:effectLst>
+          <a:scene3d>
+            <a:camera prst="orthographicFront">
+              <a:rot lat="0" lon="0" rev="0"/>
+            </a:camera>
+            <a:lightRig rig="threePt" dir="t">
+              <a:rot lat="0" lon="0" rev="1200000"/>
+            </a:lightRig>
+          </a:scene3d>
+          <a:sp3d>
+            <a:bevelT w="63500" h="25400"/>
+          </a:sp3d>
+        </a:effectStyle>
+      </a:effectStyleLst>
+      <a:bgFillStyleLst>
+        <a:solidFill>
+          <a:schemeClr val="phClr"/>
+        </a:solidFill>
+        <a:gradFill rotWithShape="1">
+          <a:gsLst>
+            <a:gs pos="0">
+              <a:schemeClr val="phClr">
+                <a:tint val="40000"/>
+                <a:satMod val="350000"/>
+              </a:schemeClr>
+            </a:gs>
+            <a:gs pos="40000">
+              <a:schemeClr val="phClr">
+                <a:tint val="45000"/>
+                <a:shade val="99000"/>
+                <a:satMod val="350000"/>
+              </a:schemeClr>
+            </a:gs>
+            <a:gs pos="100000">
+              <a:schemeClr val="phClr">
+                <a:shade val="20000"/>
+                <a:satMod val="255000"/>
+              </a:schemeClr>
+            </a:gs>
+          </a:gsLst>
+          <a:path path="circle">
+            <a:fillToRect l="50000" t="-80000" r="50000" b="180000"/>
+          </a:path>
+        </a:gradFill>
+        <a:gradFill rotWithShape="1">
+          <a:gsLst>
+            <a:gs pos="0">
+              <a:schemeClr val="phClr">
+                <a:tint val="80000"/>
+                <a:satMod val="300000"/>
+              </a:schemeClr>
+            </a:gs>
+            <a:gs pos="100000">
+              <a:schemeClr val="phClr">
+                <a:shade val="30000"/>
+                <a:satMod val="200000"/>
+              </a:schemeClr>
+            </a:gs>
+          </a:gsLst>
+          <a:path path="circle">
+            <a:fillToRect l="50000" t="50000" r="50000" b="50000"/>
+          </a:path>
+        </a:gradFill>
+      </a:bgFillStyleLst>
+    </a:fmtScheme>
+  </a:themeElements>
+  <a:objectDefaults/>
+  <a:extraClrSchemeLst/>
+</a:theme>
+</file>
+
+<file path=ppt/theme/theme2.xml><?xml version="1.0" encoding="utf-8"?>
+<a:theme xmlns:a="http://schemas.openxmlformats.org/drawingml/2006/main">
   <a:themeElements>
     <a:clrScheme name="Default">
       <a:dk1>
@@ -10706,284 +10960,7 @@
       </a:bgFillStyleLst>
     </a:fmtScheme>
   </a:themeElements>
-</a:theme>
-</file>
-
-<file path=ppt/theme/theme2.xml><?xml version="1.0" encoding="utf-8"?>
-<a:theme xmlns:a="http://schemas.openxmlformats.org/drawingml/2006/main" xmlns:r="http://schemas.openxmlformats.org/officeDocument/2006/relationships" name="Shift">
-  <a:themeElements>
-    <a:clrScheme name="Shift">
-      <a:dk1>
-        <a:srgbClr val="FFFFFF"/>
-      </a:dk1>
-      <a:lt1>
-        <a:srgbClr val="AF7B51"/>
-      </a:lt1>
-      <a:dk2>
-        <a:srgbClr val="233A44"/>
-      </a:dk2>
-      <a:lt2>
-        <a:srgbClr val="D9D9D9"/>
-      </a:lt2>
-      <a:accent1>
-        <a:srgbClr val="00796B"/>
-      </a:accent1>
-      <a:accent2>
-        <a:srgbClr val="D9563F"/>
-      </a:accent2>
-      <a:accent3>
-        <a:srgbClr val="C4A15A"/>
-      </a:accent3>
-      <a:accent4>
-        <a:srgbClr val="14F597"/>
-      </a:accent4>
-      <a:accent5>
-        <a:srgbClr val="3D4594"/>
-      </a:accent5>
-      <a:accent6>
-        <a:srgbClr val="163EF5"/>
-      </a:accent6>
-      <a:hlink>
-        <a:srgbClr val="3D4594"/>
-      </a:hlink>
-      <a:folHlink>
-        <a:srgbClr val="3D4594"/>
-      </a:folHlink>
-    </a:clrScheme>
-    <a:fontScheme name="Office">
-      <a:majorFont>
-        <a:latin typeface="Arial"/>
-        <a:ea typeface=""/>
-        <a:cs typeface=""/>
-        <a:font script="Jpan" typeface="ＭＳ Ｐゴシック"/>
-        <a:font script="Hang" typeface="맑은 고딕"/>
-        <a:font script="Hans" typeface="宋体"/>
-        <a:font script="Hant" typeface="新細明體"/>
-        <a:font script="Arab" typeface="Times New Roman"/>
-        <a:font script="Hebr" typeface="Times New Roman"/>
-        <a:font script="Thai" typeface="Angsana New"/>
-        <a:font script="Ethi" typeface="Nyala"/>
-        <a:font script="Beng" typeface="Vrinda"/>
-        <a:font script="Gujr" typeface="Shruti"/>
-        <a:font script="Khmr" typeface="MoolBoran"/>
-        <a:font script="Knda" typeface="Tunga"/>
-        <a:font script="Guru" typeface="Raavi"/>
-        <a:font script="Cans" typeface="Euphemia"/>
-        <a:font script="Cher" typeface="Plantagenet Cherokee"/>
-        <a:font script="Yiii" typeface="Microsoft Yi Baiti"/>
-        <a:font script="Tibt" typeface="Microsoft Himalaya"/>
-        <a:font script="Thaa" typeface="MV Boli"/>
-        <a:font script="Deva" typeface="Mangal"/>
-        <a:font script="Telu" typeface="Gautami"/>
-        <a:font script="Taml" typeface="Latha"/>
-        <a:font script="Syrc" typeface="Estrangelo Edessa"/>
-        <a:font script="Orya" typeface="Kalinga"/>
-        <a:font script="Mlym" typeface="Kartika"/>
-        <a:font script="Laoo" typeface="DokChampa"/>
-        <a:font script="Sinh" typeface="Iskoola Pota"/>
-        <a:font script="Mong" typeface="Mongolian Baiti"/>
-        <a:font script="Viet" typeface="Times New Roman"/>
-        <a:font script="Uigh" typeface="Microsoft Uighur"/>
-        <a:font script="Geor" typeface="Sylfaen"/>
-      </a:majorFont>
-      <a:minorFont>
-        <a:latin typeface="Arial"/>
-        <a:ea typeface=""/>
-        <a:cs typeface=""/>
-        <a:font script="Jpan" typeface="ＭＳ Ｐゴシック"/>
-        <a:font script="Hang" typeface="맑은 고딕"/>
-        <a:font script="Hans" typeface="宋体"/>
-        <a:font script="Hant" typeface="新細明體"/>
-        <a:font script="Arab" typeface="Arial"/>
-        <a:font script="Hebr" typeface="Arial"/>
-        <a:font script="Thai" typeface="Cordia New"/>
-        <a:font script="Ethi" typeface="Nyala"/>
-        <a:font script="Beng" typeface="Vrinda"/>
-        <a:font script="Gujr" typeface="Shruti"/>
-        <a:font script="Khmr" typeface="DaunPenh"/>
-        <a:font script="Knda" typeface="Tunga"/>
-        <a:font script="Guru" typeface="Raavi"/>
-        <a:font script="Cans" typeface="Euphemia"/>
-        <a:font script="Cher" typeface="Plantagenet Cherokee"/>
-        <a:font script="Yiii" typeface="Microsoft Yi Baiti"/>
-        <a:font script="Tibt" typeface="Microsoft Himalaya"/>
-        <a:font script="Thaa" typeface="MV Boli"/>
-        <a:font script="Deva" typeface="Mangal"/>
-        <a:font script="Telu" typeface="Gautami"/>
-        <a:font script="Taml" typeface="Latha"/>
-        <a:font script="Syrc" typeface="Estrangelo Edessa"/>
-        <a:font script="Orya" typeface="Kalinga"/>
-        <a:font script="Mlym" typeface="Kartika"/>
-        <a:font script="Laoo" typeface="DokChampa"/>
-        <a:font script="Sinh" typeface="Iskoola Pota"/>
-        <a:font script="Mong" typeface="Mongolian Baiti"/>
-        <a:font script="Viet" typeface="Arial"/>
-        <a:font script="Uigh" typeface="Microsoft Uighur"/>
-        <a:font script="Geor" typeface="Sylfaen"/>
-      </a:minorFont>
-    </a:fontScheme>
-    <a:fmtScheme name="Office">
-      <a:fillStyleLst>
-        <a:solidFill>
-          <a:schemeClr val="phClr"/>
-        </a:solidFill>
-        <a:gradFill rotWithShape="1">
-          <a:gsLst>
-            <a:gs pos="0">
-              <a:schemeClr val="phClr">
-                <a:tint val="50000"/>
-                <a:satMod val="300000"/>
-              </a:schemeClr>
-            </a:gs>
-            <a:gs pos="35000">
-              <a:schemeClr val="phClr">
-                <a:tint val="37000"/>
-                <a:satMod val="300000"/>
-              </a:schemeClr>
-            </a:gs>
-            <a:gs pos="100000">
-              <a:schemeClr val="phClr">
-                <a:tint val="15000"/>
-                <a:satMod val="350000"/>
-              </a:schemeClr>
-            </a:gs>
-          </a:gsLst>
-          <a:lin ang="16200000" scaled="1"/>
-        </a:gradFill>
-        <a:gradFill rotWithShape="1">
-          <a:gsLst>
-            <a:gs pos="0">
-              <a:schemeClr val="phClr">
-                <a:tint val="100000"/>
-                <a:shade val="100000"/>
-                <a:satMod val="130000"/>
-              </a:schemeClr>
-            </a:gs>
-            <a:gs pos="100000">
-              <a:schemeClr val="phClr">
-                <a:tint val="50000"/>
-                <a:shade val="100000"/>
-                <a:satMod val="350000"/>
-              </a:schemeClr>
-            </a:gs>
-          </a:gsLst>
-          <a:lin ang="16200000" scaled="0"/>
-        </a:gradFill>
-      </a:fillStyleLst>
-      <a:lnStyleLst>
-        <a:ln w="9525" cap="flat" cmpd="sng" algn="ctr">
-          <a:solidFill>
-            <a:schemeClr val="phClr">
-              <a:shade val="95000"/>
-              <a:satMod val="105000"/>
-            </a:schemeClr>
-          </a:solidFill>
-          <a:prstDash val="solid"/>
-        </a:ln>
-        <a:ln w="25400" cap="flat" cmpd="sng" algn="ctr">
-          <a:solidFill>
-            <a:schemeClr val="phClr"/>
-          </a:solidFill>
-          <a:prstDash val="solid"/>
-        </a:ln>
-        <a:ln w="38100" cap="flat" cmpd="sng" algn="ctr">
-          <a:solidFill>
-            <a:schemeClr val="phClr"/>
-          </a:solidFill>
-          <a:prstDash val="solid"/>
-        </a:ln>
-      </a:lnStyleLst>
-      <a:effectStyleLst>
-        <a:effectStyle>
-          <a:effectLst>
-            <a:outerShdw blurRad="40000" dist="20000" dir="5400000" rotWithShape="0">
-              <a:srgbClr val="000000">
-                <a:alpha val="38000"/>
-              </a:srgbClr>
-            </a:outerShdw>
-          </a:effectLst>
-        </a:effectStyle>
-        <a:effectStyle>
-          <a:effectLst>
-            <a:outerShdw blurRad="40000" dist="23000" dir="5400000" rotWithShape="0">
-              <a:srgbClr val="000000">
-                <a:alpha val="35000"/>
-              </a:srgbClr>
-            </a:outerShdw>
-          </a:effectLst>
-        </a:effectStyle>
-        <a:effectStyle>
-          <a:effectLst>
-            <a:outerShdw blurRad="40000" dist="23000" dir="5400000" rotWithShape="0">
-              <a:srgbClr val="000000">
-                <a:alpha val="35000"/>
-              </a:srgbClr>
-            </a:outerShdw>
-          </a:effectLst>
-          <a:scene3d>
-            <a:camera prst="orthographicFront">
-              <a:rot lat="0" lon="0" rev="0"/>
-            </a:camera>
-            <a:lightRig rig="threePt" dir="t">
-              <a:rot lat="0" lon="0" rev="1200000"/>
-            </a:lightRig>
-          </a:scene3d>
-          <a:sp3d>
-            <a:bevelT w="63500" h="25400"/>
-          </a:sp3d>
-        </a:effectStyle>
-      </a:effectStyleLst>
-      <a:bgFillStyleLst>
-        <a:solidFill>
-          <a:schemeClr val="phClr"/>
-        </a:solidFill>
-        <a:gradFill rotWithShape="1">
-          <a:gsLst>
-            <a:gs pos="0">
-              <a:schemeClr val="phClr">
-                <a:tint val="40000"/>
-                <a:satMod val="350000"/>
-              </a:schemeClr>
-            </a:gs>
-            <a:gs pos="40000">
-              <a:schemeClr val="phClr">
-                <a:tint val="45000"/>
-                <a:shade val="99000"/>
-                <a:satMod val="350000"/>
-              </a:schemeClr>
-            </a:gs>
-            <a:gs pos="100000">
-              <a:schemeClr val="phClr">
-                <a:shade val="20000"/>
-                <a:satMod val="255000"/>
-              </a:schemeClr>
-            </a:gs>
-          </a:gsLst>
-          <a:path path="circle">
-            <a:fillToRect l="50000" t="-80000" r="50000" b="180000"/>
-          </a:path>
-        </a:gradFill>
-        <a:gradFill rotWithShape="1">
-          <a:gsLst>
-            <a:gs pos="0">
-              <a:schemeClr val="phClr">
-                <a:tint val="80000"/>
-                <a:satMod val="300000"/>
-              </a:schemeClr>
-            </a:gs>
-            <a:gs pos="100000">
-              <a:schemeClr val="phClr">
-                <a:shade val="30000"/>
-                <a:satMod val="200000"/>
-              </a:schemeClr>
-            </a:gs>
-          </a:gsLst>
-          <a:path path="circle">
-            <a:fillToRect l="50000" t="50000" r="50000" b="50000"/>
-          </a:path>
-        </a:gradFill>
-      </a:bgFillStyleLst>
-    </a:fmtScheme>
-  </a:themeElements>
+  <a:objectDefaults/>
+  <a:extraClrSchemeLst/>
 </a:theme>
 </file>